--- a/0001 - plan - lecture 2 - anton.pptx
+++ b/0001 - plan - lecture 2 - anton.pptx
@@ -289,6 +289,7 @@
           <a:p>
             <a:fld id="{D5A7C5D8-9F3C-4F23-80AA-CC2331A5C573}" type="datetimeFigureOut">
               <a:rPr lang="uk-UA" smtClean="0"/>
+              <a:pPr/>
               <a:t>20.11.2014</a:t>
             </a:fld>
             <a:endParaRPr lang="uk-UA"/>
@@ -331,6 +332,7 @@
           <a:p>
             <a:fld id="{6389AA22-90B4-448C-8B6B-C699140D38B9}" type="slidenum">
               <a:rPr lang="uk-UA" smtClean="0"/>
+              <a:pPr/>
               <a:t>‹#›</a:t>
             </a:fld>
             <a:endParaRPr lang="uk-UA"/>
@@ -454,6 +456,7 @@
           <a:p>
             <a:fld id="{D5A7C5D8-9F3C-4F23-80AA-CC2331A5C573}" type="datetimeFigureOut">
               <a:rPr lang="uk-UA" smtClean="0"/>
+              <a:pPr/>
               <a:t>20.11.2014</a:t>
             </a:fld>
             <a:endParaRPr lang="uk-UA"/>
@@ -496,6 +499,7 @@
           <a:p>
             <a:fld id="{6389AA22-90B4-448C-8B6B-C699140D38B9}" type="slidenum">
               <a:rPr lang="uk-UA" smtClean="0"/>
+              <a:pPr/>
               <a:t>‹#›</a:t>
             </a:fld>
             <a:endParaRPr lang="uk-UA"/>
@@ -629,6 +633,7 @@
           <a:p>
             <a:fld id="{D5A7C5D8-9F3C-4F23-80AA-CC2331A5C573}" type="datetimeFigureOut">
               <a:rPr lang="uk-UA" smtClean="0"/>
+              <a:pPr/>
               <a:t>20.11.2014</a:t>
             </a:fld>
             <a:endParaRPr lang="uk-UA"/>
@@ -671,6 +676,7 @@
           <a:p>
             <a:fld id="{6389AA22-90B4-448C-8B6B-C699140D38B9}" type="slidenum">
               <a:rPr lang="uk-UA" smtClean="0"/>
+              <a:pPr/>
               <a:t>‹#›</a:t>
             </a:fld>
             <a:endParaRPr lang="uk-UA"/>
@@ -794,6 +800,7 @@
           <a:p>
             <a:fld id="{D5A7C5D8-9F3C-4F23-80AA-CC2331A5C573}" type="datetimeFigureOut">
               <a:rPr lang="uk-UA" smtClean="0"/>
+              <a:pPr/>
               <a:t>20.11.2014</a:t>
             </a:fld>
             <a:endParaRPr lang="uk-UA"/>
@@ -836,6 +843,7 @@
           <a:p>
             <a:fld id="{6389AA22-90B4-448C-8B6B-C699140D38B9}" type="slidenum">
               <a:rPr lang="uk-UA" smtClean="0"/>
+              <a:pPr/>
               <a:t>‹#›</a:t>
             </a:fld>
             <a:endParaRPr lang="uk-UA"/>
@@ -1035,6 +1043,7 @@
           <a:p>
             <a:fld id="{D5A7C5D8-9F3C-4F23-80AA-CC2331A5C573}" type="datetimeFigureOut">
               <a:rPr lang="uk-UA" smtClean="0"/>
+              <a:pPr/>
               <a:t>20.11.2014</a:t>
             </a:fld>
             <a:endParaRPr lang="uk-UA"/>
@@ -1077,6 +1086,7 @@
           <a:p>
             <a:fld id="{6389AA22-90B4-448C-8B6B-C699140D38B9}" type="slidenum">
               <a:rPr lang="uk-UA" smtClean="0"/>
+              <a:pPr/>
               <a:t>‹#›</a:t>
             </a:fld>
             <a:endParaRPr lang="uk-UA"/>
@@ -1318,6 +1328,7 @@
           <a:p>
             <a:fld id="{D5A7C5D8-9F3C-4F23-80AA-CC2331A5C573}" type="datetimeFigureOut">
               <a:rPr lang="uk-UA" smtClean="0"/>
+              <a:pPr/>
               <a:t>20.11.2014</a:t>
             </a:fld>
             <a:endParaRPr lang="uk-UA"/>
@@ -1360,6 +1371,7 @@
           <a:p>
             <a:fld id="{6389AA22-90B4-448C-8B6B-C699140D38B9}" type="slidenum">
               <a:rPr lang="uk-UA" smtClean="0"/>
+              <a:pPr/>
               <a:t>‹#›</a:t>
             </a:fld>
             <a:endParaRPr lang="uk-UA"/>
@@ -1735,6 +1747,7 @@
           <a:p>
             <a:fld id="{D5A7C5D8-9F3C-4F23-80AA-CC2331A5C573}" type="datetimeFigureOut">
               <a:rPr lang="uk-UA" smtClean="0"/>
+              <a:pPr/>
               <a:t>20.11.2014</a:t>
             </a:fld>
             <a:endParaRPr lang="uk-UA"/>
@@ -1777,6 +1790,7 @@
           <a:p>
             <a:fld id="{6389AA22-90B4-448C-8B6B-C699140D38B9}" type="slidenum">
               <a:rPr lang="uk-UA" smtClean="0"/>
+              <a:pPr/>
               <a:t>‹#›</a:t>
             </a:fld>
             <a:endParaRPr lang="uk-UA"/>
@@ -1848,6 +1862,7 @@
           <a:p>
             <a:fld id="{D5A7C5D8-9F3C-4F23-80AA-CC2331A5C573}" type="datetimeFigureOut">
               <a:rPr lang="uk-UA" smtClean="0"/>
+              <a:pPr/>
               <a:t>20.11.2014</a:t>
             </a:fld>
             <a:endParaRPr lang="uk-UA"/>
@@ -1890,6 +1905,7 @@
           <a:p>
             <a:fld id="{6389AA22-90B4-448C-8B6B-C699140D38B9}" type="slidenum">
               <a:rPr lang="uk-UA" smtClean="0"/>
+              <a:pPr/>
               <a:t>‹#›</a:t>
             </a:fld>
             <a:endParaRPr lang="uk-UA"/>
@@ -1938,6 +1954,7 @@
           <a:p>
             <a:fld id="{D5A7C5D8-9F3C-4F23-80AA-CC2331A5C573}" type="datetimeFigureOut">
               <a:rPr lang="uk-UA" smtClean="0"/>
+              <a:pPr/>
               <a:t>20.11.2014</a:t>
             </a:fld>
             <a:endParaRPr lang="uk-UA"/>
@@ -1980,6 +1997,7 @@
           <a:p>
             <a:fld id="{6389AA22-90B4-448C-8B6B-C699140D38B9}" type="slidenum">
               <a:rPr lang="uk-UA" smtClean="0"/>
+              <a:pPr/>
               <a:t>‹#›</a:t>
             </a:fld>
             <a:endParaRPr lang="uk-UA"/>
@@ -2210,6 +2228,7 @@
           <a:p>
             <a:fld id="{D5A7C5D8-9F3C-4F23-80AA-CC2331A5C573}" type="datetimeFigureOut">
               <a:rPr lang="uk-UA" smtClean="0"/>
+              <a:pPr/>
               <a:t>20.11.2014</a:t>
             </a:fld>
             <a:endParaRPr lang="uk-UA"/>
@@ -2252,6 +2271,7 @@
           <a:p>
             <a:fld id="{6389AA22-90B4-448C-8B6B-C699140D38B9}" type="slidenum">
               <a:rPr lang="uk-UA" smtClean="0"/>
+              <a:pPr/>
               <a:t>‹#›</a:t>
             </a:fld>
             <a:endParaRPr lang="uk-UA"/>
@@ -2458,6 +2478,7 @@
           <a:p>
             <a:fld id="{D5A7C5D8-9F3C-4F23-80AA-CC2331A5C573}" type="datetimeFigureOut">
               <a:rPr lang="uk-UA" smtClean="0"/>
+              <a:pPr/>
               <a:t>20.11.2014</a:t>
             </a:fld>
             <a:endParaRPr lang="uk-UA"/>
@@ -2500,6 +2521,7 @@
           <a:p>
             <a:fld id="{6389AA22-90B4-448C-8B6B-C699140D38B9}" type="slidenum">
               <a:rPr lang="uk-UA" smtClean="0"/>
+              <a:pPr/>
               <a:t>‹#›</a:t>
             </a:fld>
             <a:endParaRPr lang="uk-UA"/>
@@ -2666,6 +2688,7 @@
           <a:p>
             <a:fld id="{D5A7C5D8-9F3C-4F23-80AA-CC2331A5C573}" type="datetimeFigureOut">
               <a:rPr lang="uk-UA" smtClean="0"/>
+              <a:pPr/>
               <a:t>20.11.2014</a:t>
             </a:fld>
             <a:endParaRPr lang="uk-UA"/>
@@ -2744,6 +2767,7 @@
           <a:p>
             <a:fld id="{6389AA22-90B4-448C-8B6B-C699140D38B9}" type="slidenum">
               <a:rPr lang="uk-UA" smtClean="0"/>
+              <a:pPr/>
               <a:t>‹#›</a:t>
             </a:fld>
             <a:endParaRPr lang="uk-UA"/>
@@ -3052,10 +3076,18 @@
           <a:lstStyle/>
           <a:p>
             <a:r>
-              <a:rPr lang="ru-RU" dirty="0" smtClean="0"/>
+              <a:rPr lang="ru-RU" dirty="0" smtClean="0">
+                <a:solidFill>
+                  <a:srgbClr val="FF0000"/>
+                </a:solidFill>
+              </a:rPr>
               <a:t>Как работает интернет</a:t>
             </a:r>
-            <a:endParaRPr lang="uk-UA" dirty="0"/>
+            <a:endParaRPr lang="uk-UA" dirty="0">
+              <a:solidFill>
+                <a:srgbClr val="FF0000"/>
+              </a:solidFill>
+            </a:endParaRPr>
           </a:p>
         </p:txBody>
       </p:sp>

--- a/0001 - plan - lecture 2 - anton.pptx
+++ b/0001 - plan - lecture 2 - anton.pptx
@@ -6,7 +6,12 @@
   </p:sldMasterIdLst>
   <p:sldIdLst>
     <p:sldId id="257" r:id="rId2"/>
-    <p:sldId id="263" r:id="rId3"/>
+    <p:sldId id="264" r:id="rId3"/>
+    <p:sldId id="265" r:id="rId4"/>
+    <p:sldId id="266" r:id="rId5"/>
+    <p:sldId id="267" r:id="rId6"/>
+    <p:sldId id="268" r:id="rId7"/>
+    <p:sldId id="263" r:id="rId8"/>
   </p:sldIdLst>
   <p:sldSz cx="9144000" cy="6858000" type="screen4x3"/>
   <p:notesSz cx="6858000" cy="9144000"/>
@@ -290,7 +295,7 @@
             <a:fld id="{D5A7C5D8-9F3C-4F23-80AA-CC2331A5C573}" type="datetimeFigureOut">
               <a:rPr lang="uk-UA" smtClean="0"/>
               <a:pPr/>
-              <a:t>20.11.2014</a:t>
+              <a:t>21.11.2014</a:t>
             </a:fld>
             <a:endParaRPr lang="uk-UA"/>
           </a:p>
@@ -457,7 +462,7 @@
             <a:fld id="{D5A7C5D8-9F3C-4F23-80AA-CC2331A5C573}" type="datetimeFigureOut">
               <a:rPr lang="uk-UA" smtClean="0"/>
               <a:pPr/>
-              <a:t>20.11.2014</a:t>
+              <a:t>21.11.2014</a:t>
             </a:fld>
             <a:endParaRPr lang="uk-UA"/>
           </a:p>
@@ -634,7 +639,7 @@
             <a:fld id="{D5A7C5D8-9F3C-4F23-80AA-CC2331A5C573}" type="datetimeFigureOut">
               <a:rPr lang="uk-UA" smtClean="0"/>
               <a:pPr/>
-              <a:t>20.11.2014</a:t>
+              <a:t>21.11.2014</a:t>
             </a:fld>
             <a:endParaRPr lang="uk-UA"/>
           </a:p>
@@ -801,7 +806,7 @@
             <a:fld id="{D5A7C5D8-9F3C-4F23-80AA-CC2331A5C573}" type="datetimeFigureOut">
               <a:rPr lang="uk-UA" smtClean="0"/>
               <a:pPr/>
-              <a:t>20.11.2014</a:t>
+              <a:t>21.11.2014</a:t>
             </a:fld>
             <a:endParaRPr lang="uk-UA"/>
           </a:p>
@@ -1044,7 +1049,7 @@
             <a:fld id="{D5A7C5D8-9F3C-4F23-80AA-CC2331A5C573}" type="datetimeFigureOut">
               <a:rPr lang="uk-UA" smtClean="0"/>
               <a:pPr/>
-              <a:t>20.11.2014</a:t>
+              <a:t>21.11.2014</a:t>
             </a:fld>
             <a:endParaRPr lang="uk-UA"/>
           </a:p>
@@ -1329,7 +1334,7 @@
             <a:fld id="{D5A7C5D8-9F3C-4F23-80AA-CC2331A5C573}" type="datetimeFigureOut">
               <a:rPr lang="uk-UA" smtClean="0"/>
               <a:pPr/>
-              <a:t>20.11.2014</a:t>
+              <a:t>21.11.2014</a:t>
             </a:fld>
             <a:endParaRPr lang="uk-UA"/>
           </a:p>
@@ -1748,7 +1753,7 @@
             <a:fld id="{D5A7C5D8-9F3C-4F23-80AA-CC2331A5C573}" type="datetimeFigureOut">
               <a:rPr lang="uk-UA" smtClean="0"/>
               <a:pPr/>
-              <a:t>20.11.2014</a:t>
+              <a:t>21.11.2014</a:t>
             </a:fld>
             <a:endParaRPr lang="uk-UA"/>
           </a:p>
@@ -1863,7 +1868,7 @@
             <a:fld id="{D5A7C5D8-9F3C-4F23-80AA-CC2331A5C573}" type="datetimeFigureOut">
               <a:rPr lang="uk-UA" smtClean="0"/>
               <a:pPr/>
-              <a:t>20.11.2014</a:t>
+              <a:t>21.11.2014</a:t>
             </a:fld>
             <a:endParaRPr lang="uk-UA"/>
           </a:p>
@@ -1955,7 +1960,7 @@
             <a:fld id="{D5A7C5D8-9F3C-4F23-80AA-CC2331A5C573}" type="datetimeFigureOut">
               <a:rPr lang="uk-UA" smtClean="0"/>
               <a:pPr/>
-              <a:t>20.11.2014</a:t>
+              <a:t>21.11.2014</a:t>
             </a:fld>
             <a:endParaRPr lang="uk-UA"/>
           </a:p>
@@ -2229,7 +2234,7 @@
             <a:fld id="{D5A7C5D8-9F3C-4F23-80AA-CC2331A5C573}" type="datetimeFigureOut">
               <a:rPr lang="uk-UA" smtClean="0"/>
               <a:pPr/>
-              <a:t>20.11.2014</a:t>
+              <a:t>21.11.2014</a:t>
             </a:fld>
             <a:endParaRPr lang="uk-UA"/>
           </a:p>
@@ -2479,7 +2484,7 @@
             <a:fld id="{D5A7C5D8-9F3C-4F23-80AA-CC2331A5C573}" type="datetimeFigureOut">
               <a:rPr lang="uk-UA" smtClean="0"/>
               <a:pPr/>
-              <a:t>20.11.2014</a:t>
+              <a:t>21.11.2014</a:t>
             </a:fld>
             <a:endParaRPr lang="uk-UA"/>
           </a:p>
@@ -2689,7 +2694,7 @@
             <a:fld id="{D5A7C5D8-9F3C-4F23-80AA-CC2331A5C573}" type="datetimeFigureOut">
               <a:rPr lang="uk-UA" smtClean="0"/>
               <a:pPr/>
-              <a:t>20.11.2014</a:t>
+              <a:t>21.11.2014</a:t>
             </a:fld>
             <a:endParaRPr lang="uk-UA"/>
           </a:p>
@@ -3290,6 +3295,3070 @@
 </file>
 
 <file path=ppt/slides/slide2.xml><?xml version="1.0" encoding="utf-8"?>
+<p:sld xmlns:a="http://schemas.openxmlformats.org/drawingml/2006/main" xmlns:r="http://schemas.openxmlformats.org/officeDocument/2006/relationships" xmlns:p="http://schemas.openxmlformats.org/presentationml/2006/main">
+  <p:cSld>
+    <p:bg>
+      <p:bgPr>
+        <a:noFill/>
+        <a:effectLst/>
+      </p:bgPr>
+    </p:bg>
+    <p:spTree>
+      <p:nvGrpSpPr>
+        <p:cNvPr id="1" name=""/>
+        <p:cNvGrpSpPr/>
+        <p:nvPr/>
+      </p:nvGrpSpPr>
+      <p:grpSpPr>
+        <a:xfrm>
+          <a:off x="0" y="0"/>
+          <a:ext cx="0" cy="0"/>
+          <a:chOff x="0" y="0"/>
+          <a:chExt cx="0" cy="0"/>
+        </a:xfrm>
+      </p:grpSpPr>
+      <p:sp>
+        <p:nvSpPr>
+          <p:cNvPr id="2" name="Заголовок 1"/>
+          <p:cNvSpPr>
+            <a:spLocks noGrp="1"/>
+          </p:cNvSpPr>
+          <p:nvPr>
+            <p:ph type="title"/>
+          </p:nvPr>
+        </p:nvSpPr>
+        <p:spPr>
+          <a:xfrm>
+            <a:off x="457200" y="274638"/>
+            <a:ext cx="8229600" cy="706090"/>
+          </a:xfrm>
+        </p:spPr>
+        <p:txBody>
+          <a:bodyPr>
+            <a:normAutofit fontScale="90000"/>
+          </a:bodyPr>
+          <a:lstStyle/>
+          <a:p>
+            <a:r>
+              <a:rPr lang="ru-RU" dirty="0" smtClean="0"/>
+              <a:t>Интернет это:</a:t>
+            </a:r>
+            <a:endParaRPr lang="uk-UA" dirty="0"/>
+          </a:p>
+        </p:txBody>
+      </p:sp>
+      <p:sp>
+        <p:nvSpPr>
+          <p:cNvPr id="1026" name="Rectangle 2"/>
+          <p:cNvSpPr>
+            <a:spLocks noChangeArrowheads="1"/>
+          </p:cNvSpPr>
+          <p:nvPr/>
+        </p:nvSpPr>
+        <p:spPr bwMode="auto">
+          <a:xfrm>
+            <a:off x="755576" y="1124744"/>
+            <a:ext cx="7560840" cy="1169551"/>
+          </a:xfrm>
+          <a:prstGeom prst="rect">
+            <a:avLst/>
+          </a:prstGeom>
+          <a:solidFill>
+            <a:srgbClr val="FFFFFF"/>
+          </a:solidFill>
+          <a:ln w="9525">
+            <a:noFill/>
+            <a:miter lim="800000"/>
+            <a:headEnd/>
+            <a:tailEnd/>
+          </a:ln>
+          <a:effectLst/>
+        </p:spPr>
+        <p:txBody>
+          <a:bodyPr vert="horz" wrap="square" lIns="91440" tIns="45720" rIns="91440" bIns="45720" numCol="1" anchor="ctr" anchorCtr="0" compatLnSpc="1">
+            <a:prstTxWarp prst="textNoShape">
+              <a:avLst/>
+            </a:prstTxWarp>
+            <a:spAutoFit/>
+          </a:bodyPr>
+          <a:lstStyle/>
+          <a:p>
+            <a:pPr marL="0" marR="0" lvl="0" indent="0" algn="just" defTabSz="914400" rtl="0" eaLnBrk="1" fontAlgn="base" latinLnBrk="0" hangingPunct="1">
+              <a:lnSpc>
+                <a:spcPct val="100000"/>
+              </a:lnSpc>
+              <a:spcBef>
+                <a:spcPct val="0"/>
+              </a:spcBef>
+              <a:spcAft>
+                <a:spcPct val="0"/>
+              </a:spcAft>
+              <a:buClrTx/>
+              <a:buSzTx/>
+              <a:buFontTx/>
+              <a:buNone/>
+              <a:tabLst/>
+            </a:pPr>
+            <a:r>
+              <a:rPr kumimoji="0" lang="uk-UA" sz="1400" b="1" i="0" u="none" strike="noStrike" cap="none" normalizeH="0" baseline="0" dirty="0" err="1" smtClean="0">
+                <a:ln>
+                  <a:noFill/>
+                </a:ln>
+                <a:solidFill>
+                  <a:srgbClr val="252525"/>
+                </a:solidFill>
+                <a:effectLst/>
+                <a:latin typeface="Arial" pitchFamily="34" charset="0"/>
+                <a:cs typeface="Arial" pitchFamily="34" charset="0"/>
+              </a:rPr>
+              <a:t>Интерне́т</a:t>
+            </a:r>
+            <a:r>
+              <a:rPr kumimoji="0" lang="uk-UA" sz="1400" b="0" i="0" u="none" strike="noStrike" cap="none" normalizeH="0" baseline="0" dirty="0" smtClean="0">
+                <a:ln>
+                  <a:noFill/>
+                </a:ln>
+                <a:solidFill>
+                  <a:srgbClr val="252525"/>
+                </a:solidFill>
+                <a:effectLst/>
+                <a:latin typeface="Arial" pitchFamily="34" charset="0"/>
+                <a:cs typeface="Arial" pitchFamily="34" charset="0"/>
+              </a:rPr>
+              <a:t>  — </a:t>
+            </a:r>
+            <a:r>
+              <a:rPr kumimoji="0" lang="uk-UA" sz="1400" b="0" i="0" u="none" strike="noStrike" cap="none" normalizeH="0" baseline="0" dirty="0" err="1" smtClean="0">
+                <a:ln>
+                  <a:noFill/>
+                </a:ln>
+                <a:solidFill>
+                  <a:srgbClr val="252525"/>
+                </a:solidFill>
+                <a:effectLst/>
+                <a:latin typeface="Arial" pitchFamily="34" charset="0"/>
+                <a:cs typeface="Arial" pitchFamily="34" charset="0"/>
+              </a:rPr>
+              <a:t>всемирная</a:t>
+            </a:r>
+            <a:r>
+              <a:rPr kumimoji="0" lang="uk-UA" sz="1400" b="0" i="0" u="none" strike="noStrike" cap="none" normalizeH="0" baseline="0" dirty="0" smtClean="0">
+                <a:ln>
+                  <a:noFill/>
+                </a:ln>
+                <a:solidFill>
+                  <a:srgbClr val="252525"/>
+                </a:solidFill>
+                <a:effectLst/>
+                <a:latin typeface="Arial" pitchFamily="34" charset="0"/>
+                <a:cs typeface="Arial" pitchFamily="34" charset="0"/>
+              </a:rPr>
+              <a:t> система </a:t>
+            </a:r>
+            <a:r>
+              <a:rPr kumimoji="0" lang="uk-UA" sz="1400" b="0" i="0" u="none" strike="noStrike" cap="none" normalizeH="0" baseline="0" dirty="0" err="1" smtClean="0">
+                <a:ln>
+                  <a:noFill/>
+                </a:ln>
+                <a:solidFill>
+                  <a:srgbClr val="252525"/>
+                </a:solidFill>
+                <a:effectLst/>
+                <a:latin typeface="Arial" pitchFamily="34" charset="0"/>
+                <a:cs typeface="Arial" pitchFamily="34" charset="0"/>
+              </a:rPr>
+              <a:t>объединённых</a:t>
+            </a:r>
+            <a:r>
+              <a:rPr kumimoji="0" lang="uk-UA" sz="1400" b="0" i="0" u="none" strike="noStrike" cap="none" normalizeH="0" baseline="0" dirty="0" smtClean="0">
+                <a:ln>
+                  <a:noFill/>
+                </a:ln>
+                <a:solidFill>
+                  <a:srgbClr val="252525"/>
+                </a:solidFill>
+                <a:effectLst/>
+                <a:latin typeface="Arial" pitchFamily="34" charset="0"/>
+                <a:cs typeface="Arial" pitchFamily="34" charset="0"/>
+              </a:rPr>
+              <a:t> </a:t>
+            </a:r>
+            <a:r>
+              <a:rPr kumimoji="0" lang="uk-UA" sz="1400" b="0" i="0" u="none" strike="noStrike" cap="none" normalizeH="0" baseline="0" dirty="0" err="1" smtClean="0">
+                <a:ln>
+                  <a:noFill/>
+                </a:ln>
+                <a:solidFill>
+                  <a:srgbClr val="0B0080"/>
+                </a:solidFill>
+                <a:effectLst/>
+                <a:latin typeface="Arial" pitchFamily="34" charset="0"/>
+                <a:cs typeface="Arial" pitchFamily="34" charset="0"/>
+                <a:hlinkClick r:id="rId2" tooltip="Компьютерная сеть"/>
+              </a:rPr>
+              <a:t>компьютерных</a:t>
+            </a:r>
+            <a:r>
+              <a:rPr kumimoji="0" lang="uk-UA" sz="1400" b="0" i="0" u="none" strike="noStrike" cap="none" normalizeH="0" baseline="0" dirty="0" smtClean="0">
+                <a:ln>
+                  <a:noFill/>
+                </a:ln>
+                <a:solidFill>
+                  <a:srgbClr val="0B0080"/>
+                </a:solidFill>
+                <a:effectLst/>
+                <a:latin typeface="Arial" pitchFamily="34" charset="0"/>
+                <a:cs typeface="Arial" pitchFamily="34" charset="0"/>
+                <a:hlinkClick r:id="rId2" tooltip="Компьютерная сеть"/>
+              </a:rPr>
+              <a:t> </a:t>
+            </a:r>
+            <a:r>
+              <a:rPr kumimoji="0" lang="uk-UA" sz="1400" b="0" i="0" u="none" strike="noStrike" cap="none" normalizeH="0" baseline="0" dirty="0" err="1" smtClean="0">
+                <a:ln>
+                  <a:noFill/>
+                </a:ln>
+                <a:solidFill>
+                  <a:srgbClr val="0B0080"/>
+                </a:solidFill>
+                <a:effectLst/>
+                <a:latin typeface="Arial" pitchFamily="34" charset="0"/>
+                <a:cs typeface="Arial" pitchFamily="34" charset="0"/>
+                <a:hlinkClick r:id="rId2" tooltip="Компьютерная сеть"/>
+              </a:rPr>
+              <a:t>сетей</a:t>
+            </a:r>
+            <a:r>
+              <a:rPr kumimoji="0" lang="uk-UA" sz="1400" b="0" i="0" u="none" strike="noStrike" cap="none" normalizeH="0" baseline="0" dirty="0" smtClean="0">
+                <a:ln>
+                  <a:noFill/>
+                </a:ln>
+                <a:solidFill>
+                  <a:srgbClr val="252525"/>
+                </a:solidFill>
+                <a:effectLst/>
+                <a:latin typeface="Arial" pitchFamily="34" charset="0"/>
+                <a:cs typeface="Arial" pitchFamily="34" charset="0"/>
+              </a:rPr>
+              <a:t> для </a:t>
+            </a:r>
+            <a:r>
+              <a:rPr kumimoji="0" lang="uk-UA" sz="1400" b="0" i="0" u="none" strike="noStrike" cap="none" normalizeH="0" baseline="0" dirty="0" err="1" smtClean="0">
+                <a:ln>
+                  <a:noFill/>
+                </a:ln>
+                <a:solidFill>
+                  <a:srgbClr val="252525"/>
+                </a:solidFill>
+                <a:effectLst/>
+                <a:latin typeface="Arial" pitchFamily="34" charset="0"/>
+                <a:cs typeface="Arial" pitchFamily="34" charset="0"/>
+              </a:rPr>
+              <a:t>хранения</a:t>
+            </a:r>
+            <a:r>
+              <a:rPr kumimoji="0" lang="uk-UA" sz="1400" b="0" i="0" u="none" strike="noStrike" cap="none" normalizeH="0" baseline="0" dirty="0" smtClean="0">
+                <a:ln>
+                  <a:noFill/>
+                </a:ln>
+                <a:solidFill>
+                  <a:srgbClr val="252525"/>
+                </a:solidFill>
+                <a:effectLst/>
+                <a:latin typeface="Arial" pitchFamily="34" charset="0"/>
+                <a:cs typeface="Arial" pitchFamily="34" charset="0"/>
+              </a:rPr>
+              <a:t> и </a:t>
+            </a:r>
+            <a:r>
+              <a:rPr kumimoji="0" lang="uk-UA" sz="1400" b="0" i="0" u="none" strike="noStrike" cap="none" normalizeH="0" baseline="0" dirty="0" err="1" smtClean="0">
+                <a:ln>
+                  <a:noFill/>
+                </a:ln>
+                <a:solidFill>
+                  <a:srgbClr val="252525"/>
+                </a:solidFill>
+                <a:effectLst/>
+                <a:latin typeface="Arial" pitchFamily="34" charset="0"/>
+                <a:cs typeface="Arial" pitchFamily="34" charset="0"/>
+              </a:rPr>
+              <a:t>передачи</a:t>
+            </a:r>
+            <a:r>
+              <a:rPr kumimoji="0" lang="uk-UA" sz="1400" b="0" i="0" u="none" strike="noStrike" cap="none" normalizeH="0" baseline="0" dirty="0" smtClean="0">
+                <a:ln>
+                  <a:noFill/>
+                </a:ln>
+                <a:solidFill>
+                  <a:srgbClr val="252525"/>
+                </a:solidFill>
+                <a:effectLst/>
+                <a:latin typeface="Arial" pitchFamily="34" charset="0"/>
+                <a:cs typeface="Arial" pitchFamily="34" charset="0"/>
+              </a:rPr>
+              <a:t> </a:t>
+            </a:r>
+            <a:r>
+              <a:rPr kumimoji="0" lang="uk-UA" sz="1400" b="0" i="0" u="none" strike="noStrike" cap="none" normalizeH="0" baseline="0" dirty="0" err="1" smtClean="0">
+                <a:ln>
+                  <a:noFill/>
+                </a:ln>
+                <a:solidFill>
+                  <a:srgbClr val="252525"/>
+                </a:solidFill>
+                <a:effectLst/>
+                <a:latin typeface="Arial" pitchFamily="34" charset="0"/>
+                <a:cs typeface="Arial" pitchFamily="34" charset="0"/>
+              </a:rPr>
+              <a:t>информации</a:t>
+            </a:r>
+            <a:r>
+              <a:rPr kumimoji="0" lang="uk-UA" sz="1400" b="0" i="0" u="none" strike="noStrike" cap="none" normalizeH="0" baseline="0" dirty="0" smtClean="0">
+                <a:ln>
+                  <a:noFill/>
+                </a:ln>
+                <a:solidFill>
+                  <a:srgbClr val="252525"/>
+                </a:solidFill>
+                <a:effectLst/>
+                <a:latin typeface="Arial" pitchFamily="34" charset="0"/>
+                <a:cs typeface="Arial" pitchFamily="34" charset="0"/>
+              </a:rPr>
+              <a:t>. Часто </a:t>
+            </a:r>
+            <a:r>
+              <a:rPr kumimoji="0" lang="uk-UA" sz="1400" b="0" i="0" u="none" strike="noStrike" cap="none" normalizeH="0" baseline="0" dirty="0" err="1" smtClean="0">
+                <a:ln>
+                  <a:noFill/>
+                </a:ln>
+                <a:solidFill>
+                  <a:srgbClr val="252525"/>
+                </a:solidFill>
+                <a:effectLst/>
+                <a:latin typeface="Arial" pitchFamily="34" charset="0"/>
+                <a:cs typeface="Arial" pitchFamily="34" charset="0"/>
+              </a:rPr>
+              <a:t>упоминается</a:t>
+            </a:r>
+            <a:r>
+              <a:rPr kumimoji="0" lang="uk-UA" sz="1400" b="0" i="0" u="none" strike="noStrike" cap="none" normalizeH="0" baseline="0" dirty="0" smtClean="0">
+                <a:ln>
+                  <a:noFill/>
+                </a:ln>
+                <a:solidFill>
+                  <a:srgbClr val="252525"/>
+                </a:solidFill>
+                <a:effectLst/>
+                <a:latin typeface="Arial" pitchFamily="34" charset="0"/>
+                <a:cs typeface="Arial" pitchFamily="34" charset="0"/>
+              </a:rPr>
+              <a:t> </a:t>
+            </a:r>
+            <a:r>
+              <a:rPr kumimoji="0" lang="uk-UA" sz="1400" b="0" i="0" u="none" strike="noStrike" cap="none" normalizeH="0" baseline="0" dirty="0" err="1" smtClean="0">
+                <a:ln>
+                  <a:noFill/>
+                </a:ln>
+                <a:solidFill>
+                  <a:srgbClr val="252525"/>
+                </a:solidFill>
+                <a:effectLst/>
+                <a:latin typeface="Arial" pitchFamily="34" charset="0"/>
+                <a:cs typeface="Arial" pitchFamily="34" charset="0"/>
+              </a:rPr>
+              <a:t>как</a:t>
+            </a:r>
+            <a:r>
+              <a:rPr kumimoji="0" lang="uk-UA" sz="1400" b="0" i="0" u="none" strike="noStrike" cap="none" normalizeH="0" baseline="0" dirty="0" smtClean="0">
+                <a:ln>
+                  <a:noFill/>
+                </a:ln>
+                <a:solidFill>
+                  <a:srgbClr val="252525"/>
+                </a:solidFill>
+                <a:effectLst/>
+                <a:latin typeface="Arial" pitchFamily="34" charset="0"/>
+                <a:cs typeface="Arial" pitchFamily="34" charset="0"/>
+              </a:rPr>
+              <a:t> </a:t>
+            </a:r>
+            <a:r>
+              <a:rPr kumimoji="0" lang="uk-UA" sz="1400" b="1" i="0" u="none" strike="noStrike" cap="none" normalizeH="0" baseline="0" dirty="0" err="1" smtClean="0">
+                <a:ln>
+                  <a:noFill/>
+                </a:ln>
+                <a:solidFill>
+                  <a:srgbClr val="252525"/>
+                </a:solidFill>
+                <a:effectLst/>
+                <a:latin typeface="Arial" pitchFamily="34" charset="0"/>
+                <a:cs typeface="Arial" pitchFamily="34" charset="0"/>
+              </a:rPr>
+              <a:t>Всемирная</a:t>
+            </a:r>
+            <a:r>
+              <a:rPr kumimoji="0" lang="uk-UA" sz="1400" b="1" i="0" u="none" strike="noStrike" cap="none" normalizeH="0" baseline="0" dirty="0" smtClean="0">
+                <a:ln>
+                  <a:noFill/>
+                </a:ln>
+                <a:solidFill>
+                  <a:srgbClr val="252525"/>
+                </a:solidFill>
+                <a:effectLst/>
+                <a:latin typeface="Arial" pitchFamily="34" charset="0"/>
+                <a:cs typeface="Arial" pitchFamily="34" charset="0"/>
+              </a:rPr>
+              <a:t> </a:t>
+            </a:r>
+            <a:r>
+              <a:rPr kumimoji="0" lang="uk-UA" sz="1400" b="1" i="0" u="none" strike="noStrike" cap="none" normalizeH="0" baseline="0" dirty="0" err="1" smtClean="0">
+                <a:ln>
+                  <a:noFill/>
+                </a:ln>
+                <a:solidFill>
+                  <a:srgbClr val="252525"/>
+                </a:solidFill>
+                <a:effectLst/>
+                <a:latin typeface="Arial" pitchFamily="34" charset="0"/>
+                <a:cs typeface="Arial" pitchFamily="34" charset="0"/>
+              </a:rPr>
+              <a:t>сеть</a:t>
+            </a:r>
+            <a:r>
+              <a:rPr kumimoji="0" lang="uk-UA" sz="1400" b="0" i="0" u="none" strike="noStrike" cap="none" normalizeH="0" baseline="0" dirty="0" smtClean="0">
+                <a:ln>
+                  <a:noFill/>
+                </a:ln>
+                <a:solidFill>
+                  <a:srgbClr val="252525"/>
+                </a:solidFill>
+                <a:effectLst/>
+                <a:latin typeface="Arial" pitchFamily="34" charset="0"/>
+                <a:cs typeface="Arial" pitchFamily="34" charset="0"/>
+              </a:rPr>
+              <a:t> и </a:t>
+            </a:r>
+            <a:r>
+              <a:rPr kumimoji="0" lang="uk-UA" sz="1400" b="1" i="0" u="none" strike="noStrike" cap="none" normalizeH="0" baseline="0" dirty="0" err="1" smtClean="0">
+                <a:ln>
+                  <a:noFill/>
+                </a:ln>
+                <a:solidFill>
+                  <a:srgbClr val="252525"/>
+                </a:solidFill>
+                <a:effectLst/>
+                <a:latin typeface="Arial" pitchFamily="34" charset="0"/>
+                <a:cs typeface="Arial" pitchFamily="34" charset="0"/>
+              </a:rPr>
+              <a:t>Глобальная</a:t>
+            </a:r>
+            <a:r>
+              <a:rPr kumimoji="0" lang="uk-UA" sz="1400" b="1" i="0" u="none" strike="noStrike" cap="none" normalizeH="0" baseline="0" dirty="0" smtClean="0">
+                <a:ln>
+                  <a:noFill/>
+                </a:ln>
+                <a:solidFill>
+                  <a:srgbClr val="252525"/>
+                </a:solidFill>
+                <a:effectLst/>
+                <a:latin typeface="Arial" pitchFamily="34" charset="0"/>
+                <a:cs typeface="Arial" pitchFamily="34" charset="0"/>
+              </a:rPr>
+              <a:t> </a:t>
+            </a:r>
+            <a:r>
+              <a:rPr kumimoji="0" lang="uk-UA" sz="1400" b="1" i="0" u="none" strike="noStrike" cap="none" normalizeH="0" baseline="0" dirty="0" err="1" smtClean="0">
+                <a:ln>
+                  <a:noFill/>
+                </a:ln>
+                <a:solidFill>
+                  <a:srgbClr val="252525"/>
+                </a:solidFill>
+                <a:effectLst/>
+                <a:latin typeface="Arial" pitchFamily="34" charset="0"/>
+                <a:cs typeface="Arial" pitchFamily="34" charset="0"/>
+              </a:rPr>
+              <a:t>сеть</a:t>
+            </a:r>
+            <a:r>
+              <a:rPr kumimoji="0" lang="uk-UA" sz="1400" b="0" i="0" u="none" strike="noStrike" cap="none" normalizeH="0" baseline="0" dirty="0" smtClean="0">
+                <a:ln>
+                  <a:noFill/>
+                </a:ln>
+                <a:solidFill>
+                  <a:srgbClr val="252525"/>
+                </a:solidFill>
+                <a:effectLst/>
+                <a:latin typeface="Arial" pitchFamily="34" charset="0"/>
+                <a:cs typeface="Arial" pitchFamily="34" charset="0"/>
+              </a:rPr>
+              <a:t>, а </a:t>
+            </a:r>
+            <a:r>
+              <a:rPr kumimoji="0" lang="uk-UA" sz="1400" b="0" i="0" u="none" strike="noStrike" cap="none" normalizeH="0" baseline="0" dirty="0" err="1" smtClean="0">
+                <a:ln>
+                  <a:noFill/>
+                </a:ln>
+                <a:solidFill>
+                  <a:srgbClr val="252525"/>
+                </a:solidFill>
+                <a:effectLst/>
+                <a:latin typeface="Arial" pitchFamily="34" charset="0"/>
+                <a:cs typeface="Arial" pitchFamily="34" charset="0"/>
+              </a:rPr>
+              <a:t>также</a:t>
+            </a:r>
+            <a:r>
+              <a:rPr kumimoji="0" lang="uk-UA" sz="1400" b="0" i="0" u="none" strike="noStrike" cap="none" normalizeH="0" baseline="0" dirty="0" smtClean="0">
+                <a:ln>
+                  <a:noFill/>
+                </a:ln>
+                <a:solidFill>
+                  <a:srgbClr val="252525"/>
+                </a:solidFill>
+                <a:effectLst/>
+                <a:latin typeface="Arial" pitchFamily="34" charset="0"/>
+                <a:cs typeface="Arial" pitchFamily="34" charset="0"/>
+              </a:rPr>
+              <a:t> просто </a:t>
+            </a:r>
+            <a:r>
+              <a:rPr kumimoji="0" lang="uk-UA" sz="1400" b="1" i="0" u="none" strike="noStrike" cap="none" normalizeH="0" baseline="0" dirty="0" err="1" smtClean="0">
+                <a:ln>
+                  <a:noFill/>
+                </a:ln>
+                <a:solidFill>
+                  <a:srgbClr val="252525"/>
+                </a:solidFill>
+                <a:effectLst/>
+                <a:latin typeface="Arial" pitchFamily="34" charset="0"/>
+                <a:cs typeface="Arial" pitchFamily="34" charset="0"/>
+              </a:rPr>
+              <a:t>Сеть</a:t>
+            </a:r>
+            <a:r>
+              <a:rPr kumimoji="0" lang="uk-UA" sz="1400" b="0" i="0" u="none" strike="noStrike" cap="none" normalizeH="0" baseline="0" dirty="0" smtClean="0">
+                <a:ln>
+                  <a:noFill/>
+                </a:ln>
+                <a:solidFill>
+                  <a:srgbClr val="252525"/>
+                </a:solidFill>
+                <a:effectLst/>
+                <a:latin typeface="Arial" pitchFamily="34" charset="0"/>
+                <a:cs typeface="Arial" pitchFamily="34" charset="0"/>
+              </a:rPr>
+              <a:t>. </a:t>
+            </a:r>
+            <a:r>
+              <a:rPr kumimoji="0" lang="uk-UA" sz="1400" b="0" i="0" u="none" strike="noStrike" cap="none" normalizeH="0" baseline="0" dirty="0" err="1" smtClean="0">
+                <a:ln>
+                  <a:noFill/>
+                </a:ln>
+                <a:solidFill>
+                  <a:srgbClr val="252525"/>
+                </a:solidFill>
+                <a:effectLst/>
+                <a:latin typeface="Arial" pitchFamily="34" charset="0"/>
+                <a:cs typeface="Arial" pitchFamily="34" charset="0"/>
+              </a:rPr>
+              <a:t>Построена</a:t>
+            </a:r>
+            <a:r>
+              <a:rPr kumimoji="0" lang="uk-UA" sz="1400" b="0" i="0" u="none" strike="noStrike" cap="none" normalizeH="0" baseline="0" dirty="0" smtClean="0">
+                <a:ln>
+                  <a:noFill/>
+                </a:ln>
+                <a:solidFill>
+                  <a:srgbClr val="252525"/>
+                </a:solidFill>
+                <a:effectLst/>
+                <a:latin typeface="Arial" pitchFamily="34" charset="0"/>
+                <a:cs typeface="Arial" pitchFamily="34" charset="0"/>
+              </a:rPr>
+              <a:t> на </a:t>
+            </a:r>
+            <a:r>
+              <a:rPr kumimoji="0" lang="uk-UA" sz="1400" b="0" i="0" u="none" strike="noStrike" cap="none" normalizeH="0" baseline="0" dirty="0" err="1" smtClean="0">
+                <a:ln>
+                  <a:noFill/>
+                </a:ln>
+                <a:solidFill>
+                  <a:srgbClr val="252525"/>
+                </a:solidFill>
+                <a:effectLst/>
+                <a:latin typeface="Arial" pitchFamily="34" charset="0"/>
+                <a:cs typeface="Arial" pitchFamily="34" charset="0"/>
+              </a:rPr>
+              <a:t>базе</a:t>
+            </a:r>
+            <a:r>
+              <a:rPr kumimoji="0" lang="uk-UA" sz="1400" b="0" i="0" u="none" strike="noStrike" cap="none" normalizeH="0" baseline="0" dirty="0" smtClean="0">
+                <a:ln>
+                  <a:noFill/>
+                </a:ln>
+                <a:solidFill>
+                  <a:srgbClr val="252525"/>
+                </a:solidFill>
+                <a:effectLst/>
+                <a:latin typeface="Arial" pitchFamily="34" charset="0"/>
+                <a:cs typeface="Arial" pitchFamily="34" charset="0"/>
+              </a:rPr>
+              <a:t> </a:t>
+            </a:r>
+            <a:r>
+              <a:rPr kumimoji="0" lang="uk-UA" sz="1400" b="0" i="0" u="none" strike="noStrike" cap="none" normalizeH="0" baseline="0" dirty="0" smtClean="0">
+                <a:ln>
+                  <a:noFill/>
+                </a:ln>
+                <a:solidFill>
+                  <a:srgbClr val="0B0080"/>
+                </a:solidFill>
+                <a:effectLst/>
+                <a:latin typeface="Arial" pitchFamily="34" charset="0"/>
+                <a:cs typeface="Arial" pitchFamily="34" charset="0"/>
+                <a:hlinkClick r:id="rId3" tooltip="Стек протоколов TCP/IP"/>
+              </a:rPr>
+              <a:t>стека </a:t>
+            </a:r>
+            <a:r>
+              <a:rPr kumimoji="0" lang="uk-UA" sz="1400" b="0" i="0" u="none" strike="noStrike" cap="none" normalizeH="0" baseline="0" dirty="0" err="1" smtClean="0">
+                <a:ln>
+                  <a:noFill/>
+                </a:ln>
+                <a:solidFill>
+                  <a:srgbClr val="0B0080"/>
+                </a:solidFill>
+                <a:effectLst/>
+                <a:latin typeface="Arial" pitchFamily="34" charset="0"/>
+                <a:cs typeface="Arial" pitchFamily="34" charset="0"/>
+                <a:hlinkClick r:id="rId3" tooltip="Стек протоколов TCP/IP"/>
+              </a:rPr>
+              <a:t>протоколов</a:t>
+            </a:r>
+            <a:r>
+              <a:rPr kumimoji="0" lang="uk-UA" sz="1400" b="0" i="0" u="none" strike="noStrike" cap="none" normalizeH="0" baseline="0" dirty="0" smtClean="0">
+                <a:ln>
+                  <a:noFill/>
+                </a:ln>
+                <a:solidFill>
+                  <a:srgbClr val="0B0080"/>
+                </a:solidFill>
+                <a:effectLst/>
+                <a:latin typeface="Arial" pitchFamily="34" charset="0"/>
+                <a:cs typeface="Arial" pitchFamily="34" charset="0"/>
+                <a:hlinkClick r:id="rId3" tooltip="Стек протоколов TCP/IP"/>
+              </a:rPr>
+              <a:t> TCP/IP</a:t>
+            </a:r>
+            <a:r>
+              <a:rPr kumimoji="0" lang="uk-UA" sz="1400" b="0" i="0" u="none" strike="noStrike" cap="none" normalizeH="0" baseline="0" dirty="0" smtClean="0">
+                <a:ln>
+                  <a:noFill/>
+                </a:ln>
+                <a:solidFill>
+                  <a:srgbClr val="252525"/>
+                </a:solidFill>
+                <a:effectLst/>
+                <a:latin typeface="Arial" pitchFamily="34" charset="0"/>
+                <a:cs typeface="Arial" pitchFamily="34" charset="0"/>
+              </a:rPr>
+              <a:t>. На </a:t>
+            </a:r>
+            <a:r>
+              <a:rPr kumimoji="0" lang="uk-UA" sz="1400" b="0" i="0" u="none" strike="noStrike" cap="none" normalizeH="0" baseline="0" dirty="0" err="1" smtClean="0">
+                <a:ln>
+                  <a:noFill/>
+                </a:ln>
+                <a:solidFill>
+                  <a:srgbClr val="252525"/>
+                </a:solidFill>
+                <a:effectLst/>
+                <a:latin typeface="Arial" pitchFamily="34" charset="0"/>
+                <a:cs typeface="Arial" pitchFamily="34" charset="0"/>
+              </a:rPr>
+              <a:t>основе</a:t>
+            </a:r>
+            <a:r>
+              <a:rPr kumimoji="0" lang="uk-UA" sz="1400" b="0" i="0" u="none" strike="noStrike" cap="none" normalizeH="0" baseline="0" dirty="0" smtClean="0">
+                <a:ln>
+                  <a:noFill/>
+                </a:ln>
+                <a:solidFill>
+                  <a:srgbClr val="252525"/>
+                </a:solidFill>
+                <a:effectLst/>
+                <a:latin typeface="Arial" pitchFamily="34" charset="0"/>
+                <a:cs typeface="Arial" pitchFamily="34" charset="0"/>
+              </a:rPr>
+              <a:t> </a:t>
+            </a:r>
+            <a:r>
+              <a:rPr kumimoji="0" lang="uk-UA" sz="1400" b="0" i="0" u="none" strike="noStrike" cap="none" normalizeH="0" baseline="0" dirty="0" err="1" smtClean="0">
+                <a:ln>
+                  <a:noFill/>
+                </a:ln>
+                <a:solidFill>
+                  <a:srgbClr val="252525"/>
+                </a:solidFill>
+                <a:effectLst/>
+                <a:latin typeface="Arial" pitchFamily="34" charset="0"/>
+                <a:cs typeface="Arial" pitchFamily="34" charset="0"/>
+              </a:rPr>
+              <a:t>Интернета</a:t>
+            </a:r>
+            <a:r>
+              <a:rPr kumimoji="0" lang="uk-UA" sz="1400" b="0" i="0" u="none" strike="noStrike" cap="none" normalizeH="0" baseline="0" dirty="0" smtClean="0">
+                <a:ln>
+                  <a:noFill/>
+                </a:ln>
+                <a:solidFill>
+                  <a:srgbClr val="252525"/>
+                </a:solidFill>
+                <a:effectLst/>
+                <a:latin typeface="Arial" pitchFamily="34" charset="0"/>
+                <a:cs typeface="Arial" pitchFamily="34" charset="0"/>
+              </a:rPr>
+              <a:t> </a:t>
+            </a:r>
+            <a:r>
+              <a:rPr kumimoji="0" lang="uk-UA" sz="1400" b="0" i="0" u="none" strike="noStrike" cap="none" normalizeH="0" baseline="0" dirty="0" err="1" smtClean="0">
+                <a:ln>
+                  <a:noFill/>
+                </a:ln>
+                <a:solidFill>
+                  <a:srgbClr val="252525"/>
+                </a:solidFill>
+                <a:effectLst/>
+                <a:latin typeface="Arial" pitchFamily="34" charset="0"/>
+                <a:cs typeface="Arial" pitchFamily="34" charset="0"/>
+              </a:rPr>
+              <a:t>работает</a:t>
+            </a:r>
+            <a:r>
+              <a:rPr kumimoji="0" lang="uk-UA" sz="1400" b="0" i="0" u="none" strike="noStrike" cap="none" normalizeH="0" baseline="0" dirty="0" smtClean="0">
+                <a:ln>
+                  <a:noFill/>
+                </a:ln>
+                <a:solidFill>
+                  <a:srgbClr val="252525"/>
+                </a:solidFill>
+                <a:effectLst/>
+                <a:latin typeface="Arial" pitchFamily="34" charset="0"/>
+                <a:cs typeface="Arial" pitchFamily="34" charset="0"/>
+              </a:rPr>
+              <a:t> </a:t>
+            </a:r>
+            <a:r>
+              <a:rPr kumimoji="0" lang="uk-UA" sz="1400" b="0" i="0" u="none" strike="noStrike" cap="none" normalizeH="0" baseline="0" dirty="0" err="1" smtClean="0">
+                <a:ln>
+                  <a:noFill/>
+                </a:ln>
+                <a:solidFill>
+                  <a:srgbClr val="0B0080"/>
+                </a:solidFill>
+                <a:effectLst/>
+                <a:latin typeface="Arial" pitchFamily="34" charset="0"/>
+                <a:cs typeface="Arial" pitchFamily="34" charset="0"/>
+                <a:hlinkClick r:id="rId4" tooltip="Всемирная паутина"/>
+              </a:rPr>
+              <a:t>Всемирная</a:t>
+            </a:r>
+            <a:r>
+              <a:rPr kumimoji="0" lang="uk-UA" sz="1400" b="0" i="0" u="none" strike="noStrike" cap="none" normalizeH="0" baseline="0" dirty="0" smtClean="0">
+                <a:ln>
+                  <a:noFill/>
+                </a:ln>
+                <a:solidFill>
+                  <a:srgbClr val="0B0080"/>
+                </a:solidFill>
+                <a:effectLst/>
+                <a:latin typeface="Arial" pitchFamily="34" charset="0"/>
+                <a:cs typeface="Arial" pitchFamily="34" charset="0"/>
+                <a:hlinkClick r:id="rId4" tooltip="Всемирная паутина"/>
+              </a:rPr>
+              <a:t> </a:t>
+            </a:r>
+            <a:r>
+              <a:rPr kumimoji="0" lang="uk-UA" sz="1400" b="0" i="0" u="none" strike="noStrike" cap="none" normalizeH="0" baseline="0" dirty="0" err="1" smtClean="0">
+                <a:ln>
+                  <a:noFill/>
+                </a:ln>
+                <a:solidFill>
+                  <a:srgbClr val="0B0080"/>
+                </a:solidFill>
+                <a:effectLst/>
+                <a:latin typeface="Arial" pitchFamily="34" charset="0"/>
+                <a:cs typeface="Arial" pitchFamily="34" charset="0"/>
+                <a:hlinkClick r:id="rId4" tooltip="Всемирная паутина"/>
+              </a:rPr>
+              <a:t>паутина</a:t>
+            </a:r>
+            <a:r>
+              <a:rPr kumimoji="0" lang="uk-UA" sz="1400" b="0" i="0" u="none" strike="noStrike" cap="none" normalizeH="0" baseline="0" dirty="0" smtClean="0">
+                <a:ln>
+                  <a:noFill/>
+                </a:ln>
+                <a:solidFill>
+                  <a:srgbClr val="252525"/>
+                </a:solidFill>
+                <a:effectLst/>
+                <a:latin typeface="Arial" pitchFamily="34" charset="0"/>
+                <a:cs typeface="Arial" pitchFamily="34" charset="0"/>
+              </a:rPr>
+              <a:t> (</a:t>
+            </a:r>
+            <a:r>
+              <a:rPr kumimoji="0" lang="uk-UA" sz="1400" b="0" i="0" u="none" strike="noStrike" cap="none" normalizeH="0" baseline="0" dirty="0" err="1" smtClean="0">
+                <a:ln>
+                  <a:noFill/>
+                </a:ln>
+                <a:solidFill>
+                  <a:srgbClr val="252525"/>
+                </a:solidFill>
+                <a:effectLst/>
+                <a:latin typeface="Arial" pitchFamily="34" charset="0"/>
+                <a:cs typeface="Arial" pitchFamily="34" charset="0"/>
+              </a:rPr>
+              <a:t>World</a:t>
+            </a:r>
+            <a:r>
+              <a:rPr kumimoji="0" lang="uk-UA" sz="1400" b="0" i="0" u="none" strike="noStrike" cap="none" normalizeH="0" baseline="0" dirty="0" smtClean="0">
+                <a:ln>
+                  <a:noFill/>
+                </a:ln>
+                <a:solidFill>
+                  <a:srgbClr val="252525"/>
+                </a:solidFill>
+                <a:effectLst/>
+                <a:latin typeface="Arial" pitchFamily="34" charset="0"/>
+                <a:cs typeface="Arial" pitchFamily="34" charset="0"/>
+              </a:rPr>
+              <a:t> </a:t>
+            </a:r>
+            <a:r>
+              <a:rPr kumimoji="0" lang="uk-UA" sz="1400" b="0" i="0" u="none" strike="noStrike" cap="none" normalizeH="0" baseline="0" dirty="0" err="1" smtClean="0">
+                <a:ln>
+                  <a:noFill/>
+                </a:ln>
+                <a:solidFill>
+                  <a:srgbClr val="252525"/>
+                </a:solidFill>
+                <a:effectLst/>
+                <a:latin typeface="Arial" pitchFamily="34" charset="0"/>
+                <a:cs typeface="Arial" pitchFamily="34" charset="0"/>
+              </a:rPr>
+              <a:t>Wide</a:t>
+            </a:r>
+            <a:r>
+              <a:rPr kumimoji="0" lang="uk-UA" sz="1400" b="0" i="0" u="none" strike="noStrike" cap="none" normalizeH="0" baseline="0" dirty="0" smtClean="0">
+                <a:ln>
+                  <a:noFill/>
+                </a:ln>
+                <a:solidFill>
+                  <a:srgbClr val="252525"/>
+                </a:solidFill>
+                <a:effectLst/>
+                <a:latin typeface="Arial" pitchFamily="34" charset="0"/>
+                <a:cs typeface="Arial" pitchFamily="34" charset="0"/>
+              </a:rPr>
+              <a:t> </a:t>
+            </a:r>
+            <a:r>
+              <a:rPr kumimoji="0" lang="uk-UA" sz="1400" b="0" i="0" u="none" strike="noStrike" cap="none" normalizeH="0" baseline="0" dirty="0" err="1" smtClean="0">
+                <a:ln>
+                  <a:noFill/>
+                </a:ln>
+                <a:solidFill>
+                  <a:srgbClr val="252525"/>
+                </a:solidFill>
+                <a:effectLst/>
+                <a:latin typeface="Arial" pitchFamily="34" charset="0"/>
+                <a:cs typeface="Arial" pitchFamily="34" charset="0"/>
+              </a:rPr>
+              <a:t>Web</a:t>
+            </a:r>
+            <a:r>
+              <a:rPr kumimoji="0" lang="uk-UA" sz="1400" b="0" i="0" u="none" strike="noStrike" cap="none" normalizeH="0" baseline="0" dirty="0" smtClean="0">
+                <a:ln>
+                  <a:noFill/>
+                </a:ln>
+                <a:solidFill>
+                  <a:srgbClr val="252525"/>
+                </a:solidFill>
+                <a:effectLst/>
+                <a:latin typeface="Arial" pitchFamily="34" charset="0"/>
+                <a:cs typeface="Arial" pitchFamily="34" charset="0"/>
+              </a:rPr>
+              <a:t>, WWW) и </a:t>
+            </a:r>
+            <a:r>
+              <a:rPr kumimoji="0" lang="uk-UA" sz="1400" b="0" i="0" u="none" strike="noStrike" cap="none" normalizeH="0" baseline="0" dirty="0" err="1" smtClean="0">
+                <a:ln>
+                  <a:noFill/>
+                </a:ln>
+                <a:solidFill>
+                  <a:srgbClr val="252525"/>
+                </a:solidFill>
+                <a:effectLst/>
+                <a:latin typeface="Arial" pitchFamily="34" charset="0"/>
+                <a:cs typeface="Arial" pitchFamily="34" charset="0"/>
+              </a:rPr>
+              <a:t>множество</a:t>
+            </a:r>
+            <a:r>
+              <a:rPr kumimoji="0" lang="uk-UA" sz="1400" b="0" i="0" u="none" strike="noStrike" cap="none" normalizeH="0" baseline="0" dirty="0" smtClean="0">
+                <a:ln>
+                  <a:noFill/>
+                </a:ln>
+                <a:solidFill>
+                  <a:srgbClr val="252525"/>
+                </a:solidFill>
+                <a:effectLst/>
+                <a:latin typeface="Arial" pitchFamily="34" charset="0"/>
+                <a:cs typeface="Arial" pitchFamily="34" charset="0"/>
+              </a:rPr>
+              <a:t> других </a:t>
+            </a:r>
+            <a:r>
+              <a:rPr kumimoji="0" lang="uk-UA" sz="1400" b="0" i="0" u="none" strike="noStrike" cap="none" normalizeH="0" baseline="0" dirty="0" smtClean="0">
+                <a:ln>
+                  <a:noFill/>
+                </a:ln>
+                <a:solidFill>
+                  <a:srgbClr val="0B0080"/>
+                </a:solidFill>
+                <a:effectLst/>
+                <a:latin typeface="Arial" pitchFamily="34" charset="0"/>
+                <a:cs typeface="Arial" pitchFamily="34" charset="0"/>
+                <a:hlinkClick r:id="rId5" tooltip="Протокол передачи данных"/>
+              </a:rPr>
+              <a:t>систем </a:t>
+            </a:r>
+            <a:r>
+              <a:rPr kumimoji="0" lang="uk-UA" sz="1400" b="0" i="0" u="none" strike="noStrike" cap="none" normalizeH="0" baseline="0" dirty="0" err="1" smtClean="0">
+                <a:ln>
+                  <a:noFill/>
+                </a:ln>
+                <a:solidFill>
+                  <a:srgbClr val="0B0080"/>
+                </a:solidFill>
+                <a:effectLst/>
+                <a:latin typeface="Arial" pitchFamily="34" charset="0"/>
+                <a:cs typeface="Arial" pitchFamily="34" charset="0"/>
+                <a:hlinkClick r:id="rId5" tooltip="Протокол передачи данных"/>
+              </a:rPr>
+              <a:t>передачи</a:t>
+            </a:r>
+            <a:r>
+              <a:rPr kumimoji="0" lang="uk-UA" sz="1400" b="0" i="0" u="none" strike="noStrike" cap="none" normalizeH="0" baseline="0" dirty="0" smtClean="0">
+                <a:ln>
+                  <a:noFill/>
+                </a:ln>
+                <a:solidFill>
+                  <a:srgbClr val="0B0080"/>
+                </a:solidFill>
+                <a:effectLst/>
+                <a:latin typeface="Arial" pitchFamily="34" charset="0"/>
+                <a:cs typeface="Arial" pitchFamily="34" charset="0"/>
+                <a:hlinkClick r:id="rId5" tooltip="Протокол передачи данных"/>
+              </a:rPr>
+              <a:t> </a:t>
+            </a:r>
+            <a:r>
+              <a:rPr kumimoji="0" lang="uk-UA" sz="1400" b="0" i="0" u="none" strike="noStrike" cap="none" normalizeH="0" baseline="0" dirty="0" err="1" smtClean="0">
+                <a:ln>
+                  <a:noFill/>
+                </a:ln>
+                <a:solidFill>
+                  <a:srgbClr val="0B0080"/>
+                </a:solidFill>
+                <a:effectLst/>
+                <a:latin typeface="Arial" pitchFamily="34" charset="0"/>
+                <a:cs typeface="Arial" pitchFamily="34" charset="0"/>
+                <a:hlinkClick r:id="rId5" tooltip="Протокол передачи данных"/>
+              </a:rPr>
+              <a:t>данных</a:t>
+            </a:r>
+            <a:r>
+              <a:rPr kumimoji="0" lang="uk-UA" sz="1400" b="0" i="0" u="none" strike="noStrike" cap="none" normalizeH="0" baseline="0" dirty="0" smtClean="0">
+                <a:ln>
+                  <a:noFill/>
+                </a:ln>
+                <a:solidFill>
+                  <a:srgbClr val="252525"/>
+                </a:solidFill>
+                <a:effectLst/>
+                <a:latin typeface="Arial" pitchFamily="34" charset="0"/>
+                <a:cs typeface="Arial" pitchFamily="34" charset="0"/>
+              </a:rPr>
+              <a:t>.</a:t>
+            </a:r>
+            <a:r>
+              <a:rPr kumimoji="0" lang="uk-UA" sz="1400" b="0" i="0" u="none" strike="noStrike" cap="none" normalizeH="0" baseline="0" dirty="0" smtClean="0">
+                <a:ln>
+                  <a:noFill/>
+                </a:ln>
+                <a:solidFill>
+                  <a:schemeClr val="tx1"/>
+                </a:solidFill>
+                <a:effectLst/>
+                <a:latin typeface="Arial" pitchFamily="34" charset="0"/>
+                <a:cs typeface="Arial" pitchFamily="34" charset="0"/>
+              </a:rPr>
+              <a:t> </a:t>
+            </a:r>
+          </a:p>
+        </p:txBody>
+      </p:sp>
+      <p:sp>
+        <p:nvSpPr>
+          <p:cNvPr id="5" name="Заголовок 1"/>
+          <p:cNvSpPr txBox="1">
+            <a:spLocks/>
+          </p:cNvSpPr>
+          <p:nvPr/>
+        </p:nvSpPr>
+        <p:spPr>
+          <a:xfrm>
+            <a:off x="539552" y="2492896"/>
+            <a:ext cx="8229600" cy="706090"/>
+          </a:xfrm>
+          <a:prstGeom prst="rect">
+            <a:avLst/>
+          </a:prstGeom>
+        </p:spPr>
+        <p:txBody>
+          <a:bodyPr vert="horz" lIns="91440" tIns="45720" rIns="91440" bIns="45720" rtlCol="0" anchor="ctr">
+            <a:normAutofit fontScale="97500" lnSpcReduction="10000"/>
+          </a:bodyPr>
+          <a:lstStyle/>
+          <a:p>
+            <a:pPr marL="0" marR="0" lvl="0" indent="0" algn="ctr" defTabSz="914400" rtl="0" eaLnBrk="1" fontAlgn="auto" latinLnBrk="0" hangingPunct="1">
+              <a:lnSpc>
+                <a:spcPct val="100000"/>
+              </a:lnSpc>
+              <a:spcBef>
+                <a:spcPct val="0"/>
+              </a:spcBef>
+              <a:spcAft>
+                <a:spcPts val="0"/>
+              </a:spcAft>
+              <a:buClrTx/>
+              <a:buSzTx/>
+              <a:buFontTx/>
+              <a:buNone/>
+              <a:tabLst/>
+              <a:defRPr/>
+            </a:pPr>
+            <a:r>
+              <a:rPr kumimoji="0" lang="ru-RU" sz="4400" b="0" i="0" u="none" strike="noStrike" kern="1200" cap="none" spc="0" normalizeH="0" baseline="0" noProof="0" dirty="0" smtClean="0">
+                <a:ln>
+                  <a:noFill/>
+                </a:ln>
+                <a:solidFill>
+                  <a:schemeClr val="tx1"/>
+                </a:solidFill>
+                <a:effectLst/>
+                <a:uLnTx/>
+                <a:uFillTx/>
+                <a:latin typeface="+mj-lt"/>
+                <a:ea typeface="+mj-ea"/>
+                <a:cs typeface="+mj-cs"/>
+              </a:rPr>
+              <a:t>Основная функция интернета:</a:t>
+            </a:r>
+            <a:endParaRPr kumimoji="0" lang="uk-UA" sz="4400" b="0" i="0" u="none" strike="noStrike" kern="1200" cap="none" spc="0" normalizeH="0" baseline="0" noProof="0" dirty="0">
+              <a:ln>
+                <a:noFill/>
+              </a:ln>
+              <a:solidFill>
+                <a:schemeClr val="tx1"/>
+              </a:solidFill>
+              <a:effectLst/>
+              <a:uLnTx/>
+              <a:uFillTx/>
+              <a:latin typeface="+mj-lt"/>
+              <a:ea typeface="+mj-ea"/>
+              <a:cs typeface="+mj-cs"/>
+            </a:endParaRPr>
+          </a:p>
+        </p:txBody>
+      </p:sp>
+      <p:sp>
+        <p:nvSpPr>
+          <p:cNvPr id="6" name="Rectangle 2"/>
+          <p:cNvSpPr>
+            <a:spLocks noChangeArrowheads="1"/>
+          </p:cNvSpPr>
+          <p:nvPr/>
+        </p:nvSpPr>
+        <p:spPr bwMode="auto">
+          <a:xfrm>
+            <a:off x="899592" y="3121804"/>
+            <a:ext cx="7560840" cy="523220"/>
+          </a:xfrm>
+          <a:prstGeom prst="rect">
+            <a:avLst/>
+          </a:prstGeom>
+          <a:solidFill>
+            <a:srgbClr val="FFFFFF"/>
+          </a:solidFill>
+          <a:ln w="9525">
+            <a:noFill/>
+            <a:miter lim="800000"/>
+            <a:headEnd/>
+            <a:tailEnd/>
+          </a:ln>
+          <a:effectLst/>
+        </p:spPr>
+        <p:txBody>
+          <a:bodyPr vert="horz" wrap="square" lIns="91440" tIns="45720" rIns="91440" bIns="45720" numCol="1" anchor="ctr" anchorCtr="0" compatLnSpc="1">
+            <a:prstTxWarp prst="textNoShape">
+              <a:avLst/>
+            </a:prstTxWarp>
+            <a:spAutoFit/>
+          </a:bodyPr>
+          <a:lstStyle/>
+          <a:p>
+            <a:pPr marL="0" marR="0" lvl="0" indent="0" algn="just" defTabSz="914400" rtl="0" eaLnBrk="1" fontAlgn="base" latinLnBrk="0" hangingPunct="1">
+              <a:lnSpc>
+                <a:spcPct val="100000"/>
+              </a:lnSpc>
+              <a:spcBef>
+                <a:spcPct val="0"/>
+              </a:spcBef>
+              <a:spcAft>
+                <a:spcPct val="0"/>
+              </a:spcAft>
+              <a:buClrTx/>
+              <a:buSzTx/>
+              <a:buFontTx/>
+              <a:buNone/>
+              <a:tabLst/>
+            </a:pPr>
+            <a:r>
+              <a:rPr lang="ru-RU" sz="1400" dirty="0" smtClean="0">
+                <a:solidFill>
+                  <a:srgbClr val="252525"/>
+                </a:solidFill>
+                <a:latin typeface="Arial" pitchFamily="34" charset="0"/>
+                <a:cs typeface="Arial" pitchFamily="34" charset="0"/>
+              </a:rPr>
+              <a:t>Обеспечить передачу данных между двумя компьютерами, независимо от того сколько промежуточных узлов между ними. </a:t>
+            </a:r>
+            <a:endParaRPr kumimoji="0" lang="uk-UA" sz="1400" i="0" u="none" strike="noStrike" cap="none" normalizeH="0" baseline="0" dirty="0" smtClean="0">
+              <a:ln>
+                <a:noFill/>
+              </a:ln>
+              <a:solidFill>
+                <a:schemeClr val="tx1"/>
+              </a:solidFill>
+              <a:effectLst/>
+              <a:latin typeface="Arial" pitchFamily="34" charset="0"/>
+              <a:cs typeface="Arial" pitchFamily="34" charset="0"/>
+            </a:endParaRPr>
+          </a:p>
+        </p:txBody>
+      </p:sp>
+      <p:sp>
+        <p:nvSpPr>
+          <p:cNvPr id="8" name="Прямоугольник 7"/>
+          <p:cNvSpPr/>
+          <p:nvPr/>
+        </p:nvSpPr>
+        <p:spPr>
+          <a:xfrm>
+            <a:off x="3851920" y="3645024"/>
+            <a:ext cx="4572000" cy="246221"/>
+          </a:xfrm>
+          <a:prstGeom prst="rect">
+            <a:avLst/>
+          </a:prstGeom>
+        </p:spPr>
+        <p:txBody>
+          <a:bodyPr>
+            <a:spAutoFit/>
+          </a:bodyPr>
+          <a:lstStyle/>
+          <a:p>
+            <a:r>
+              <a:rPr lang="ru-RU" sz="1000" b="1" dirty="0" smtClean="0">
+                <a:solidFill>
+                  <a:schemeClr val="bg1">
+                    <a:lumMod val="65000"/>
+                  </a:schemeClr>
+                </a:solidFill>
+                <a:latin typeface="Courier New" pitchFamily="49" charset="0"/>
+                <a:cs typeface="Courier New" pitchFamily="49" charset="0"/>
+              </a:rPr>
+              <a:t>* По </a:t>
+            </a:r>
+            <a:r>
+              <a:rPr lang="ru-RU" sz="1000" b="1" dirty="0" smtClean="0">
+                <a:solidFill>
+                  <a:schemeClr val="bg1">
+                    <a:lumMod val="65000"/>
+                  </a:schemeClr>
+                </a:solidFill>
+                <a:latin typeface="Courier New" pitchFamily="49" charset="0"/>
+                <a:cs typeface="Courier New" pitchFamily="49" charset="0"/>
+              </a:rPr>
+              <a:t>аналогии с системой мобильной связи.</a:t>
+            </a:r>
+            <a:endParaRPr lang="uk-UA" sz="1000" b="1" dirty="0">
+              <a:solidFill>
+                <a:schemeClr val="bg1">
+                  <a:lumMod val="65000"/>
+                </a:schemeClr>
+              </a:solidFill>
+              <a:latin typeface="Courier New" pitchFamily="49" charset="0"/>
+              <a:cs typeface="Courier New" pitchFamily="49" charset="0"/>
+            </a:endParaRPr>
+          </a:p>
+        </p:txBody>
+      </p:sp>
+    </p:spTree>
+  </p:cSld>
+  <p:clrMapOvr>
+    <a:masterClrMapping/>
+  </p:clrMapOvr>
+</p:sld>
+</file>
+
+<file path=ppt/slides/slide3.xml><?xml version="1.0" encoding="utf-8"?>
+<p:sld xmlns:a="http://schemas.openxmlformats.org/drawingml/2006/main" xmlns:r="http://schemas.openxmlformats.org/officeDocument/2006/relationships" xmlns:p="http://schemas.openxmlformats.org/presentationml/2006/main">
+  <p:cSld>
+    <p:spTree>
+      <p:nvGrpSpPr>
+        <p:cNvPr id="1" name=""/>
+        <p:cNvGrpSpPr/>
+        <p:nvPr/>
+      </p:nvGrpSpPr>
+      <p:grpSpPr>
+        <a:xfrm>
+          <a:off x="0" y="0"/>
+          <a:ext cx="0" cy="0"/>
+          <a:chOff x="0" y="0"/>
+          <a:chExt cx="0" cy="0"/>
+        </a:xfrm>
+      </p:grpSpPr>
+      <p:sp>
+        <p:nvSpPr>
+          <p:cNvPr id="4" name="Заголовок 1"/>
+          <p:cNvSpPr txBox="1">
+            <a:spLocks/>
+          </p:cNvSpPr>
+          <p:nvPr/>
+        </p:nvSpPr>
+        <p:spPr>
+          <a:xfrm>
+            <a:off x="611560" y="476672"/>
+            <a:ext cx="8229600" cy="706090"/>
+          </a:xfrm>
+          <a:prstGeom prst="rect">
+            <a:avLst/>
+          </a:prstGeom>
+        </p:spPr>
+        <p:txBody>
+          <a:bodyPr vert="horz" lIns="91440" tIns="45720" rIns="91440" bIns="45720" rtlCol="0" anchor="ctr">
+            <a:normAutofit fontScale="97500" lnSpcReduction="10000"/>
+          </a:bodyPr>
+          <a:lstStyle/>
+          <a:p>
+            <a:pPr marL="0" marR="0" lvl="0" indent="0" algn="ctr" defTabSz="914400" rtl="0" eaLnBrk="1" fontAlgn="auto" latinLnBrk="0" hangingPunct="1">
+              <a:lnSpc>
+                <a:spcPct val="100000"/>
+              </a:lnSpc>
+              <a:spcBef>
+                <a:spcPct val="0"/>
+              </a:spcBef>
+              <a:spcAft>
+                <a:spcPts val="0"/>
+              </a:spcAft>
+              <a:buClrTx/>
+              <a:buSzTx/>
+              <a:buFontTx/>
+              <a:buNone/>
+              <a:tabLst/>
+              <a:defRPr/>
+            </a:pPr>
+            <a:r>
+              <a:rPr kumimoji="0" lang="ru-RU" sz="4400" b="0" i="0" u="none" strike="noStrike" kern="1200" cap="none" spc="0" normalizeH="0" baseline="0" noProof="0" dirty="0" smtClean="0">
+                <a:ln>
+                  <a:noFill/>
+                </a:ln>
+                <a:solidFill>
+                  <a:schemeClr val="tx1"/>
+                </a:solidFill>
+                <a:effectLst/>
+                <a:uLnTx/>
+                <a:uFillTx/>
+                <a:latin typeface="+mj-lt"/>
+                <a:ea typeface="+mj-ea"/>
+                <a:cs typeface="+mj-cs"/>
+              </a:rPr>
+              <a:t>Основная функция интернета:</a:t>
+            </a:r>
+            <a:endParaRPr kumimoji="0" lang="uk-UA" sz="4400" b="0" i="0" u="none" strike="noStrike" kern="1200" cap="none" spc="0" normalizeH="0" baseline="0" noProof="0" dirty="0">
+              <a:ln>
+                <a:noFill/>
+              </a:ln>
+              <a:solidFill>
+                <a:schemeClr val="tx1"/>
+              </a:solidFill>
+              <a:effectLst/>
+              <a:uLnTx/>
+              <a:uFillTx/>
+              <a:latin typeface="+mj-lt"/>
+              <a:ea typeface="+mj-ea"/>
+              <a:cs typeface="+mj-cs"/>
+            </a:endParaRPr>
+          </a:p>
+        </p:txBody>
+      </p:sp>
+      <p:sp>
+        <p:nvSpPr>
+          <p:cNvPr id="5" name="Rectangle 2"/>
+          <p:cNvSpPr>
+            <a:spLocks noChangeArrowheads="1"/>
+          </p:cNvSpPr>
+          <p:nvPr/>
+        </p:nvSpPr>
+        <p:spPr bwMode="auto">
+          <a:xfrm>
+            <a:off x="971600" y="1105580"/>
+            <a:ext cx="7560840" cy="523220"/>
+          </a:xfrm>
+          <a:prstGeom prst="rect">
+            <a:avLst/>
+          </a:prstGeom>
+          <a:solidFill>
+            <a:srgbClr val="FFFFFF"/>
+          </a:solidFill>
+          <a:ln w="9525">
+            <a:noFill/>
+            <a:miter lim="800000"/>
+            <a:headEnd/>
+            <a:tailEnd/>
+          </a:ln>
+          <a:effectLst/>
+        </p:spPr>
+        <p:txBody>
+          <a:bodyPr vert="horz" wrap="square" lIns="91440" tIns="45720" rIns="91440" bIns="45720" numCol="1" anchor="ctr" anchorCtr="0" compatLnSpc="1">
+            <a:prstTxWarp prst="textNoShape">
+              <a:avLst/>
+            </a:prstTxWarp>
+            <a:spAutoFit/>
+          </a:bodyPr>
+          <a:lstStyle/>
+          <a:p>
+            <a:pPr marL="0" marR="0" lvl="0" indent="0" algn="just" defTabSz="914400" rtl="0" eaLnBrk="1" fontAlgn="base" latinLnBrk="0" hangingPunct="1">
+              <a:lnSpc>
+                <a:spcPct val="100000"/>
+              </a:lnSpc>
+              <a:spcBef>
+                <a:spcPct val="0"/>
+              </a:spcBef>
+              <a:spcAft>
+                <a:spcPct val="0"/>
+              </a:spcAft>
+              <a:buClrTx/>
+              <a:buSzTx/>
+              <a:buFontTx/>
+              <a:buNone/>
+              <a:tabLst/>
+            </a:pPr>
+            <a:r>
+              <a:rPr lang="ru-RU" sz="1400" dirty="0" smtClean="0">
+                <a:solidFill>
+                  <a:srgbClr val="252525"/>
+                </a:solidFill>
+                <a:latin typeface="Arial" pitchFamily="34" charset="0"/>
+                <a:cs typeface="Arial" pitchFamily="34" charset="0"/>
+              </a:rPr>
+              <a:t>Обеспечить передачу данных между двумя компьютерами, независимо от того сколько промежуточных узлов между ними.</a:t>
+            </a:r>
+            <a:r>
+              <a:rPr lang="en-US" sz="1400" dirty="0" smtClean="0">
+                <a:solidFill>
+                  <a:srgbClr val="252525"/>
+                </a:solidFill>
+                <a:latin typeface="Arial" pitchFamily="34" charset="0"/>
+                <a:cs typeface="Arial" pitchFamily="34" charset="0"/>
+              </a:rPr>
+              <a:t> *</a:t>
+            </a:r>
+            <a:r>
+              <a:rPr lang="ru-RU" sz="1400" dirty="0" smtClean="0">
+                <a:solidFill>
+                  <a:srgbClr val="252525"/>
+                </a:solidFill>
+                <a:latin typeface="Arial" pitchFamily="34" charset="0"/>
+                <a:cs typeface="Arial" pitchFamily="34" charset="0"/>
+              </a:rPr>
+              <a:t> </a:t>
+            </a:r>
+            <a:endParaRPr kumimoji="0" lang="uk-UA" sz="1400" i="0" u="none" strike="noStrike" cap="none" normalizeH="0" baseline="0" dirty="0" smtClean="0">
+              <a:ln>
+                <a:noFill/>
+              </a:ln>
+              <a:solidFill>
+                <a:schemeClr val="tx1"/>
+              </a:solidFill>
+              <a:effectLst/>
+              <a:latin typeface="Arial" pitchFamily="34" charset="0"/>
+              <a:cs typeface="Arial" pitchFamily="34" charset="0"/>
+            </a:endParaRPr>
+          </a:p>
+        </p:txBody>
+      </p:sp>
+      <p:sp>
+        <p:nvSpPr>
+          <p:cNvPr id="6" name="Прямоугольник 5"/>
+          <p:cNvSpPr/>
+          <p:nvPr/>
+        </p:nvSpPr>
+        <p:spPr>
+          <a:xfrm>
+            <a:off x="5220072" y="1556792"/>
+            <a:ext cx="3384376" cy="246221"/>
+          </a:xfrm>
+          <a:prstGeom prst="rect">
+            <a:avLst/>
+          </a:prstGeom>
+        </p:spPr>
+        <p:txBody>
+          <a:bodyPr wrap="square">
+            <a:spAutoFit/>
+          </a:bodyPr>
+          <a:lstStyle/>
+          <a:p>
+            <a:r>
+              <a:rPr lang="ru-RU" sz="1000" b="1" dirty="0" smtClean="0">
+                <a:solidFill>
+                  <a:schemeClr val="bg1">
+                    <a:lumMod val="65000"/>
+                  </a:schemeClr>
+                </a:solidFill>
+                <a:latin typeface="Courier New" pitchFamily="49" charset="0"/>
+                <a:cs typeface="Courier New" pitchFamily="49" charset="0"/>
+              </a:rPr>
+              <a:t>* По </a:t>
+            </a:r>
+            <a:r>
+              <a:rPr lang="ru-RU" sz="1000" b="1" dirty="0" smtClean="0">
+                <a:solidFill>
+                  <a:schemeClr val="bg1">
+                    <a:lumMod val="65000"/>
+                  </a:schemeClr>
+                </a:solidFill>
+                <a:latin typeface="Courier New" pitchFamily="49" charset="0"/>
+                <a:cs typeface="Courier New" pitchFamily="49" charset="0"/>
+              </a:rPr>
+              <a:t>аналогии с системой мобильной связи.</a:t>
+            </a:r>
+            <a:endParaRPr lang="uk-UA" sz="1000" b="1" dirty="0">
+              <a:solidFill>
+                <a:schemeClr val="bg1">
+                  <a:lumMod val="65000"/>
+                </a:schemeClr>
+              </a:solidFill>
+              <a:latin typeface="Courier New" pitchFamily="49" charset="0"/>
+              <a:cs typeface="Courier New" pitchFamily="49" charset="0"/>
+            </a:endParaRPr>
+          </a:p>
+        </p:txBody>
+      </p:sp>
+      <p:sp>
+        <p:nvSpPr>
+          <p:cNvPr id="7" name="Заголовок 1"/>
+          <p:cNvSpPr txBox="1">
+            <a:spLocks/>
+          </p:cNvSpPr>
+          <p:nvPr/>
+        </p:nvSpPr>
+        <p:spPr>
+          <a:xfrm>
+            <a:off x="539552" y="1858814"/>
+            <a:ext cx="8229600" cy="706090"/>
+          </a:xfrm>
+          <a:prstGeom prst="rect">
+            <a:avLst/>
+          </a:prstGeom>
+        </p:spPr>
+        <p:txBody>
+          <a:bodyPr vert="horz" lIns="91440" tIns="45720" rIns="91440" bIns="45720" rtlCol="0" anchor="ctr">
+            <a:normAutofit fontScale="97500" lnSpcReduction="10000"/>
+          </a:bodyPr>
+          <a:lstStyle/>
+          <a:p>
+            <a:pPr marL="0" marR="0" lvl="0" indent="0" algn="ctr" defTabSz="914400" rtl="0" eaLnBrk="1" fontAlgn="auto" latinLnBrk="0" hangingPunct="1">
+              <a:lnSpc>
+                <a:spcPct val="100000"/>
+              </a:lnSpc>
+              <a:spcBef>
+                <a:spcPct val="0"/>
+              </a:spcBef>
+              <a:spcAft>
+                <a:spcPts val="0"/>
+              </a:spcAft>
+              <a:buClrTx/>
+              <a:buSzTx/>
+              <a:buFontTx/>
+              <a:buNone/>
+              <a:tabLst/>
+              <a:defRPr/>
+            </a:pPr>
+            <a:r>
+              <a:rPr lang="ru-RU" sz="4400" dirty="0" smtClean="0">
+                <a:latin typeface="+mj-lt"/>
+                <a:ea typeface="+mj-ea"/>
+                <a:cs typeface="+mj-cs"/>
+              </a:rPr>
+              <a:t>Как это осуществляется</a:t>
+            </a:r>
+            <a:r>
+              <a:rPr kumimoji="0" lang="ru-RU" sz="4400" b="0" i="0" u="none" strike="noStrike" kern="1200" cap="none" spc="0" normalizeH="0" baseline="0" noProof="0" dirty="0" smtClean="0">
+                <a:ln>
+                  <a:noFill/>
+                </a:ln>
+                <a:solidFill>
+                  <a:schemeClr val="tx1"/>
+                </a:solidFill>
+                <a:effectLst/>
+                <a:uLnTx/>
+                <a:uFillTx/>
+                <a:latin typeface="+mj-lt"/>
+                <a:ea typeface="+mj-ea"/>
+                <a:cs typeface="+mj-cs"/>
+              </a:rPr>
+              <a:t>:</a:t>
+            </a:r>
+            <a:endParaRPr kumimoji="0" lang="uk-UA" sz="4400" b="0" i="0" u="none" strike="noStrike" kern="1200" cap="none" spc="0" normalizeH="0" baseline="0" noProof="0" dirty="0">
+              <a:ln>
+                <a:noFill/>
+              </a:ln>
+              <a:solidFill>
+                <a:schemeClr val="tx1"/>
+              </a:solidFill>
+              <a:effectLst/>
+              <a:uLnTx/>
+              <a:uFillTx/>
+              <a:latin typeface="+mj-lt"/>
+              <a:ea typeface="+mj-ea"/>
+              <a:cs typeface="+mj-cs"/>
+            </a:endParaRPr>
+          </a:p>
+        </p:txBody>
+      </p:sp>
+      <p:sp>
+        <p:nvSpPr>
+          <p:cNvPr id="8" name="Rectangle 2"/>
+          <p:cNvSpPr>
+            <a:spLocks noChangeArrowheads="1"/>
+          </p:cNvSpPr>
+          <p:nvPr/>
+        </p:nvSpPr>
+        <p:spPr bwMode="auto">
+          <a:xfrm>
+            <a:off x="899592" y="2492896"/>
+            <a:ext cx="7560840" cy="523220"/>
+          </a:xfrm>
+          <a:prstGeom prst="rect">
+            <a:avLst/>
+          </a:prstGeom>
+          <a:solidFill>
+            <a:srgbClr val="FFFFFF"/>
+          </a:solidFill>
+          <a:ln w="9525">
+            <a:noFill/>
+            <a:miter lim="800000"/>
+            <a:headEnd/>
+            <a:tailEnd/>
+          </a:ln>
+          <a:effectLst/>
+        </p:spPr>
+        <p:txBody>
+          <a:bodyPr vert="horz" wrap="square" lIns="91440" tIns="45720" rIns="91440" bIns="45720" numCol="1" anchor="ctr" anchorCtr="0" compatLnSpc="1">
+            <a:prstTxWarp prst="textNoShape">
+              <a:avLst/>
+            </a:prstTxWarp>
+            <a:spAutoFit/>
+          </a:bodyPr>
+          <a:lstStyle/>
+          <a:p>
+            <a:pPr marL="0" marR="0" lvl="0" indent="0" algn="just" defTabSz="914400" rtl="0" eaLnBrk="1" fontAlgn="base" latinLnBrk="0" hangingPunct="1">
+              <a:lnSpc>
+                <a:spcPct val="100000"/>
+              </a:lnSpc>
+              <a:spcBef>
+                <a:spcPct val="0"/>
+              </a:spcBef>
+              <a:spcAft>
+                <a:spcPct val="0"/>
+              </a:spcAft>
+              <a:buClrTx/>
+              <a:buSzTx/>
+              <a:buFontTx/>
+              <a:buNone/>
+              <a:tabLst/>
+            </a:pPr>
+            <a:r>
+              <a:rPr lang="ru-RU" sz="1400" dirty="0" smtClean="0">
+                <a:solidFill>
+                  <a:srgbClr val="252525"/>
+                </a:solidFill>
+                <a:latin typeface="Arial" pitchFamily="34" charset="0"/>
+                <a:cs typeface="Arial" pitchFamily="34" charset="0"/>
+              </a:rPr>
+              <a:t>У каждого компьютера подключенного к сети интернет есть свой уникальный** сетевой адрес (можно сказать номер)</a:t>
+            </a:r>
+            <a:endParaRPr kumimoji="0" lang="uk-UA" sz="1400" i="0" u="none" strike="noStrike" cap="none" normalizeH="0" baseline="0" dirty="0" smtClean="0">
+              <a:ln>
+                <a:noFill/>
+              </a:ln>
+              <a:solidFill>
+                <a:schemeClr val="tx1"/>
+              </a:solidFill>
+              <a:effectLst/>
+              <a:latin typeface="Arial" pitchFamily="34" charset="0"/>
+              <a:cs typeface="Arial" pitchFamily="34" charset="0"/>
+            </a:endParaRPr>
+          </a:p>
+        </p:txBody>
+      </p:sp>
+      <p:sp>
+        <p:nvSpPr>
+          <p:cNvPr id="10" name="Прямоугольник 9"/>
+          <p:cNvSpPr/>
+          <p:nvPr/>
+        </p:nvSpPr>
+        <p:spPr>
+          <a:xfrm>
+            <a:off x="1619672" y="2996952"/>
+            <a:ext cx="7128792" cy="246221"/>
+          </a:xfrm>
+          <a:prstGeom prst="rect">
+            <a:avLst/>
+          </a:prstGeom>
+        </p:spPr>
+        <p:txBody>
+          <a:bodyPr wrap="square">
+            <a:spAutoFit/>
+          </a:bodyPr>
+          <a:lstStyle/>
+          <a:p>
+            <a:r>
+              <a:rPr lang="ru-RU" sz="1000" b="1" dirty="0" smtClean="0">
+                <a:solidFill>
+                  <a:schemeClr val="bg1">
+                    <a:lumMod val="65000"/>
+                  </a:schemeClr>
+                </a:solidFill>
+                <a:latin typeface="Courier New" pitchFamily="49" charset="0"/>
+                <a:cs typeface="Courier New" pitchFamily="49" charset="0"/>
+              </a:rPr>
+              <a:t>** Есть технологии позволяющие нескольким компьютерам пользоваться одним сетевым адресом.</a:t>
+            </a:r>
+            <a:endParaRPr lang="uk-UA" sz="1000" b="1" dirty="0">
+              <a:solidFill>
+                <a:schemeClr val="bg1">
+                  <a:lumMod val="65000"/>
+                </a:schemeClr>
+              </a:solidFill>
+              <a:latin typeface="Courier New" pitchFamily="49" charset="0"/>
+              <a:cs typeface="Courier New" pitchFamily="49" charset="0"/>
+            </a:endParaRPr>
+          </a:p>
+        </p:txBody>
+      </p:sp>
+      <p:sp>
+        <p:nvSpPr>
+          <p:cNvPr id="11" name="Заголовок 1"/>
+          <p:cNvSpPr txBox="1">
+            <a:spLocks/>
+          </p:cNvSpPr>
+          <p:nvPr/>
+        </p:nvSpPr>
+        <p:spPr>
+          <a:xfrm>
+            <a:off x="611560" y="3356992"/>
+            <a:ext cx="8229600" cy="706090"/>
+          </a:xfrm>
+          <a:prstGeom prst="rect">
+            <a:avLst/>
+          </a:prstGeom>
+        </p:spPr>
+        <p:txBody>
+          <a:bodyPr vert="horz" lIns="91440" tIns="45720" rIns="91440" bIns="45720" rtlCol="0" anchor="ctr">
+            <a:normAutofit fontScale="97500" lnSpcReduction="10000"/>
+          </a:bodyPr>
+          <a:lstStyle/>
+          <a:p>
+            <a:pPr marL="0" marR="0" lvl="0" indent="0" algn="ctr" defTabSz="914400" rtl="0" eaLnBrk="1" fontAlgn="auto" latinLnBrk="0" hangingPunct="1">
+              <a:lnSpc>
+                <a:spcPct val="100000"/>
+              </a:lnSpc>
+              <a:spcBef>
+                <a:spcPct val="0"/>
+              </a:spcBef>
+              <a:spcAft>
+                <a:spcPts val="0"/>
+              </a:spcAft>
+              <a:buClrTx/>
+              <a:buSzTx/>
+              <a:buFontTx/>
+              <a:buNone/>
+              <a:tabLst/>
+              <a:defRPr/>
+            </a:pPr>
+            <a:r>
+              <a:rPr lang="en-US" sz="4400" dirty="0" smtClean="0">
+                <a:latin typeface="+mj-lt"/>
+                <a:ea typeface="+mj-ea"/>
+                <a:cs typeface="+mj-cs"/>
+              </a:rPr>
+              <a:t>IP</a:t>
+            </a:r>
+            <a:r>
+              <a:rPr lang="ru-RU" sz="4400" dirty="0" smtClean="0">
+                <a:latin typeface="+mj-lt"/>
+                <a:ea typeface="+mj-ea"/>
+                <a:cs typeface="+mj-cs"/>
+              </a:rPr>
+              <a:t> (</a:t>
+            </a:r>
+            <a:r>
+              <a:rPr lang="en-US" sz="4400" dirty="0" smtClean="0">
+                <a:latin typeface="+mj-lt"/>
+                <a:ea typeface="+mj-ea"/>
+                <a:cs typeface="+mj-cs"/>
+              </a:rPr>
+              <a:t>internet protocol</a:t>
+            </a:r>
+            <a:r>
+              <a:rPr lang="ru-RU" sz="4400" dirty="0" smtClean="0">
+                <a:latin typeface="+mj-lt"/>
+                <a:ea typeface="+mj-ea"/>
+                <a:cs typeface="+mj-cs"/>
+              </a:rPr>
+              <a:t>)</a:t>
+            </a:r>
+            <a:r>
+              <a:rPr lang="en-US" sz="4400" dirty="0" smtClean="0">
+                <a:latin typeface="+mj-lt"/>
+                <a:ea typeface="+mj-ea"/>
+                <a:cs typeface="+mj-cs"/>
+              </a:rPr>
+              <a:t> </a:t>
+            </a:r>
+            <a:r>
+              <a:rPr lang="ru-RU" sz="4400" dirty="0" smtClean="0">
+                <a:latin typeface="+mj-lt"/>
+                <a:ea typeface="+mj-ea"/>
+                <a:cs typeface="+mj-cs"/>
+              </a:rPr>
+              <a:t>адрес</a:t>
+            </a:r>
+            <a:r>
+              <a:rPr kumimoji="0" lang="ru-RU" sz="4400" b="0" i="0" u="none" strike="noStrike" kern="1200" cap="none" spc="0" normalizeH="0" baseline="0" noProof="0" dirty="0" smtClean="0">
+                <a:ln>
+                  <a:noFill/>
+                </a:ln>
+                <a:solidFill>
+                  <a:schemeClr val="tx1"/>
+                </a:solidFill>
+                <a:effectLst/>
+                <a:uLnTx/>
+                <a:uFillTx/>
+                <a:latin typeface="+mj-lt"/>
+                <a:ea typeface="+mj-ea"/>
+                <a:cs typeface="+mj-cs"/>
+              </a:rPr>
+              <a:t>:</a:t>
+            </a:r>
+            <a:endParaRPr kumimoji="0" lang="uk-UA" sz="4400" b="0" i="0" u="none" strike="noStrike" kern="1200" cap="none" spc="0" normalizeH="0" baseline="0" noProof="0" dirty="0">
+              <a:ln>
+                <a:noFill/>
+              </a:ln>
+              <a:solidFill>
+                <a:schemeClr val="tx1"/>
+              </a:solidFill>
+              <a:effectLst/>
+              <a:uLnTx/>
+              <a:uFillTx/>
+              <a:latin typeface="+mj-lt"/>
+              <a:ea typeface="+mj-ea"/>
+              <a:cs typeface="+mj-cs"/>
+            </a:endParaRPr>
+          </a:p>
+        </p:txBody>
+      </p:sp>
+      <p:sp>
+        <p:nvSpPr>
+          <p:cNvPr id="12" name="Заголовок 1"/>
+          <p:cNvSpPr txBox="1">
+            <a:spLocks/>
+          </p:cNvSpPr>
+          <p:nvPr/>
+        </p:nvSpPr>
+        <p:spPr>
+          <a:xfrm>
+            <a:off x="467544" y="4005064"/>
+            <a:ext cx="8229600" cy="792088"/>
+          </a:xfrm>
+          <a:prstGeom prst="rect">
+            <a:avLst/>
+          </a:prstGeom>
+        </p:spPr>
+        <p:txBody>
+          <a:bodyPr vert="horz" lIns="91440" tIns="45720" rIns="91440" bIns="45720" rtlCol="0" anchor="ctr">
+            <a:normAutofit fontScale="90000" lnSpcReduction="10000"/>
+          </a:bodyPr>
+          <a:lstStyle/>
+          <a:p>
+            <a:pPr algn="ctr">
+              <a:spcBef>
+                <a:spcPct val="0"/>
+              </a:spcBef>
+            </a:pPr>
+            <a:r>
+              <a:rPr lang="en-US" sz="2800" dirty="0" smtClean="0">
+                <a:latin typeface="+mj-lt"/>
+                <a:ea typeface="+mj-ea"/>
+                <a:cs typeface="+mj-cs"/>
+              </a:rPr>
+              <a:t>IPv4: </a:t>
+            </a:r>
+            <a:r>
+              <a:rPr lang="en-US" sz="2800" b="1" dirty="0" smtClean="0">
+                <a:latin typeface="+mj-lt"/>
+                <a:ea typeface="+mj-ea"/>
+                <a:cs typeface="+mj-cs"/>
+              </a:rPr>
+              <a:t>77.222.150.27</a:t>
+            </a:r>
+            <a:r>
+              <a:rPr lang="en-US" sz="2800" dirty="0" smtClean="0">
+                <a:latin typeface="+mj-lt"/>
+                <a:ea typeface="+mj-ea"/>
+                <a:cs typeface="+mj-cs"/>
+              </a:rPr>
+              <a:t> – </a:t>
+            </a:r>
+            <a:r>
+              <a:rPr lang="ru-RU" sz="2800" dirty="0" smtClean="0"/>
+              <a:t>2</a:t>
+            </a:r>
+            <a:r>
+              <a:rPr lang="ru-RU" sz="2800" baseline="30000" dirty="0" smtClean="0"/>
+              <a:t>32</a:t>
+            </a:r>
+            <a:r>
+              <a:rPr lang="uk-UA" sz="2800" dirty="0" smtClean="0">
+                <a:latin typeface="+mj-lt"/>
+                <a:ea typeface="+mj-ea"/>
+                <a:cs typeface="+mj-cs"/>
+              </a:rPr>
+              <a:t> адрес</a:t>
+            </a:r>
+            <a:r>
+              <a:rPr lang="ru-RU" sz="2800" dirty="0" smtClean="0">
+                <a:latin typeface="+mj-lt"/>
+                <a:ea typeface="+mj-ea"/>
+                <a:cs typeface="+mj-cs"/>
+              </a:rPr>
+              <a:t>а</a:t>
+            </a:r>
+            <a:r>
+              <a:rPr lang="uk-UA" sz="2800" dirty="0" smtClean="0">
+                <a:latin typeface="+mj-lt"/>
+                <a:ea typeface="+mj-ea"/>
+                <a:cs typeface="+mj-cs"/>
+              </a:rPr>
+              <a:t>.</a:t>
+            </a:r>
+          </a:p>
+          <a:p>
+            <a:pPr algn="ctr">
+              <a:spcBef>
+                <a:spcPct val="0"/>
+              </a:spcBef>
+            </a:pPr>
+            <a:r>
+              <a:rPr lang="en-US" sz="2800" dirty="0" smtClean="0">
+                <a:latin typeface="+mj-lt"/>
+                <a:ea typeface="+mj-ea"/>
+                <a:cs typeface="+mj-cs"/>
+              </a:rPr>
+              <a:t>IPv6:</a:t>
+            </a:r>
+            <a:r>
+              <a:rPr lang="en-US" sz="2400" dirty="0" smtClean="0"/>
+              <a:t> </a:t>
+            </a:r>
+            <a:r>
+              <a:rPr lang="en-US" sz="2400" b="1" dirty="0" smtClean="0"/>
+              <a:t>2001:0db8:11a3:09d7:1f34:8a2e:07a0:765d</a:t>
+            </a:r>
+            <a:r>
+              <a:rPr lang="ru-RU" sz="2400" b="1" dirty="0" smtClean="0"/>
+              <a:t> </a:t>
+            </a:r>
+            <a:r>
+              <a:rPr lang="en-US" sz="2400" dirty="0" smtClean="0"/>
+              <a:t>– </a:t>
+            </a:r>
+            <a:r>
+              <a:rPr lang="ru-RU" sz="2400" dirty="0" smtClean="0"/>
+              <a:t>2</a:t>
+            </a:r>
+            <a:r>
+              <a:rPr lang="ru-RU" sz="2400" baseline="30000" dirty="0" smtClean="0"/>
+              <a:t>128</a:t>
+            </a:r>
+            <a:r>
+              <a:rPr lang="uk-UA" sz="2400" dirty="0" smtClean="0"/>
+              <a:t> </a:t>
+            </a:r>
+            <a:r>
+              <a:rPr lang="uk-UA" sz="2400" dirty="0" smtClean="0"/>
+              <a:t>адрес</a:t>
+            </a:r>
+            <a:r>
+              <a:rPr lang="ru-RU" sz="2400" dirty="0" smtClean="0"/>
+              <a:t>а.</a:t>
+            </a:r>
+            <a:r>
+              <a:rPr lang="en-US" sz="2400" b="1" dirty="0" smtClean="0"/>
+              <a:t> </a:t>
+            </a:r>
+            <a:r>
+              <a:rPr lang="en-US" sz="2400" dirty="0" smtClean="0"/>
+              <a:t> </a:t>
+            </a:r>
+            <a:endParaRPr lang="uk-UA" sz="2800" b="1" dirty="0" smtClean="0"/>
+          </a:p>
+        </p:txBody>
+      </p:sp>
+      <p:sp>
+        <p:nvSpPr>
+          <p:cNvPr id="13" name="Rectangle 2"/>
+          <p:cNvSpPr>
+            <a:spLocks noChangeArrowheads="1"/>
+          </p:cNvSpPr>
+          <p:nvPr/>
+        </p:nvSpPr>
+        <p:spPr bwMode="auto">
+          <a:xfrm>
+            <a:off x="827584" y="4994592"/>
+            <a:ext cx="7560840" cy="738664"/>
+          </a:xfrm>
+          <a:prstGeom prst="rect">
+            <a:avLst/>
+          </a:prstGeom>
+          <a:solidFill>
+            <a:srgbClr val="FFFFFF"/>
+          </a:solidFill>
+          <a:ln w="9525">
+            <a:noFill/>
+            <a:miter lim="800000"/>
+            <a:headEnd/>
+            <a:tailEnd/>
+          </a:ln>
+          <a:effectLst/>
+        </p:spPr>
+        <p:txBody>
+          <a:bodyPr vert="horz" wrap="square" lIns="91440" tIns="45720" rIns="91440" bIns="45720" numCol="1" anchor="ctr" anchorCtr="0" compatLnSpc="1">
+            <a:prstTxWarp prst="textNoShape">
+              <a:avLst/>
+            </a:prstTxWarp>
+            <a:spAutoFit/>
+          </a:bodyPr>
+          <a:lstStyle/>
+          <a:p>
+            <a:pPr marL="0" marR="0" lvl="0" indent="0" algn="just" defTabSz="914400" rtl="0" eaLnBrk="1" fontAlgn="base" latinLnBrk="0" hangingPunct="1">
+              <a:lnSpc>
+                <a:spcPct val="100000"/>
+              </a:lnSpc>
+              <a:spcBef>
+                <a:spcPct val="0"/>
+              </a:spcBef>
+              <a:spcAft>
+                <a:spcPct val="0"/>
+              </a:spcAft>
+              <a:buClrTx/>
+              <a:buSzTx/>
+              <a:buFontTx/>
+              <a:buNone/>
+              <a:tabLst/>
+            </a:pPr>
+            <a:r>
+              <a:rPr lang="ru-RU" sz="1400" dirty="0" smtClean="0">
+                <a:solidFill>
+                  <a:srgbClr val="252525"/>
+                </a:solidFill>
+                <a:latin typeface="Arial" pitchFamily="34" charset="0"/>
+                <a:cs typeface="Arial" pitchFamily="34" charset="0"/>
+              </a:rPr>
+              <a:t>Раздача </a:t>
+            </a:r>
+            <a:r>
+              <a:rPr lang="en-US" sz="1400" dirty="0" smtClean="0">
+                <a:solidFill>
+                  <a:srgbClr val="252525"/>
+                </a:solidFill>
+                <a:latin typeface="Arial" pitchFamily="34" charset="0"/>
+                <a:cs typeface="Arial" pitchFamily="34" charset="0"/>
+              </a:rPr>
+              <a:t>IP </a:t>
+            </a:r>
+            <a:r>
+              <a:rPr lang="ru-RU" sz="1400" dirty="0" smtClean="0">
+                <a:solidFill>
+                  <a:srgbClr val="252525"/>
+                </a:solidFill>
+                <a:latin typeface="Arial" pitchFamily="34" charset="0"/>
+                <a:cs typeface="Arial" pitchFamily="34" charset="0"/>
+              </a:rPr>
+              <a:t>адресов, как ограниченного ресурса осуществляется рядом некоммерческих организаций, которые «делятся» с провайдерами, а те, в свою очередь, раздают адреса конечным получателям. </a:t>
+            </a:r>
+            <a:endParaRPr kumimoji="0" lang="uk-UA" sz="1400" i="0" u="none" strike="noStrike" cap="none" normalizeH="0" baseline="0" dirty="0" smtClean="0">
+              <a:ln>
+                <a:noFill/>
+              </a:ln>
+              <a:solidFill>
+                <a:schemeClr val="tx1"/>
+              </a:solidFill>
+              <a:effectLst/>
+              <a:latin typeface="Arial" pitchFamily="34" charset="0"/>
+              <a:cs typeface="Arial" pitchFamily="34" charset="0"/>
+            </a:endParaRPr>
+          </a:p>
+        </p:txBody>
+      </p:sp>
+    </p:spTree>
+  </p:cSld>
+  <p:clrMapOvr>
+    <a:masterClrMapping/>
+  </p:clrMapOvr>
+</p:sld>
+</file>
+
+<file path=ppt/slides/slide4.xml><?xml version="1.0" encoding="utf-8"?>
+<p:sld xmlns:a="http://schemas.openxmlformats.org/drawingml/2006/main" xmlns:r="http://schemas.openxmlformats.org/officeDocument/2006/relationships" xmlns:p="http://schemas.openxmlformats.org/presentationml/2006/main">
+  <p:cSld>
+    <p:spTree>
+      <p:nvGrpSpPr>
+        <p:cNvPr id="1" name=""/>
+        <p:cNvGrpSpPr/>
+        <p:nvPr/>
+      </p:nvGrpSpPr>
+      <p:grpSpPr>
+        <a:xfrm>
+          <a:off x="0" y="0"/>
+          <a:ext cx="0" cy="0"/>
+          <a:chOff x="0" y="0"/>
+          <a:chExt cx="0" cy="0"/>
+        </a:xfrm>
+      </p:grpSpPr>
+      <p:sp>
+        <p:nvSpPr>
+          <p:cNvPr id="4" name="Заголовок 1"/>
+          <p:cNvSpPr txBox="1">
+            <a:spLocks/>
+          </p:cNvSpPr>
+          <p:nvPr/>
+        </p:nvSpPr>
+        <p:spPr>
+          <a:xfrm>
+            <a:off x="611560" y="332656"/>
+            <a:ext cx="8229600" cy="706090"/>
+          </a:xfrm>
+          <a:prstGeom prst="rect">
+            <a:avLst/>
+          </a:prstGeom>
+        </p:spPr>
+        <p:txBody>
+          <a:bodyPr vert="horz" lIns="91440" tIns="45720" rIns="91440" bIns="45720" rtlCol="0" anchor="ctr">
+            <a:normAutofit fontScale="82500" lnSpcReduction="10000"/>
+          </a:bodyPr>
+          <a:lstStyle/>
+          <a:p>
+            <a:pPr marL="0" marR="0" lvl="0" indent="0" algn="ctr" defTabSz="914400" rtl="0" eaLnBrk="1" fontAlgn="auto" latinLnBrk="0" hangingPunct="1">
+              <a:lnSpc>
+                <a:spcPct val="100000"/>
+              </a:lnSpc>
+              <a:spcBef>
+                <a:spcPct val="0"/>
+              </a:spcBef>
+              <a:spcAft>
+                <a:spcPts val="0"/>
+              </a:spcAft>
+              <a:buClrTx/>
+              <a:buSzTx/>
+              <a:buFontTx/>
+              <a:buNone/>
+              <a:tabLst/>
+              <a:defRPr/>
+            </a:pPr>
+            <a:r>
+              <a:rPr lang="ru-RU" sz="4400" dirty="0" smtClean="0">
+                <a:latin typeface="+mj-lt"/>
+                <a:ea typeface="+mj-ea"/>
+                <a:cs typeface="+mj-cs"/>
+              </a:rPr>
+              <a:t>Как узнать </a:t>
+            </a:r>
+            <a:r>
+              <a:rPr lang="en-US" sz="4400" dirty="0" smtClean="0">
+                <a:latin typeface="+mj-lt"/>
+                <a:ea typeface="+mj-ea"/>
+                <a:cs typeface="+mj-cs"/>
+              </a:rPr>
+              <a:t>IP</a:t>
+            </a:r>
+            <a:r>
+              <a:rPr lang="ru-RU" sz="4400" dirty="0" smtClean="0">
+                <a:latin typeface="+mj-lt"/>
+                <a:ea typeface="+mj-ea"/>
+                <a:cs typeface="+mj-cs"/>
+              </a:rPr>
+              <a:t> адрес своего компьютера</a:t>
+            </a:r>
+            <a:r>
+              <a:rPr kumimoji="0" lang="ru-RU" sz="4400" b="0" i="0" u="none" strike="noStrike" kern="1200" cap="none" spc="0" normalizeH="0" baseline="0" noProof="0" dirty="0" smtClean="0">
+                <a:ln>
+                  <a:noFill/>
+                </a:ln>
+                <a:solidFill>
+                  <a:schemeClr val="tx1"/>
+                </a:solidFill>
+                <a:effectLst/>
+                <a:uLnTx/>
+                <a:uFillTx/>
+                <a:latin typeface="+mj-lt"/>
+                <a:ea typeface="+mj-ea"/>
+                <a:cs typeface="+mj-cs"/>
+              </a:rPr>
+              <a:t>:</a:t>
+            </a:r>
+            <a:endParaRPr kumimoji="0" lang="uk-UA" sz="4400" b="0" i="0" u="none" strike="noStrike" kern="1200" cap="none" spc="0" normalizeH="0" baseline="0" noProof="0" dirty="0">
+              <a:ln>
+                <a:noFill/>
+              </a:ln>
+              <a:solidFill>
+                <a:schemeClr val="tx1"/>
+              </a:solidFill>
+              <a:effectLst/>
+              <a:uLnTx/>
+              <a:uFillTx/>
+              <a:latin typeface="+mj-lt"/>
+              <a:ea typeface="+mj-ea"/>
+              <a:cs typeface="+mj-cs"/>
+            </a:endParaRPr>
+          </a:p>
+        </p:txBody>
+      </p:sp>
+      <p:sp>
+        <p:nvSpPr>
+          <p:cNvPr id="5" name="Заголовок 1"/>
+          <p:cNvSpPr txBox="1">
+            <a:spLocks/>
+          </p:cNvSpPr>
+          <p:nvPr/>
+        </p:nvSpPr>
+        <p:spPr>
+          <a:xfrm>
+            <a:off x="611560" y="980728"/>
+            <a:ext cx="8229600" cy="576064"/>
+          </a:xfrm>
+          <a:prstGeom prst="rect">
+            <a:avLst/>
+          </a:prstGeom>
+        </p:spPr>
+        <p:txBody>
+          <a:bodyPr vert="horz" lIns="91440" tIns="45720" rIns="91440" bIns="45720" rtlCol="0" anchor="ctr">
+            <a:normAutofit fontScale="97500"/>
+          </a:bodyPr>
+          <a:lstStyle/>
+          <a:p>
+            <a:pPr algn="ctr">
+              <a:spcBef>
+                <a:spcPct val="0"/>
+              </a:spcBef>
+            </a:pPr>
+            <a:r>
+              <a:rPr lang="ru-RU" sz="2800" dirty="0" smtClean="0">
+                <a:latin typeface="+mj-lt"/>
+                <a:ea typeface="+mj-ea"/>
+                <a:cs typeface="+mj-cs"/>
+              </a:rPr>
+              <a:t>Консольная команда </a:t>
+            </a:r>
+            <a:r>
+              <a:rPr lang="en-US" sz="2800" b="1" dirty="0" err="1" smtClean="0">
+                <a:latin typeface="+mj-lt"/>
+                <a:ea typeface="+mj-ea"/>
+                <a:cs typeface="+mj-cs"/>
+              </a:rPr>
+              <a:t>ipconfig</a:t>
+            </a:r>
+            <a:r>
+              <a:rPr lang="en-US" sz="2800" b="1" dirty="0" smtClean="0">
+                <a:latin typeface="+mj-lt"/>
+                <a:ea typeface="+mj-ea"/>
+                <a:cs typeface="+mj-cs"/>
+              </a:rPr>
+              <a:t> </a:t>
+            </a:r>
+            <a:r>
+              <a:rPr lang="ru-RU" sz="2800" dirty="0" smtClean="0">
+                <a:latin typeface="+mj-lt"/>
+                <a:ea typeface="+mj-ea"/>
+                <a:cs typeface="+mj-cs"/>
+              </a:rPr>
+              <a:t>расскаже</a:t>
+            </a:r>
+            <a:r>
+              <a:rPr lang="ru-RU" sz="2800" dirty="0" smtClean="0">
+                <a:latin typeface="+mj-lt"/>
+                <a:ea typeface="+mj-ea"/>
+                <a:cs typeface="+mj-cs"/>
+              </a:rPr>
+              <a:t>т</a:t>
+            </a:r>
+            <a:r>
+              <a:rPr lang="ru-RU" sz="2800" dirty="0" smtClean="0">
+                <a:latin typeface="+mj-lt"/>
+                <a:ea typeface="+mj-ea"/>
+                <a:cs typeface="+mj-cs"/>
+              </a:rPr>
+              <a:t> </a:t>
+            </a:r>
+            <a:endParaRPr lang="uk-UA" sz="2800" b="1" dirty="0" smtClean="0"/>
+          </a:p>
+        </p:txBody>
+      </p:sp>
+      <p:sp>
+        <p:nvSpPr>
+          <p:cNvPr id="6" name="Прямоугольник 5"/>
+          <p:cNvSpPr/>
+          <p:nvPr/>
+        </p:nvSpPr>
+        <p:spPr>
+          <a:xfrm>
+            <a:off x="611560" y="1628800"/>
+            <a:ext cx="7920880" cy="646331"/>
+          </a:xfrm>
+          <a:prstGeom prst="rect">
+            <a:avLst/>
+          </a:prstGeom>
+        </p:spPr>
+        <p:txBody>
+          <a:bodyPr wrap="square">
+            <a:spAutoFit/>
+          </a:bodyPr>
+          <a:lstStyle/>
+          <a:p>
+            <a:r>
+              <a:rPr lang="en-US" dirty="0" smtClean="0"/>
+              <a:t>1. </a:t>
+            </a:r>
+            <a:r>
+              <a:rPr lang="ru-RU" dirty="0" smtClean="0"/>
+              <a:t>Запускаем </a:t>
+            </a:r>
+            <a:r>
+              <a:rPr lang="ru-RU" dirty="0" smtClean="0"/>
+              <a:t>командную строку </a:t>
+            </a:r>
+            <a:r>
+              <a:rPr lang="ru-RU" dirty="0" err="1" smtClean="0"/>
+              <a:t>Windows</a:t>
+            </a:r>
+            <a:r>
+              <a:rPr lang="ru-RU" dirty="0" smtClean="0"/>
+              <a:t> (для этого можно нажать </a:t>
+            </a:r>
+            <a:r>
+              <a:rPr lang="ru-RU" dirty="0" smtClean="0"/>
+              <a:t>кнопки</a:t>
+            </a:r>
+            <a:r>
+              <a:rPr lang="en-US" dirty="0" smtClean="0"/>
+              <a:t> </a:t>
+            </a:r>
+            <a:r>
+              <a:rPr lang="en-US" dirty="0" smtClean="0"/>
+              <a:t>WIN+R</a:t>
+            </a:r>
+            <a:r>
+              <a:rPr lang="ru-RU" dirty="0" smtClean="0"/>
+              <a:t>), </a:t>
+            </a:r>
+            <a:r>
+              <a:rPr lang="ru-RU" dirty="0" smtClean="0"/>
+              <a:t>вводим три буквы CMD, нажимаем </a:t>
+            </a:r>
+            <a:r>
+              <a:rPr lang="ru-RU" dirty="0" err="1" smtClean="0"/>
+              <a:t>Enter</a:t>
+            </a:r>
+            <a:endParaRPr lang="uk-UA" dirty="0"/>
+          </a:p>
+        </p:txBody>
+      </p:sp>
+      <p:pic>
+        <p:nvPicPr>
+          <p:cNvPr id="16386" name="Picture 2" descr="http://aleksandr-krylov.ru/uploads/_pages/28/win_r.jpg"/>
+          <p:cNvPicPr>
+            <a:picLocks noChangeAspect="1" noChangeArrowheads="1"/>
+          </p:cNvPicPr>
+          <p:nvPr/>
+        </p:nvPicPr>
+        <p:blipFill>
+          <a:blip r:embed="rId2" cstate="print"/>
+          <a:srcRect/>
+          <a:stretch>
+            <a:fillRect/>
+          </a:stretch>
+        </p:blipFill>
+        <p:spPr bwMode="auto">
+          <a:xfrm>
+            <a:off x="1954163" y="2492896"/>
+            <a:ext cx="1609725" cy="1390651"/>
+          </a:xfrm>
+          <a:prstGeom prst="rect">
+            <a:avLst/>
+          </a:prstGeom>
+          <a:noFill/>
+        </p:spPr>
+      </p:pic>
+      <p:pic>
+        <p:nvPicPr>
+          <p:cNvPr id="16388" name="Picture 4" descr="http://aleksandr-krylov.ru/uploads/_pages/28/winrcmd.png"/>
+          <p:cNvPicPr>
+            <a:picLocks noChangeAspect="1" noChangeArrowheads="1"/>
+          </p:cNvPicPr>
+          <p:nvPr/>
+        </p:nvPicPr>
+        <p:blipFill>
+          <a:blip r:embed="rId3" cstate="print"/>
+          <a:srcRect/>
+          <a:stretch>
+            <a:fillRect/>
+          </a:stretch>
+        </p:blipFill>
+        <p:spPr bwMode="auto">
+          <a:xfrm>
+            <a:off x="4716016" y="2348880"/>
+            <a:ext cx="2980023" cy="1760923"/>
+          </a:xfrm>
+          <a:prstGeom prst="rect">
+            <a:avLst/>
+          </a:prstGeom>
+          <a:noFill/>
+        </p:spPr>
+      </p:pic>
+      <p:pic>
+        <p:nvPicPr>
+          <p:cNvPr id="16389" name="Picture 5"/>
+          <p:cNvPicPr>
+            <a:picLocks noChangeAspect="1" noChangeArrowheads="1"/>
+          </p:cNvPicPr>
+          <p:nvPr/>
+        </p:nvPicPr>
+        <p:blipFill>
+          <a:blip r:embed="rId4" cstate="print"/>
+          <a:srcRect b="68318"/>
+          <a:stretch>
+            <a:fillRect/>
+          </a:stretch>
+        </p:blipFill>
+        <p:spPr bwMode="auto">
+          <a:xfrm>
+            <a:off x="1331640" y="4770200"/>
+            <a:ext cx="6448425" cy="1035064"/>
+          </a:xfrm>
+          <a:prstGeom prst="rect">
+            <a:avLst/>
+          </a:prstGeom>
+          <a:noFill/>
+          <a:ln w="9525">
+            <a:noFill/>
+            <a:miter lim="800000"/>
+            <a:headEnd/>
+            <a:tailEnd/>
+          </a:ln>
+        </p:spPr>
+      </p:pic>
+      <p:sp>
+        <p:nvSpPr>
+          <p:cNvPr id="11" name="Прямоугольник 10"/>
+          <p:cNvSpPr/>
+          <p:nvPr/>
+        </p:nvSpPr>
+        <p:spPr>
+          <a:xfrm>
+            <a:off x="611560" y="4149080"/>
+            <a:ext cx="7920880" cy="369332"/>
+          </a:xfrm>
+          <a:prstGeom prst="rect">
+            <a:avLst/>
+          </a:prstGeom>
+        </p:spPr>
+        <p:txBody>
+          <a:bodyPr wrap="square">
+            <a:spAutoFit/>
+          </a:bodyPr>
+          <a:lstStyle/>
+          <a:p>
+            <a:r>
+              <a:rPr lang="ru-RU" dirty="0" smtClean="0"/>
+              <a:t>2</a:t>
+            </a:r>
+            <a:r>
+              <a:rPr lang="en-US" dirty="0" smtClean="0"/>
+              <a:t>. </a:t>
+            </a:r>
+            <a:r>
+              <a:rPr lang="ru-RU" dirty="0" smtClean="0"/>
+              <a:t>В окне консоли</a:t>
+            </a:r>
+            <a:r>
+              <a:rPr lang="en-US" dirty="0" smtClean="0"/>
+              <a:t> (</a:t>
+            </a:r>
+            <a:r>
+              <a:rPr lang="ru-RU" dirty="0" smtClean="0"/>
+              <a:t>командной строки</a:t>
+            </a:r>
+            <a:r>
+              <a:rPr lang="en-US" dirty="0" smtClean="0"/>
+              <a:t>)</a:t>
+            </a:r>
+            <a:r>
+              <a:rPr lang="ru-RU" dirty="0" smtClean="0"/>
+              <a:t> вводим команду </a:t>
+            </a:r>
+            <a:r>
+              <a:rPr lang="en-US" b="1" dirty="0" err="1" smtClean="0"/>
+              <a:t>ipconfig</a:t>
+            </a:r>
+            <a:r>
+              <a:rPr lang="ru-RU" dirty="0" smtClean="0"/>
+              <a:t> и жмём </a:t>
+            </a:r>
+            <a:r>
+              <a:rPr lang="en-US" dirty="0" smtClean="0"/>
+              <a:t>Enter</a:t>
+            </a:r>
+            <a:r>
+              <a:rPr lang="ru-RU" dirty="0" smtClean="0"/>
+              <a:t> </a:t>
+            </a:r>
+            <a:endParaRPr lang="uk-UA" dirty="0"/>
+          </a:p>
+        </p:txBody>
+      </p:sp>
+    </p:spTree>
+  </p:cSld>
+  <p:clrMapOvr>
+    <a:masterClrMapping/>
+  </p:clrMapOvr>
+</p:sld>
+</file>
+
+<file path=ppt/slides/slide5.xml><?xml version="1.0" encoding="utf-8"?>
+<p:sld xmlns:a="http://schemas.openxmlformats.org/drawingml/2006/main" xmlns:r="http://schemas.openxmlformats.org/officeDocument/2006/relationships" xmlns:p="http://schemas.openxmlformats.org/presentationml/2006/main">
+  <p:cSld>
+    <p:spTree>
+      <p:nvGrpSpPr>
+        <p:cNvPr id="1" name=""/>
+        <p:cNvGrpSpPr/>
+        <p:nvPr/>
+      </p:nvGrpSpPr>
+      <p:grpSpPr>
+        <a:xfrm>
+          <a:off x="0" y="0"/>
+          <a:ext cx="0" cy="0"/>
+          <a:chOff x="0" y="0"/>
+          <a:chExt cx="0" cy="0"/>
+        </a:xfrm>
+      </p:grpSpPr>
+      <p:sp>
+        <p:nvSpPr>
+          <p:cNvPr id="4" name="Заголовок 1"/>
+          <p:cNvSpPr txBox="1">
+            <a:spLocks/>
+          </p:cNvSpPr>
+          <p:nvPr/>
+        </p:nvSpPr>
+        <p:spPr>
+          <a:xfrm>
+            <a:off x="611560" y="332656"/>
+            <a:ext cx="8229600" cy="706090"/>
+          </a:xfrm>
+          <a:prstGeom prst="rect">
+            <a:avLst/>
+          </a:prstGeom>
+        </p:spPr>
+        <p:txBody>
+          <a:bodyPr vert="horz" lIns="91440" tIns="45720" rIns="91440" bIns="45720" rtlCol="0" anchor="ctr">
+            <a:normAutofit fontScale="82500" lnSpcReduction="10000"/>
+          </a:bodyPr>
+          <a:lstStyle/>
+          <a:p>
+            <a:pPr marL="0" marR="0" lvl="0" indent="0" algn="ctr" defTabSz="914400" rtl="0" eaLnBrk="1" fontAlgn="auto" latinLnBrk="0" hangingPunct="1">
+              <a:lnSpc>
+                <a:spcPct val="100000"/>
+              </a:lnSpc>
+              <a:spcBef>
+                <a:spcPct val="0"/>
+              </a:spcBef>
+              <a:spcAft>
+                <a:spcPts val="0"/>
+              </a:spcAft>
+              <a:buClrTx/>
+              <a:buSzTx/>
+              <a:buFontTx/>
+              <a:buNone/>
+              <a:tabLst/>
+              <a:defRPr/>
+            </a:pPr>
+            <a:r>
+              <a:rPr lang="ru-RU" sz="4400" dirty="0" smtClean="0">
+                <a:latin typeface="+mj-lt"/>
+                <a:ea typeface="+mj-ea"/>
+                <a:cs typeface="+mj-cs"/>
+              </a:rPr>
+              <a:t>Как узнать </a:t>
+            </a:r>
+            <a:r>
+              <a:rPr lang="en-US" sz="4400" dirty="0" smtClean="0">
+                <a:latin typeface="+mj-lt"/>
+                <a:ea typeface="+mj-ea"/>
+                <a:cs typeface="+mj-cs"/>
+              </a:rPr>
+              <a:t>IP</a:t>
+            </a:r>
+            <a:r>
+              <a:rPr lang="ru-RU" sz="4400" dirty="0" smtClean="0">
+                <a:latin typeface="+mj-lt"/>
+                <a:ea typeface="+mj-ea"/>
+                <a:cs typeface="+mj-cs"/>
+              </a:rPr>
+              <a:t> адрес своего компьютера</a:t>
+            </a:r>
+            <a:r>
+              <a:rPr kumimoji="0" lang="ru-RU" sz="4400" b="0" i="0" u="none" strike="noStrike" kern="1200" cap="none" spc="0" normalizeH="0" baseline="0" noProof="0" dirty="0" smtClean="0">
+                <a:ln>
+                  <a:noFill/>
+                </a:ln>
+                <a:solidFill>
+                  <a:schemeClr val="tx1"/>
+                </a:solidFill>
+                <a:effectLst/>
+                <a:uLnTx/>
+                <a:uFillTx/>
+                <a:latin typeface="+mj-lt"/>
+                <a:ea typeface="+mj-ea"/>
+                <a:cs typeface="+mj-cs"/>
+              </a:rPr>
+              <a:t>:</a:t>
+            </a:r>
+            <a:endParaRPr kumimoji="0" lang="uk-UA" sz="4400" b="0" i="0" u="none" strike="noStrike" kern="1200" cap="none" spc="0" normalizeH="0" baseline="0" noProof="0" dirty="0">
+              <a:ln>
+                <a:noFill/>
+              </a:ln>
+              <a:solidFill>
+                <a:schemeClr val="tx1"/>
+              </a:solidFill>
+              <a:effectLst/>
+              <a:uLnTx/>
+              <a:uFillTx/>
+              <a:latin typeface="+mj-lt"/>
+              <a:ea typeface="+mj-ea"/>
+              <a:cs typeface="+mj-cs"/>
+            </a:endParaRPr>
+          </a:p>
+        </p:txBody>
+      </p:sp>
+      <p:sp>
+        <p:nvSpPr>
+          <p:cNvPr id="5" name="Заголовок 1"/>
+          <p:cNvSpPr txBox="1">
+            <a:spLocks/>
+          </p:cNvSpPr>
+          <p:nvPr/>
+        </p:nvSpPr>
+        <p:spPr>
+          <a:xfrm>
+            <a:off x="611560" y="980728"/>
+            <a:ext cx="8229600" cy="576064"/>
+          </a:xfrm>
+          <a:prstGeom prst="rect">
+            <a:avLst/>
+          </a:prstGeom>
+        </p:spPr>
+        <p:txBody>
+          <a:bodyPr vert="horz" lIns="91440" tIns="45720" rIns="91440" bIns="45720" rtlCol="0" anchor="ctr">
+            <a:normAutofit fontScale="97500"/>
+          </a:bodyPr>
+          <a:lstStyle/>
+          <a:p>
+            <a:pPr algn="ctr">
+              <a:spcBef>
+                <a:spcPct val="0"/>
+              </a:spcBef>
+            </a:pPr>
+            <a:r>
+              <a:rPr lang="ru-RU" sz="2800" dirty="0" smtClean="0">
+                <a:latin typeface="+mj-lt"/>
+                <a:ea typeface="+mj-ea"/>
+                <a:cs typeface="+mj-cs"/>
+              </a:rPr>
+              <a:t>Консольная команда </a:t>
+            </a:r>
+            <a:r>
+              <a:rPr lang="en-US" sz="2800" b="1" dirty="0" err="1" smtClean="0">
+                <a:latin typeface="+mj-lt"/>
+                <a:ea typeface="+mj-ea"/>
+                <a:cs typeface="+mj-cs"/>
+              </a:rPr>
+              <a:t>ipconfig</a:t>
+            </a:r>
+            <a:r>
+              <a:rPr lang="en-US" sz="2800" b="1" dirty="0" smtClean="0">
+                <a:latin typeface="+mj-lt"/>
+                <a:ea typeface="+mj-ea"/>
+                <a:cs typeface="+mj-cs"/>
+              </a:rPr>
+              <a:t> </a:t>
+            </a:r>
+            <a:r>
+              <a:rPr lang="ru-RU" sz="2800" dirty="0" smtClean="0">
+                <a:latin typeface="+mj-lt"/>
+                <a:ea typeface="+mj-ea"/>
+                <a:cs typeface="+mj-cs"/>
+              </a:rPr>
+              <a:t>расскаже</a:t>
+            </a:r>
+            <a:r>
+              <a:rPr lang="ru-RU" sz="2800" dirty="0" smtClean="0">
+                <a:latin typeface="+mj-lt"/>
+                <a:ea typeface="+mj-ea"/>
+                <a:cs typeface="+mj-cs"/>
+              </a:rPr>
+              <a:t>т</a:t>
+            </a:r>
+            <a:r>
+              <a:rPr lang="ru-RU" sz="2800" dirty="0" smtClean="0">
+                <a:latin typeface="+mj-lt"/>
+                <a:ea typeface="+mj-ea"/>
+                <a:cs typeface="+mj-cs"/>
+              </a:rPr>
+              <a:t> </a:t>
+            </a:r>
+            <a:endParaRPr lang="uk-UA" sz="2800" b="1" dirty="0" smtClean="0"/>
+          </a:p>
+        </p:txBody>
+      </p:sp>
+      <p:sp>
+        <p:nvSpPr>
+          <p:cNvPr id="6" name="Прямоугольник 5"/>
+          <p:cNvSpPr/>
+          <p:nvPr/>
+        </p:nvSpPr>
+        <p:spPr>
+          <a:xfrm>
+            <a:off x="611560" y="1628800"/>
+            <a:ext cx="7920880" cy="369332"/>
+          </a:xfrm>
+          <a:prstGeom prst="rect">
+            <a:avLst/>
+          </a:prstGeom>
+        </p:spPr>
+        <p:txBody>
+          <a:bodyPr wrap="square">
+            <a:spAutoFit/>
+          </a:bodyPr>
+          <a:lstStyle/>
+          <a:p>
+            <a:r>
+              <a:rPr lang="en-US" dirty="0" smtClean="0"/>
+              <a:t>3. </a:t>
+            </a:r>
+            <a:r>
+              <a:rPr lang="ru-RU" dirty="0" smtClean="0"/>
+              <a:t>Результат будет иметь следующий вид:</a:t>
+            </a:r>
+            <a:endParaRPr lang="uk-UA" dirty="0"/>
+          </a:p>
+        </p:txBody>
+      </p:sp>
+      <p:pic>
+        <p:nvPicPr>
+          <p:cNvPr id="18435" name="Picture 3"/>
+          <p:cNvPicPr>
+            <a:picLocks noChangeAspect="1" noChangeArrowheads="1"/>
+          </p:cNvPicPr>
+          <p:nvPr/>
+        </p:nvPicPr>
+        <p:blipFill>
+          <a:blip r:embed="rId2" cstate="print"/>
+          <a:srcRect/>
+          <a:stretch>
+            <a:fillRect/>
+          </a:stretch>
+        </p:blipFill>
+        <p:spPr bwMode="auto">
+          <a:xfrm>
+            <a:off x="1507951" y="2250157"/>
+            <a:ext cx="6448425" cy="3267075"/>
+          </a:xfrm>
+          <a:prstGeom prst="rect">
+            <a:avLst/>
+          </a:prstGeom>
+          <a:noFill/>
+          <a:ln w="9525">
+            <a:noFill/>
+            <a:miter lim="800000"/>
+            <a:headEnd/>
+            <a:tailEnd/>
+          </a:ln>
+        </p:spPr>
+      </p:pic>
+    </p:spTree>
+  </p:cSld>
+  <p:clrMapOvr>
+    <a:masterClrMapping/>
+  </p:clrMapOvr>
+</p:sld>
+</file>
+
+<file path=ppt/slides/slide6.xml><?xml version="1.0" encoding="utf-8"?>
+<p:sld xmlns:a="http://schemas.openxmlformats.org/drawingml/2006/main" xmlns:r="http://schemas.openxmlformats.org/officeDocument/2006/relationships" xmlns:p="http://schemas.openxmlformats.org/presentationml/2006/main">
+  <p:cSld>
+    <p:spTree>
+      <p:nvGrpSpPr>
+        <p:cNvPr id="1" name=""/>
+        <p:cNvGrpSpPr/>
+        <p:nvPr/>
+      </p:nvGrpSpPr>
+      <p:grpSpPr>
+        <a:xfrm>
+          <a:off x="0" y="0"/>
+          <a:ext cx="0" cy="0"/>
+          <a:chOff x="0" y="0"/>
+          <a:chExt cx="0" cy="0"/>
+        </a:xfrm>
+      </p:grpSpPr>
+      <p:sp>
+        <p:nvSpPr>
+          <p:cNvPr id="2" name="Заголовок 1"/>
+          <p:cNvSpPr>
+            <a:spLocks noGrp="1"/>
+          </p:cNvSpPr>
+          <p:nvPr>
+            <p:ph type="title"/>
+          </p:nvPr>
+        </p:nvSpPr>
+        <p:spPr/>
+        <p:txBody>
+          <a:bodyPr/>
+          <a:lstStyle/>
+          <a:p>
+            <a:r>
+              <a:rPr lang="ru-RU" dirty="0" smtClean="0"/>
+              <a:t>Помнить </a:t>
+            </a:r>
+            <a:r>
+              <a:rPr lang="en-US" dirty="0" smtClean="0"/>
+              <a:t>IP </a:t>
+            </a:r>
+            <a:r>
+              <a:rPr lang="ru-RU" dirty="0" smtClean="0"/>
+              <a:t>адреса сложно</a:t>
+            </a:r>
+            <a:endParaRPr lang="uk-UA" dirty="0"/>
+          </a:p>
+        </p:txBody>
+      </p:sp>
+      <p:sp>
+        <p:nvSpPr>
+          <p:cNvPr id="4" name="Прямоугольник 3"/>
+          <p:cNvSpPr/>
+          <p:nvPr/>
+        </p:nvSpPr>
+        <p:spPr>
+          <a:xfrm>
+            <a:off x="827584" y="1988840"/>
+            <a:ext cx="7704856" cy="1200329"/>
+          </a:xfrm>
+          <a:prstGeom prst="rect">
+            <a:avLst/>
+          </a:prstGeom>
+        </p:spPr>
+        <p:txBody>
+          <a:bodyPr wrap="square">
+            <a:spAutoFit/>
+          </a:bodyPr>
+          <a:lstStyle/>
+          <a:p>
+            <a:r>
+              <a:rPr lang="ru-RU" b="1" dirty="0" smtClean="0"/>
+              <a:t>DNS</a:t>
+            </a:r>
+            <a:r>
+              <a:rPr lang="ru-RU" dirty="0" smtClean="0"/>
+              <a:t> (</a:t>
+            </a:r>
+            <a:r>
+              <a:rPr lang="ru-RU" dirty="0" smtClean="0">
+                <a:hlinkClick r:id="rId2" tooltip="Английский язык"/>
+              </a:rPr>
+              <a:t>англ.</a:t>
+            </a:r>
+            <a:r>
+              <a:rPr lang="ru-RU" dirty="0" smtClean="0"/>
+              <a:t> </a:t>
+            </a:r>
+            <a:r>
+              <a:rPr lang="ru-RU" i="1" dirty="0" err="1" smtClean="0"/>
+              <a:t>Domain</a:t>
+            </a:r>
+            <a:r>
+              <a:rPr lang="ru-RU" i="1" dirty="0" smtClean="0"/>
+              <a:t> </a:t>
+            </a:r>
+            <a:r>
+              <a:rPr lang="ru-RU" i="1" dirty="0" err="1" smtClean="0"/>
+              <a:t>Name</a:t>
+            </a:r>
+            <a:r>
+              <a:rPr lang="ru-RU" i="1" dirty="0" smtClean="0"/>
+              <a:t> </a:t>
+            </a:r>
+            <a:r>
+              <a:rPr lang="ru-RU" i="1" dirty="0" err="1" smtClean="0"/>
+              <a:t>System</a:t>
+            </a:r>
+            <a:r>
+              <a:rPr lang="ru-RU" dirty="0" smtClean="0"/>
+              <a:t> — система доменных имён) — </a:t>
+            </a:r>
+            <a:r>
+              <a:rPr lang="ru-RU" dirty="0" err="1" smtClean="0"/>
+              <a:t>компьютерная</a:t>
+            </a:r>
+            <a:r>
+              <a:rPr lang="ru-RU" dirty="0" err="1" smtClean="0">
+                <a:hlinkClick r:id="rId3" tooltip="Распределённые базы данных"/>
+              </a:rPr>
+              <a:t>распределённая</a:t>
+            </a:r>
+            <a:r>
+              <a:rPr lang="ru-RU" dirty="0" smtClean="0">
+                <a:hlinkClick r:id="rId3" tooltip="Распределённые базы данных"/>
+              </a:rPr>
+              <a:t> система</a:t>
+            </a:r>
+            <a:r>
+              <a:rPr lang="ru-RU" dirty="0" smtClean="0"/>
+              <a:t> для получения информации о </a:t>
+            </a:r>
+            <a:r>
+              <a:rPr lang="ru-RU" dirty="0" smtClean="0">
+                <a:hlinkClick r:id="rId4" tooltip="Доменное имя"/>
+              </a:rPr>
+              <a:t>доменах</a:t>
+            </a:r>
+            <a:r>
+              <a:rPr lang="ru-RU" dirty="0" smtClean="0"/>
+              <a:t>. Чаще всего используется для получения IP-адреса по имени </a:t>
+            </a:r>
+            <a:r>
+              <a:rPr lang="ru-RU" dirty="0" smtClean="0">
+                <a:hlinkClick r:id="rId5" tooltip="Хост"/>
+              </a:rPr>
+              <a:t>хоста</a:t>
+            </a:r>
+            <a:r>
+              <a:rPr lang="ru-RU" dirty="0" smtClean="0"/>
+              <a:t> (компьютера или устройства)</a:t>
+            </a:r>
+            <a:endParaRPr lang="uk-UA" dirty="0"/>
+          </a:p>
+        </p:txBody>
+      </p:sp>
+      <p:sp>
+        <p:nvSpPr>
+          <p:cNvPr id="5" name="Rectangle 2"/>
+          <p:cNvSpPr>
+            <a:spLocks noChangeArrowheads="1"/>
+          </p:cNvSpPr>
+          <p:nvPr/>
+        </p:nvSpPr>
+        <p:spPr bwMode="auto">
+          <a:xfrm>
+            <a:off x="899592" y="1053317"/>
+            <a:ext cx="7560840" cy="954107"/>
+          </a:xfrm>
+          <a:prstGeom prst="rect">
+            <a:avLst/>
+          </a:prstGeom>
+          <a:solidFill>
+            <a:srgbClr val="FFFFFF"/>
+          </a:solidFill>
+          <a:ln w="9525">
+            <a:noFill/>
+            <a:miter lim="800000"/>
+            <a:headEnd/>
+            <a:tailEnd/>
+          </a:ln>
+          <a:effectLst/>
+        </p:spPr>
+        <p:txBody>
+          <a:bodyPr vert="horz" wrap="square" lIns="91440" tIns="45720" rIns="91440" bIns="45720" numCol="1" anchor="ctr" anchorCtr="0" compatLnSpc="1">
+            <a:prstTxWarp prst="textNoShape">
+              <a:avLst/>
+            </a:prstTxWarp>
+            <a:spAutoFit/>
+          </a:bodyPr>
+          <a:lstStyle/>
+          <a:p>
+            <a:pPr marL="0" marR="0" lvl="0" indent="0" algn="just" defTabSz="914400" rtl="0" eaLnBrk="1" fontAlgn="base" latinLnBrk="0" hangingPunct="1">
+              <a:lnSpc>
+                <a:spcPct val="100000"/>
+              </a:lnSpc>
+              <a:spcBef>
+                <a:spcPct val="0"/>
+              </a:spcBef>
+              <a:spcAft>
+                <a:spcPct val="0"/>
+              </a:spcAft>
+              <a:buClrTx/>
+              <a:buSzTx/>
+              <a:buFontTx/>
+              <a:buNone/>
+              <a:tabLst/>
+            </a:pPr>
+            <a:r>
+              <a:rPr lang="ru-RU" sz="1400" dirty="0" smtClean="0">
+                <a:solidFill>
+                  <a:srgbClr val="252525"/>
+                </a:solidFill>
+                <a:latin typeface="Arial" pitchFamily="34" charset="0"/>
+                <a:cs typeface="Arial" pitchFamily="34" charset="0"/>
+              </a:rPr>
+              <a:t>При посещении сайтов мы используем более привычную текстовую запись адресов как то </a:t>
+            </a:r>
+            <a:r>
+              <a:rPr lang="en-US" sz="1400" b="1" dirty="0" smtClean="0">
+                <a:solidFill>
+                  <a:srgbClr val="252525"/>
+                </a:solidFill>
+                <a:latin typeface="Arial" pitchFamily="34" charset="0"/>
+                <a:cs typeface="Arial" pitchFamily="34" charset="0"/>
+              </a:rPr>
+              <a:t>itc.ua </a:t>
+            </a:r>
+            <a:r>
+              <a:rPr lang="en-US" sz="1400" dirty="0" smtClean="0">
+                <a:solidFill>
+                  <a:srgbClr val="252525"/>
+                </a:solidFill>
+                <a:latin typeface="Arial" pitchFamily="34" charset="0"/>
+                <a:cs typeface="Arial" pitchFamily="34" charset="0"/>
+              </a:rPr>
+              <a:t>(</a:t>
+            </a:r>
+            <a:r>
+              <a:rPr lang="en-US" sz="1400" b="1" dirty="0" smtClean="0">
+                <a:solidFill>
+                  <a:srgbClr val="252525"/>
+                </a:solidFill>
+                <a:latin typeface="Arial" pitchFamily="34" charset="0"/>
+                <a:cs typeface="Arial" pitchFamily="34" charset="0"/>
+              </a:rPr>
+              <a:t>gorod.dp.ua </a:t>
+            </a:r>
+            <a:r>
+              <a:rPr lang="ru-RU" sz="1400" dirty="0" smtClean="0">
+                <a:solidFill>
+                  <a:srgbClr val="252525"/>
+                </a:solidFill>
+                <a:latin typeface="Arial" pitchFamily="34" charset="0"/>
+                <a:cs typeface="Arial" pitchFamily="34" charset="0"/>
+              </a:rPr>
+              <a:t>и т.д.</a:t>
+            </a:r>
+            <a:r>
+              <a:rPr lang="en-US" sz="1400" dirty="0" smtClean="0">
+                <a:solidFill>
+                  <a:srgbClr val="252525"/>
+                </a:solidFill>
+                <a:latin typeface="Arial" pitchFamily="34" charset="0"/>
+                <a:cs typeface="Arial" pitchFamily="34" charset="0"/>
+              </a:rPr>
+              <a:t>)</a:t>
+            </a:r>
+            <a:r>
+              <a:rPr lang="ru-RU" sz="1400" dirty="0" smtClean="0">
+                <a:solidFill>
+                  <a:srgbClr val="252525"/>
+                </a:solidFill>
+                <a:latin typeface="Arial" pitchFamily="34" charset="0"/>
+                <a:cs typeface="Arial" pitchFamily="34" charset="0"/>
+              </a:rPr>
+              <a:t>, точно так же как адресная книга в телефоне хранит соответствие имён и номеров телефонов, в интернете есть </a:t>
+            </a:r>
+            <a:r>
+              <a:rPr lang="ru-RU" sz="1400" dirty="0" err="1" smtClean="0">
+                <a:solidFill>
+                  <a:srgbClr val="252525"/>
+                </a:solidFill>
+                <a:latin typeface="Arial" pitchFamily="34" charset="0"/>
+                <a:cs typeface="Arial" pitchFamily="34" charset="0"/>
+              </a:rPr>
+              <a:t>подоюная</a:t>
+            </a:r>
+            <a:r>
+              <a:rPr lang="ru-RU" sz="1400" dirty="0" smtClean="0">
+                <a:solidFill>
+                  <a:srgbClr val="252525"/>
+                </a:solidFill>
+                <a:latin typeface="Arial" pitchFamily="34" charset="0"/>
+                <a:cs typeface="Arial" pitchFamily="34" charset="0"/>
+              </a:rPr>
+              <a:t> глобальная «адресная книга».</a:t>
+            </a:r>
+            <a:endParaRPr kumimoji="0" lang="uk-UA" sz="1400" b="1" i="0" u="none" strike="noStrike" cap="none" normalizeH="0" baseline="0" dirty="0" smtClean="0">
+              <a:ln>
+                <a:noFill/>
+              </a:ln>
+              <a:solidFill>
+                <a:schemeClr val="tx1"/>
+              </a:solidFill>
+              <a:effectLst/>
+              <a:latin typeface="Arial" pitchFamily="34" charset="0"/>
+              <a:cs typeface="Arial" pitchFamily="34" charset="0"/>
+            </a:endParaRPr>
+          </a:p>
+        </p:txBody>
+      </p:sp>
+    </p:spTree>
+  </p:cSld>
+  <p:clrMapOvr>
+    <a:masterClrMapping/>
+  </p:clrMapOvr>
+</p:sld>
+</file>
+
+<file path=ppt/slides/slide7.xml><?xml version="1.0" encoding="utf-8"?>
 <p:sld xmlns:a="http://schemas.openxmlformats.org/drawingml/2006/main" xmlns:r="http://schemas.openxmlformats.org/officeDocument/2006/relationships" xmlns:p="http://schemas.openxmlformats.org/presentationml/2006/main">
   <p:cSld>
     <p:spTree>

--- a/0001 - plan - lecture 2 - anton.pptx
+++ b/0001 - plan - lecture 2 - anton.pptx
@@ -6,12 +6,7 @@
   </p:sldMasterIdLst>
   <p:sldIdLst>
     <p:sldId id="257" r:id="rId2"/>
-    <p:sldId id="264" r:id="rId3"/>
-    <p:sldId id="265" r:id="rId4"/>
-    <p:sldId id="266" r:id="rId5"/>
-    <p:sldId id="267" r:id="rId6"/>
-    <p:sldId id="268" r:id="rId7"/>
-    <p:sldId id="263" r:id="rId8"/>
+    <p:sldId id="263" r:id="rId3"/>
   </p:sldIdLst>
   <p:sldSz cx="9144000" cy="6858000" type="screen4x3"/>
   <p:notesSz cx="6858000" cy="9144000"/>
@@ -295,7 +290,7 @@
             <a:fld id="{D5A7C5D8-9F3C-4F23-80AA-CC2331A5C573}" type="datetimeFigureOut">
               <a:rPr lang="uk-UA" smtClean="0"/>
               <a:pPr/>
-              <a:t>21.11.2014</a:t>
+              <a:t>20.11.2014</a:t>
             </a:fld>
             <a:endParaRPr lang="uk-UA"/>
           </a:p>
@@ -462,7 +457,7 @@
             <a:fld id="{D5A7C5D8-9F3C-4F23-80AA-CC2331A5C573}" type="datetimeFigureOut">
               <a:rPr lang="uk-UA" smtClean="0"/>
               <a:pPr/>
-              <a:t>21.11.2014</a:t>
+              <a:t>20.11.2014</a:t>
             </a:fld>
             <a:endParaRPr lang="uk-UA"/>
           </a:p>
@@ -639,7 +634,7 @@
             <a:fld id="{D5A7C5D8-9F3C-4F23-80AA-CC2331A5C573}" type="datetimeFigureOut">
               <a:rPr lang="uk-UA" smtClean="0"/>
               <a:pPr/>
-              <a:t>21.11.2014</a:t>
+              <a:t>20.11.2014</a:t>
             </a:fld>
             <a:endParaRPr lang="uk-UA"/>
           </a:p>
@@ -806,7 +801,7 @@
             <a:fld id="{D5A7C5D8-9F3C-4F23-80AA-CC2331A5C573}" type="datetimeFigureOut">
               <a:rPr lang="uk-UA" smtClean="0"/>
               <a:pPr/>
-              <a:t>21.11.2014</a:t>
+              <a:t>20.11.2014</a:t>
             </a:fld>
             <a:endParaRPr lang="uk-UA"/>
           </a:p>
@@ -1049,7 +1044,7 @@
             <a:fld id="{D5A7C5D8-9F3C-4F23-80AA-CC2331A5C573}" type="datetimeFigureOut">
               <a:rPr lang="uk-UA" smtClean="0"/>
               <a:pPr/>
-              <a:t>21.11.2014</a:t>
+              <a:t>20.11.2014</a:t>
             </a:fld>
             <a:endParaRPr lang="uk-UA"/>
           </a:p>
@@ -1334,7 +1329,7 @@
             <a:fld id="{D5A7C5D8-9F3C-4F23-80AA-CC2331A5C573}" type="datetimeFigureOut">
               <a:rPr lang="uk-UA" smtClean="0"/>
               <a:pPr/>
-              <a:t>21.11.2014</a:t>
+              <a:t>20.11.2014</a:t>
             </a:fld>
             <a:endParaRPr lang="uk-UA"/>
           </a:p>
@@ -1753,7 +1748,7 @@
             <a:fld id="{D5A7C5D8-9F3C-4F23-80AA-CC2331A5C573}" type="datetimeFigureOut">
               <a:rPr lang="uk-UA" smtClean="0"/>
               <a:pPr/>
-              <a:t>21.11.2014</a:t>
+              <a:t>20.11.2014</a:t>
             </a:fld>
             <a:endParaRPr lang="uk-UA"/>
           </a:p>
@@ -1868,7 +1863,7 @@
             <a:fld id="{D5A7C5D8-9F3C-4F23-80AA-CC2331A5C573}" type="datetimeFigureOut">
               <a:rPr lang="uk-UA" smtClean="0"/>
               <a:pPr/>
-              <a:t>21.11.2014</a:t>
+              <a:t>20.11.2014</a:t>
             </a:fld>
             <a:endParaRPr lang="uk-UA"/>
           </a:p>
@@ -1960,7 +1955,7 @@
             <a:fld id="{D5A7C5D8-9F3C-4F23-80AA-CC2331A5C573}" type="datetimeFigureOut">
               <a:rPr lang="uk-UA" smtClean="0"/>
               <a:pPr/>
-              <a:t>21.11.2014</a:t>
+              <a:t>20.11.2014</a:t>
             </a:fld>
             <a:endParaRPr lang="uk-UA"/>
           </a:p>
@@ -2234,7 +2229,7 @@
             <a:fld id="{D5A7C5D8-9F3C-4F23-80AA-CC2331A5C573}" type="datetimeFigureOut">
               <a:rPr lang="uk-UA" smtClean="0"/>
               <a:pPr/>
-              <a:t>21.11.2014</a:t>
+              <a:t>20.11.2014</a:t>
             </a:fld>
             <a:endParaRPr lang="uk-UA"/>
           </a:p>
@@ -2484,7 +2479,7 @@
             <a:fld id="{D5A7C5D8-9F3C-4F23-80AA-CC2331A5C573}" type="datetimeFigureOut">
               <a:rPr lang="uk-UA" smtClean="0"/>
               <a:pPr/>
-              <a:t>21.11.2014</a:t>
+              <a:t>20.11.2014</a:t>
             </a:fld>
             <a:endParaRPr lang="uk-UA"/>
           </a:p>
@@ -2694,7 +2689,7 @@
             <a:fld id="{D5A7C5D8-9F3C-4F23-80AA-CC2331A5C573}" type="datetimeFigureOut">
               <a:rPr lang="uk-UA" smtClean="0"/>
               <a:pPr/>
-              <a:t>21.11.2014</a:t>
+              <a:t>20.11.2014</a:t>
             </a:fld>
             <a:endParaRPr lang="uk-UA"/>
           </a:p>
@@ -3295,3070 +3290,6 @@
 </file>
 
 <file path=ppt/slides/slide2.xml><?xml version="1.0" encoding="utf-8"?>
-<p:sld xmlns:a="http://schemas.openxmlformats.org/drawingml/2006/main" xmlns:r="http://schemas.openxmlformats.org/officeDocument/2006/relationships" xmlns:p="http://schemas.openxmlformats.org/presentationml/2006/main">
-  <p:cSld>
-    <p:bg>
-      <p:bgPr>
-        <a:noFill/>
-        <a:effectLst/>
-      </p:bgPr>
-    </p:bg>
-    <p:spTree>
-      <p:nvGrpSpPr>
-        <p:cNvPr id="1" name=""/>
-        <p:cNvGrpSpPr/>
-        <p:nvPr/>
-      </p:nvGrpSpPr>
-      <p:grpSpPr>
-        <a:xfrm>
-          <a:off x="0" y="0"/>
-          <a:ext cx="0" cy="0"/>
-          <a:chOff x="0" y="0"/>
-          <a:chExt cx="0" cy="0"/>
-        </a:xfrm>
-      </p:grpSpPr>
-      <p:sp>
-        <p:nvSpPr>
-          <p:cNvPr id="2" name="Заголовок 1"/>
-          <p:cNvSpPr>
-            <a:spLocks noGrp="1"/>
-          </p:cNvSpPr>
-          <p:nvPr>
-            <p:ph type="title"/>
-          </p:nvPr>
-        </p:nvSpPr>
-        <p:spPr>
-          <a:xfrm>
-            <a:off x="457200" y="274638"/>
-            <a:ext cx="8229600" cy="706090"/>
-          </a:xfrm>
-        </p:spPr>
-        <p:txBody>
-          <a:bodyPr>
-            <a:normAutofit fontScale="90000"/>
-          </a:bodyPr>
-          <a:lstStyle/>
-          <a:p>
-            <a:r>
-              <a:rPr lang="ru-RU" dirty="0" smtClean="0"/>
-              <a:t>Интернет это:</a:t>
-            </a:r>
-            <a:endParaRPr lang="uk-UA" dirty="0"/>
-          </a:p>
-        </p:txBody>
-      </p:sp>
-      <p:sp>
-        <p:nvSpPr>
-          <p:cNvPr id="1026" name="Rectangle 2"/>
-          <p:cNvSpPr>
-            <a:spLocks noChangeArrowheads="1"/>
-          </p:cNvSpPr>
-          <p:nvPr/>
-        </p:nvSpPr>
-        <p:spPr bwMode="auto">
-          <a:xfrm>
-            <a:off x="755576" y="1124744"/>
-            <a:ext cx="7560840" cy="1169551"/>
-          </a:xfrm>
-          <a:prstGeom prst="rect">
-            <a:avLst/>
-          </a:prstGeom>
-          <a:solidFill>
-            <a:srgbClr val="FFFFFF"/>
-          </a:solidFill>
-          <a:ln w="9525">
-            <a:noFill/>
-            <a:miter lim="800000"/>
-            <a:headEnd/>
-            <a:tailEnd/>
-          </a:ln>
-          <a:effectLst/>
-        </p:spPr>
-        <p:txBody>
-          <a:bodyPr vert="horz" wrap="square" lIns="91440" tIns="45720" rIns="91440" bIns="45720" numCol="1" anchor="ctr" anchorCtr="0" compatLnSpc="1">
-            <a:prstTxWarp prst="textNoShape">
-              <a:avLst/>
-            </a:prstTxWarp>
-            <a:spAutoFit/>
-          </a:bodyPr>
-          <a:lstStyle/>
-          <a:p>
-            <a:pPr marL="0" marR="0" lvl="0" indent="0" algn="just" defTabSz="914400" rtl="0" eaLnBrk="1" fontAlgn="base" latinLnBrk="0" hangingPunct="1">
-              <a:lnSpc>
-                <a:spcPct val="100000"/>
-              </a:lnSpc>
-              <a:spcBef>
-                <a:spcPct val="0"/>
-              </a:spcBef>
-              <a:spcAft>
-                <a:spcPct val="0"/>
-              </a:spcAft>
-              <a:buClrTx/>
-              <a:buSzTx/>
-              <a:buFontTx/>
-              <a:buNone/>
-              <a:tabLst/>
-            </a:pPr>
-            <a:r>
-              <a:rPr kumimoji="0" lang="uk-UA" sz="1400" b="1" i="0" u="none" strike="noStrike" cap="none" normalizeH="0" baseline="0" dirty="0" err="1" smtClean="0">
-                <a:ln>
-                  <a:noFill/>
-                </a:ln>
-                <a:solidFill>
-                  <a:srgbClr val="252525"/>
-                </a:solidFill>
-                <a:effectLst/>
-                <a:latin typeface="Arial" pitchFamily="34" charset="0"/>
-                <a:cs typeface="Arial" pitchFamily="34" charset="0"/>
-              </a:rPr>
-              <a:t>Интерне́т</a:t>
-            </a:r>
-            <a:r>
-              <a:rPr kumimoji="0" lang="uk-UA" sz="1400" b="0" i="0" u="none" strike="noStrike" cap="none" normalizeH="0" baseline="0" dirty="0" smtClean="0">
-                <a:ln>
-                  <a:noFill/>
-                </a:ln>
-                <a:solidFill>
-                  <a:srgbClr val="252525"/>
-                </a:solidFill>
-                <a:effectLst/>
-                <a:latin typeface="Arial" pitchFamily="34" charset="0"/>
-                <a:cs typeface="Arial" pitchFamily="34" charset="0"/>
-              </a:rPr>
-              <a:t>  — </a:t>
-            </a:r>
-            <a:r>
-              <a:rPr kumimoji="0" lang="uk-UA" sz="1400" b="0" i="0" u="none" strike="noStrike" cap="none" normalizeH="0" baseline="0" dirty="0" err="1" smtClean="0">
-                <a:ln>
-                  <a:noFill/>
-                </a:ln>
-                <a:solidFill>
-                  <a:srgbClr val="252525"/>
-                </a:solidFill>
-                <a:effectLst/>
-                <a:latin typeface="Arial" pitchFamily="34" charset="0"/>
-                <a:cs typeface="Arial" pitchFamily="34" charset="0"/>
-              </a:rPr>
-              <a:t>всемирная</a:t>
-            </a:r>
-            <a:r>
-              <a:rPr kumimoji="0" lang="uk-UA" sz="1400" b="0" i="0" u="none" strike="noStrike" cap="none" normalizeH="0" baseline="0" dirty="0" smtClean="0">
-                <a:ln>
-                  <a:noFill/>
-                </a:ln>
-                <a:solidFill>
-                  <a:srgbClr val="252525"/>
-                </a:solidFill>
-                <a:effectLst/>
-                <a:latin typeface="Arial" pitchFamily="34" charset="0"/>
-                <a:cs typeface="Arial" pitchFamily="34" charset="0"/>
-              </a:rPr>
-              <a:t> система </a:t>
-            </a:r>
-            <a:r>
-              <a:rPr kumimoji="0" lang="uk-UA" sz="1400" b="0" i="0" u="none" strike="noStrike" cap="none" normalizeH="0" baseline="0" dirty="0" err="1" smtClean="0">
-                <a:ln>
-                  <a:noFill/>
-                </a:ln>
-                <a:solidFill>
-                  <a:srgbClr val="252525"/>
-                </a:solidFill>
-                <a:effectLst/>
-                <a:latin typeface="Arial" pitchFamily="34" charset="0"/>
-                <a:cs typeface="Arial" pitchFamily="34" charset="0"/>
-              </a:rPr>
-              <a:t>объединённых</a:t>
-            </a:r>
-            <a:r>
-              <a:rPr kumimoji="0" lang="uk-UA" sz="1400" b="0" i="0" u="none" strike="noStrike" cap="none" normalizeH="0" baseline="0" dirty="0" smtClean="0">
-                <a:ln>
-                  <a:noFill/>
-                </a:ln>
-                <a:solidFill>
-                  <a:srgbClr val="252525"/>
-                </a:solidFill>
-                <a:effectLst/>
-                <a:latin typeface="Arial" pitchFamily="34" charset="0"/>
-                <a:cs typeface="Arial" pitchFamily="34" charset="0"/>
-              </a:rPr>
-              <a:t> </a:t>
-            </a:r>
-            <a:r>
-              <a:rPr kumimoji="0" lang="uk-UA" sz="1400" b="0" i="0" u="none" strike="noStrike" cap="none" normalizeH="0" baseline="0" dirty="0" err="1" smtClean="0">
-                <a:ln>
-                  <a:noFill/>
-                </a:ln>
-                <a:solidFill>
-                  <a:srgbClr val="0B0080"/>
-                </a:solidFill>
-                <a:effectLst/>
-                <a:latin typeface="Arial" pitchFamily="34" charset="0"/>
-                <a:cs typeface="Arial" pitchFamily="34" charset="0"/>
-                <a:hlinkClick r:id="rId2" tooltip="Компьютерная сеть"/>
-              </a:rPr>
-              <a:t>компьютерных</a:t>
-            </a:r>
-            <a:r>
-              <a:rPr kumimoji="0" lang="uk-UA" sz="1400" b="0" i="0" u="none" strike="noStrike" cap="none" normalizeH="0" baseline="0" dirty="0" smtClean="0">
-                <a:ln>
-                  <a:noFill/>
-                </a:ln>
-                <a:solidFill>
-                  <a:srgbClr val="0B0080"/>
-                </a:solidFill>
-                <a:effectLst/>
-                <a:latin typeface="Arial" pitchFamily="34" charset="0"/>
-                <a:cs typeface="Arial" pitchFamily="34" charset="0"/>
-                <a:hlinkClick r:id="rId2" tooltip="Компьютерная сеть"/>
-              </a:rPr>
-              <a:t> </a:t>
-            </a:r>
-            <a:r>
-              <a:rPr kumimoji="0" lang="uk-UA" sz="1400" b="0" i="0" u="none" strike="noStrike" cap="none" normalizeH="0" baseline="0" dirty="0" err="1" smtClean="0">
-                <a:ln>
-                  <a:noFill/>
-                </a:ln>
-                <a:solidFill>
-                  <a:srgbClr val="0B0080"/>
-                </a:solidFill>
-                <a:effectLst/>
-                <a:latin typeface="Arial" pitchFamily="34" charset="0"/>
-                <a:cs typeface="Arial" pitchFamily="34" charset="0"/>
-                <a:hlinkClick r:id="rId2" tooltip="Компьютерная сеть"/>
-              </a:rPr>
-              <a:t>сетей</a:t>
-            </a:r>
-            <a:r>
-              <a:rPr kumimoji="0" lang="uk-UA" sz="1400" b="0" i="0" u="none" strike="noStrike" cap="none" normalizeH="0" baseline="0" dirty="0" smtClean="0">
-                <a:ln>
-                  <a:noFill/>
-                </a:ln>
-                <a:solidFill>
-                  <a:srgbClr val="252525"/>
-                </a:solidFill>
-                <a:effectLst/>
-                <a:latin typeface="Arial" pitchFamily="34" charset="0"/>
-                <a:cs typeface="Arial" pitchFamily="34" charset="0"/>
-              </a:rPr>
-              <a:t> для </a:t>
-            </a:r>
-            <a:r>
-              <a:rPr kumimoji="0" lang="uk-UA" sz="1400" b="0" i="0" u="none" strike="noStrike" cap="none" normalizeH="0" baseline="0" dirty="0" err="1" smtClean="0">
-                <a:ln>
-                  <a:noFill/>
-                </a:ln>
-                <a:solidFill>
-                  <a:srgbClr val="252525"/>
-                </a:solidFill>
-                <a:effectLst/>
-                <a:latin typeface="Arial" pitchFamily="34" charset="0"/>
-                <a:cs typeface="Arial" pitchFamily="34" charset="0"/>
-              </a:rPr>
-              <a:t>хранения</a:t>
-            </a:r>
-            <a:r>
-              <a:rPr kumimoji="0" lang="uk-UA" sz="1400" b="0" i="0" u="none" strike="noStrike" cap="none" normalizeH="0" baseline="0" dirty="0" smtClean="0">
-                <a:ln>
-                  <a:noFill/>
-                </a:ln>
-                <a:solidFill>
-                  <a:srgbClr val="252525"/>
-                </a:solidFill>
-                <a:effectLst/>
-                <a:latin typeface="Arial" pitchFamily="34" charset="0"/>
-                <a:cs typeface="Arial" pitchFamily="34" charset="0"/>
-              </a:rPr>
-              <a:t> и </a:t>
-            </a:r>
-            <a:r>
-              <a:rPr kumimoji="0" lang="uk-UA" sz="1400" b="0" i="0" u="none" strike="noStrike" cap="none" normalizeH="0" baseline="0" dirty="0" err="1" smtClean="0">
-                <a:ln>
-                  <a:noFill/>
-                </a:ln>
-                <a:solidFill>
-                  <a:srgbClr val="252525"/>
-                </a:solidFill>
-                <a:effectLst/>
-                <a:latin typeface="Arial" pitchFamily="34" charset="0"/>
-                <a:cs typeface="Arial" pitchFamily="34" charset="0"/>
-              </a:rPr>
-              <a:t>передачи</a:t>
-            </a:r>
-            <a:r>
-              <a:rPr kumimoji="0" lang="uk-UA" sz="1400" b="0" i="0" u="none" strike="noStrike" cap="none" normalizeH="0" baseline="0" dirty="0" smtClean="0">
-                <a:ln>
-                  <a:noFill/>
-                </a:ln>
-                <a:solidFill>
-                  <a:srgbClr val="252525"/>
-                </a:solidFill>
-                <a:effectLst/>
-                <a:latin typeface="Arial" pitchFamily="34" charset="0"/>
-                <a:cs typeface="Arial" pitchFamily="34" charset="0"/>
-              </a:rPr>
-              <a:t> </a:t>
-            </a:r>
-            <a:r>
-              <a:rPr kumimoji="0" lang="uk-UA" sz="1400" b="0" i="0" u="none" strike="noStrike" cap="none" normalizeH="0" baseline="0" dirty="0" err="1" smtClean="0">
-                <a:ln>
-                  <a:noFill/>
-                </a:ln>
-                <a:solidFill>
-                  <a:srgbClr val="252525"/>
-                </a:solidFill>
-                <a:effectLst/>
-                <a:latin typeface="Arial" pitchFamily="34" charset="0"/>
-                <a:cs typeface="Arial" pitchFamily="34" charset="0"/>
-              </a:rPr>
-              <a:t>информации</a:t>
-            </a:r>
-            <a:r>
-              <a:rPr kumimoji="0" lang="uk-UA" sz="1400" b="0" i="0" u="none" strike="noStrike" cap="none" normalizeH="0" baseline="0" dirty="0" smtClean="0">
-                <a:ln>
-                  <a:noFill/>
-                </a:ln>
-                <a:solidFill>
-                  <a:srgbClr val="252525"/>
-                </a:solidFill>
-                <a:effectLst/>
-                <a:latin typeface="Arial" pitchFamily="34" charset="0"/>
-                <a:cs typeface="Arial" pitchFamily="34" charset="0"/>
-              </a:rPr>
-              <a:t>. Часто </a:t>
-            </a:r>
-            <a:r>
-              <a:rPr kumimoji="0" lang="uk-UA" sz="1400" b="0" i="0" u="none" strike="noStrike" cap="none" normalizeH="0" baseline="0" dirty="0" err="1" smtClean="0">
-                <a:ln>
-                  <a:noFill/>
-                </a:ln>
-                <a:solidFill>
-                  <a:srgbClr val="252525"/>
-                </a:solidFill>
-                <a:effectLst/>
-                <a:latin typeface="Arial" pitchFamily="34" charset="0"/>
-                <a:cs typeface="Arial" pitchFamily="34" charset="0"/>
-              </a:rPr>
-              <a:t>упоминается</a:t>
-            </a:r>
-            <a:r>
-              <a:rPr kumimoji="0" lang="uk-UA" sz="1400" b="0" i="0" u="none" strike="noStrike" cap="none" normalizeH="0" baseline="0" dirty="0" smtClean="0">
-                <a:ln>
-                  <a:noFill/>
-                </a:ln>
-                <a:solidFill>
-                  <a:srgbClr val="252525"/>
-                </a:solidFill>
-                <a:effectLst/>
-                <a:latin typeface="Arial" pitchFamily="34" charset="0"/>
-                <a:cs typeface="Arial" pitchFamily="34" charset="0"/>
-              </a:rPr>
-              <a:t> </a:t>
-            </a:r>
-            <a:r>
-              <a:rPr kumimoji="0" lang="uk-UA" sz="1400" b="0" i="0" u="none" strike="noStrike" cap="none" normalizeH="0" baseline="0" dirty="0" err="1" smtClean="0">
-                <a:ln>
-                  <a:noFill/>
-                </a:ln>
-                <a:solidFill>
-                  <a:srgbClr val="252525"/>
-                </a:solidFill>
-                <a:effectLst/>
-                <a:latin typeface="Arial" pitchFamily="34" charset="0"/>
-                <a:cs typeface="Arial" pitchFamily="34" charset="0"/>
-              </a:rPr>
-              <a:t>как</a:t>
-            </a:r>
-            <a:r>
-              <a:rPr kumimoji="0" lang="uk-UA" sz="1400" b="0" i="0" u="none" strike="noStrike" cap="none" normalizeH="0" baseline="0" dirty="0" smtClean="0">
-                <a:ln>
-                  <a:noFill/>
-                </a:ln>
-                <a:solidFill>
-                  <a:srgbClr val="252525"/>
-                </a:solidFill>
-                <a:effectLst/>
-                <a:latin typeface="Arial" pitchFamily="34" charset="0"/>
-                <a:cs typeface="Arial" pitchFamily="34" charset="0"/>
-              </a:rPr>
-              <a:t> </a:t>
-            </a:r>
-            <a:r>
-              <a:rPr kumimoji="0" lang="uk-UA" sz="1400" b="1" i="0" u="none" strike="noStrike" cap="none" normalizeH="0" baseline="0" dirty="0" err="1" smtClean="0">
-                <a:ln>
-                  <a:noFill/>
-                </a:ln>
-                <a:solidFill>
-                  <a:srgbClr val="252525"/>
-                </a:solidFill>
-                <a:effectLst/>
-                <a:latin typeface="Arial" pitchFamily="34" charset="0"/>
-                <a:cs typeface="Arial" pitchFamily="34" charset="0"/>
-              </a:rPr>
-              <a:t>Всемирная</a:t>
-            </a:r>
-            <a:r>
-              <a:rPr kumimoji="0" lang="uk-UA" sz="1400" b="1" i="0" u="none" strike="noStrike" cap="none" normalizeH="0" baseline="0" dirty="0" smtClean="0">
-                <a:ln>
-                  <a:noFill/>
-                </a:ln>
-                <a:solidFill>
-                  <a:srgbClr val="252525"/>
-                </a:solidFill>
-                <a:effectLst/>
-                <a:latin typeface="Arial" pitchFamily="34" charset="0"/>
-                <a:cs typeface="Arial" pitchFamily="34" charset="0"/>
-              </a:rPr>
-              <a:t> </a:t>
-            </a:r>
-            <a:r>
-              <a:rPr kumimoji="0" lang="uk-UA" sz="1400" b="1" i="0" u="none" strike="noStrike" cap="none" normalizeH="0" baseline="0" dirty="0" err="1" smtClean="0">
-                <a:ln>
-                  <a:noFill/>
-                </a:ln>
-                <a:solidFill>
-                  <a:srgbClr val="252525"/>
-                </a:solidFill>
-                <a:effectLst/>
-                <a:latin typeface="Arial" pitchFamily="34" charset="0"/>
-                <a:cs typeface="Arial" pitchFamily="34" charset="0"/>
-              </a:rPr>
-              <a:t>сеть</a:t>
-            </a:r>
-            <a:r>
-              <a:rPr kumimoji="0" lang="uk-UA" sz="1400" b="0" i="0" u="none" strike="noStrike" cap="none" normalizeH="0" baseline="0" dirty="0" smtClean="0">
-                <a:ln>
-                  <a:noFill/>
-                </a:ln>
-                <a:solidFill>
-                  <a:srgbClr val="252525"/>
-                </a:solidFill>
-                <a:effectLst/>
-                <a:latin typeface="Arial" pitchFamily="34" charset="0"/>
-                <a:cs typeface="Arial" pitchFamily="34" charset="0"/>
-              </a:rPr>
-              <a:t> и </a:t>
-            </a:r>
-            <a:r>
-              <a:rPr kumimoji="0" lang="uk-UA" sz="1400" b="1" i="0" u="none" strike="noStrike" cap="none" normalizeH="0" baseline="0" dirty="0" err="1" smtClean="0">
-                <a:ln>
-                  <a:noFill/>
-                </a:ln>
-                <a:solidFill>
-                  <a:srgbClr val="252525"/>
-                </a:solidFill>
-                <a:effectLst/>
-                <a:latin typeface="Arial" pitchFamily="34" charset="0"/>
-                <a:cs typeface="Arial" pitchFamily="34" charset="0"/>
-              </a:rPr>
-              <a:t>Глобальная</a:t>
-            </a:r>
-            <a:r>
-              <a:rPr kumimoji="0" lang="uk-UA" sz="1400" b="1" i="0" u="none" strike="noStrike" cap="none" normalizeH="0" baseline="0" dirty="0" smtClean="0">
-                <a:ln>
-                  <a:noFill/>
-                </a:ln>
-                <a:solidFill>
-                  <a:srgbClr val="252525"/>
-                </a:solidFill>
-                <a:effectLst/>
-                <a:latin typeface="Arial" pitchFamily="34" charset="0"/>
-                <a:cs typeface="Arial" pitchFamily="34" charset="0"/>
-              </a:rPr>
-              <a:t> </a:t>
-            </a:r>
-            <a:r>
-              <a:rPr kumimoji="0" lang="uk-UA" sz="1400" b="1" i="0" u="none" strike="noStrike" cap="none" normalizeH="0" baseline="0" dirty="0" err="1" smtClean="0">
-                <a:ln>
-                  <a:noFill/>
-                </a:ln>
-                <a:solidFill>
-                  <a:srgbClr val="252525"/>
-                </a:solidFill>
-                <a:effectLst/>
-                <a:latin typeface="Arial" pitchFamily="34" charset="0"/>
-                <a:cs typeface="Arial" pitchFamily="34" charset="0"/>
-              </a:rPr>
-              <a:t>сеть</a:t>
-            </a:r>
-            <a:r>
-              <a:rPr kumimoji="0" lang="uk-UA" sz="1400" b="0" i="0" u="none" strike="noStrike" cap="none" normalizeH="0" baseline="0" dirty="0" smtClean="0">
-                <a:ln>
-                  <a:noFill/>
-                </a:ln>
-                <a:solidFill>
-                  <a:srgbClr val="252525"/>
-                </a:solidFill>
-                <a:effectLst/>
-                <a:latin typeface="Arial" pitchFamily="34" charset="0"/>
-                <a:cs typeface="Arial" pitchFamily="34" charset="0"/>
-              </a:rPr>
-              <a:t>, а </a:t>
-            </a:r>
-            <a:r>
-              <a:rPr kumimoji="0" lang="uk-UA" sz="1400" b="0" i="0" u="none" strike="noStrike" cap="none" normalizeH="0" baseline="0" dirty="0" err="1" smtClean="0">
-                <a:ln>
-                  <a:noFill/>
-                </a:ln>
-                <a:solidFill>
-                  <a:srgbClr val="252525"/>
-                </a:solidFill>
-                <a:effectLst/>
-                <a:latin typeface="Arial" pitchFamily="34" charset="0"/>
-                <a:cs typeface="Arial" pitchFamily="34" charset="0"/>
-              </a:rPr>
-              <a:t>также</a:t>
-            </a:r>
-            <a:r>
-              <a:rPr kumimoji="0" lang="uk-UA" sz="1400" b="0" i="0" u="none" strike="noStrike" cap="none" normalizeH="0" baseline="0" dirty="0" smtClean="0">
-                <a:ln>
-                  <a:noFill/>
-                </a:ln>
-                <a:solidFill>
-                  <a:srgbClr val="252525"/>
-                </a:solidFill>
-                <a:effectLst/>
-                <a:latin typeface="Arial" pitchFamily="34" charset="0"/>
-                <a:cs typeface="Arial" pitchFamily="34" charset="0"/>
-              </a:rPr>
-              <a:t> просто </a:t>
-            </a:r>
-            <a:r>
-              <a:rPr kumimoji="0" lang="uk-UA" sz="1400" b="1" i="0" u="none" strike="noStrike" cap="none" normalizeH="0" baseline="0" dirty="0" err="1" smtClean="0">
-                <a:ln>
-                  <a:noFill/>
-                </a:ln>
-                <a:solidFill>
-                  <a:srgbClr val="252525"/>
-                </a:solidFill>
-                <a:effectLst/>
-                <a:latin typeface="Arial" pitchFamily="34" charset="0"/>
-                <a:cs typeface="Arial" pitchFamily="34" charset="0"/>
-              </a:rPr>
-              <a:t>Сеть</a:t>
-            </a:r>
-            <a:r>
-              <a:rPr kumimoji="0" lang="uk-UA" sz="1400" b="0" i="0" u="none" strike="noStrike" cap="none" normalizeH="0" baseline="0" dirty="0" smtClean="0">
-                <a:ln>
-                  <a:noFill/>
-                </a:ln>
-                <a:solidFill>
-                  <a:srgbClr val="252525"/>
-                </a:solidFill>
-                <a:effectLst/>
-                <a:latin typeface="Arial" pitchFamily="34" charset="0"/>
-                <a:cs typeface="Arial" pitchFamily="34" charset="0"/>
-              </a:rPr>
-              <a:t>. </a:t>
-            </a:r>
-            <a:r>
-              <a:rPr kumimoji="0" lang="uk-UA" sz="1400" b="0" i="0" u="none" strike="noStrike" cap="none" normalizeH="0" baseline="0" dirty="0" err="1" smtClean="0">
-                <a:ln>
-                  <a:noFill/>
-                </a:ln>
-                <a:solidFill>
-                  <a:srgbClr val="252525"/>
-                </a:solidFill>
-                <a:effectLst/>
-                <a:latin typeface="Arial" pitchFamily="34" charset="0"/>
-                <a:cs typeface="Arial" pitchFamily="34" charset="0"/>
-              </a:rPr>
-              <a:t>Построена</a:t>
-            </a:r>
-            <a:r>
-              <a:rPr kumimoji="0" lang="uk-UA" sz="1400" b="0" i="0" u="none" strike="noStrike" cap="none" normalizeH="0" baseline="0" dirty="0" smtClean="0">
-                <a:ln>
-                  <a:noFill/>
-                </a:ln>
-                <a:solidFill>
-                  <a:srgbClr val="252525"/>
-                </a:solidFill>
-                <a:effectLst/>
-                <a:latin typeface="Arial" pitchFamily="34" charset="0"/>
-                <a:cs typeface="Arial" pitchFamily="34" charset="0"/>
-              </a:rPr>
-              <a:t> на </a:t>
-            </a:r>
-            <a:r>
-              <a:rPr kumimoji="0" lang="uk-UA" sz="1400" b="0" i="0" u="none" strike="noStrike" cap="none" normalizeH="0" baseline="0" dirty="0" err="1" smtClean="0">
-                <a:ln>
-                  <a:noFill/>
-                </a:ln>
-                <a:solidFill>
-                  <a:srgbClr val="252525"/>
-                </a:solidFill>
-                <a:effectLst/>
-                <a:latin typeface="Arial" pitchFamily="34" charset="0"/>
-                <a:cs typeface="Arial" pitchFamily="34" charset="0"/>
-              </a:rPr>
-              <a:t>базе</a:t>
-            </a:r>
-            <a:r>
-              <a:rPr kumimoji="0" lang="uk-UA" sz="1400" b="0" i="0" u="none" strike="noStrike" cap="none" normalizeH="0" baseline="0" dirty="0" smtClean="0">
-                <a:ln>
-                  <a:noFill/>
-                </a:ln>
-                <a:solidFill>
-                  <a:srgbClr val="252525"/>
-                </a:solidFill>
-                <a:effectLst/>
-                <a:latin typeface="Arial" pitchFamily="34" charset="0"/>
-                <a:cs typeface="Arial" pitchFamily="34" charset="0"/>
-              </a:rPr>
-              <a:t> </a:t>
-            </a:r>
-            <a:r>
-              <a:rPr kumimoji="0" lang="uk-UA" sz="1400" b="0" i="0" u="none" strike="noStrike" cap="none" normalizeH="0" baseline="0" dirty="0" smtClean="0">
-                <a:ln>
-                  <a:noFill/>
-                </a:ln>
-                <a:solidFill>
-                  <a:srgbClr val="0B0080"/>
-                </a:solidFill>
-                <a:effectLst/>
-                <a:latin typeface="Arial" pitchFamily="34" charset="0"/>
-                <a:cs typeface="Arial" pitchFamily="34" charset="0"/>
-                <a:hlinkClick r:id="rId3" tooltip="Стек протоколов TCP/IP"/>
-              </a:rPr>
-              <a:t>стека </a:t>
-            </a:r>
-            <a:r>
-              <a:rPr kumimoji="0" lang="uk-UA" sz="1400" b="0" i="0" u="none" strike="noStrike" cap="none" normalizeH="0" baseline="0" dirty="0" err="1" smtClean="0">
-                <a:ln>
-                  <a:noFill/>
-                </a:ln>
-                <a:solidFill>
-                  <a:srgbClr val="0B0080"/>
-                </a:solidFill>
-                <a:effectLst/>
-                <a:latin typeface="Arial" pitchFamily="34" charset="0"/>
-                <a:cs typeface="Arial" pitchFamily="34" charset="0"/>
-                <a:hlinkClick r:id="rId3" tooltip="Стек протоколов TCP/IP"/>
-              </a:rPr>
-              <a:t>протоколов</a:t>
-            </a:r>
-            <a:r>
-              <a:rPr kumimoji="0" lang="uk-UA" sz="1400" b="0" i="0" u="none" strike="noStrike" cap="none" normalizeH="0" baseline="0" dirty="0" smtClean="0">
-                <a:ln>
-                  <a:noFill/>
-                </a:ln>
-                <a:solidFill>
-                  <a:srgbClr val="0B0080"/>
-                </a:solidFill>
-                <a:effectLst/>
-                <a:latin typeface="Arial" pitchFamily="34" charset="0"/>
-                <a:cs typeface="Arial" pitchFamily="34" charset="0"/>
-                <a:hlinkClick r:id="rId3" tooltip="Стек протоколов TCP/IP"/>
-              </a:rPr>
-              <a:t> TCP/IP</a:t>
-            </a:r>
-            <a:r>
-              <a:rPr kumimoji="0" lang="uk-UA" sz="1400" b="0" i="0" u="none" strike="noStrike" cap="none" normalizeH="0" baseline="0" dirty="0" smtClean="0">
-                <a:ln>
-                  <a:noFill/>
-                </a:ln>
-                <a:solidFill>
-                  <a:srgbClr val="252525"/>
-                </a:solidFill>
-                <a:effectLst/>
-                <a:latin typeface="Arial" pitchFamily="34" charset="0"/>
-                <a:cs typeface="Arial" pitchFamily="34" charset="0"/>
-              </a:rPr>
-              <a:t>. На </a:t>
-            </a:r>
-            <a:r>
-              <a:rPr kumimoji="0" lang="uk-UA" sz="1400" b="0" i="0" u="none" strike="noStrike" cap="none" normalizeH="0" baseline="0" dirty="0" err="1" smtClean="0">
-                <a:ln>
-                  <a:noFill/>
-                </a:ln>
-                <a:solidFill>
-                  <a:srgbClr val="252525"/>
-                </a:solidFill>
-                <a:effectLst/>
-                <a:latin typeface="Arial" pitchFamily="34" charset="0"/>
-                <a:cs typeface="Arial" pitchFamily="34" charset="0"/>
-              </a:rPr>
-              <a:t>основе</a:t>
-            </a:r>
-            <a:r>
-              <a:rPr kumimoji="0" lang="uk-UA" sz="1400" b="0" i="0" u="none" strike="noStrike" cap="none" normalizeH="0" baseline="0" dirty="0" smtClean="0">
-                <a:ln>
-                  <a:noFill/>
-                </a:ln>
-                <a:solidFill>
-                  <a:srgbClr val="252525"/>
-                </a:solidFill>
-                <a:effectLst/>
-                <a:latin typeface="Arial" pitchFamily="34" charset="0"/>
-                <a:cs typeface="Arial" pitchFamily="34" charset="0"/>
-              </a:rPr>
-              <a:t> </a:t>
-            </a:r>
-            <a:r>
-              <a:rPr kumimoji="0" lang="uk-UA" sz="1400" b="0" i="0" u="none" strike="noStrike" cap="none" normalizeH="0" baseline="0" dirty="0" err="1" smtClean="0">
-                <a:ln>
-                  <a:noFill/>
-                </a:ln>
-                <a:solidFill>
-                  <a:srgbClr val="252525"/>
-                </a:solidFill>
-                <a:effectLst/>
-                <a:latin typeface="Arial" pitchFamily="34" charset="0"/>
-                <a:cs typeface="Arial" pitchFamily="34" charset="0"/>
-              </a:rPr>
-              <a:t>Интернета</a:t>
-            </a:r>
-            <a:r>
-              <a:rPr kumimoji="0" lang="uk-UA" sz="1400" b="0" i="0" u="none" strike="noStrike" cap="none" normalizeH="0" baseline="0" dirty="0" smtClean="0">
-                <a:ln>
-                  <a:noFill/>
-                </a:ln>
-                <a:solidFill>
-                  <a:srgbClr val="252525"/>
-                </a:solidFill>
-                <a:effectLst/>
-                <a:latin typeface="Arial" pitchFamily="34" charset="0"/>
-                <a:cs typeface="Arial" pitchFamily="34" charset="0"/>
-              </a:rPr>
-              <a:t> </a:t>
-            </a:r>
-            <a:r>
-              <a:rPr kumimoji="0" lang="uk-UA" sz="1400" b="0" i="0" u="none" strike="noStrike" cap="none" normalizeH="0" baseline="0" dirty="0" err="1" smtClean="0">
-                <a:ln>
-                  <a:noFill/>
-                </a:ln>
-                <a:solidFill>
-                  <a:srgbClr val="252525"/>
-                </a:solidFill>
-                <a:effectLst/>
-                <a:latin typeface="Arial" pitchFamily="34" charset="0"/>
-                <a:cs typeface="Arial" pitchFamily="34" charset="0"/>
-              </a:rPr>
-              <a:t>работает</a:t>
-            </a:r>
-            <a:r>
-              <a:rPr kumimoji="0" lang="uk-UA" sz="1400" b="0" i="0" u="none" strike="noStrike" cap="none" normalizeH="0" baseline="0" dirty="0" smtClean="0">
-                <a:ln>
-                  <a:noFill/>
-                </a:ln>
-                <a:solidFill>
-                  <a:srgbClr val="252525"/>
-                </a:solidFill>
-                <a:effectLst/>
-                <a:latin typeface="Arial" pitchFamily="34" charset="0"/>
-                <a:cs typeface="Arial" pitchFamily="34" charset="0"/>
-              </a:rPr>
-              <a:t> </a:t>
-            </a:r>
-            <a:r>
-              <a:rPr kumimoji="0" lang="uk-UA" sz="1400" b="0" i="0" u="none" strike="noStrike" cap="none" normalizeH="0" baseline="0" dirty="0" err="1" smtClean="0">
-                <a:ln>
-                  <a:noFill/>
-                </a:ln>
-                <a:solidFill>
-                  <a:srgbClr val="0B0080"/>
-                </a:solidFill>
-                <a:effectLst/>
-                <a:latin typeface="Arial" pitchFamily="34" charset="0"/>
-                <a:cs typeface="Arial" pitchFamily="34" charset="0"/>
-                <a:hlinkClick r:id="rId4" tooltip="Всемирная паутина"/>
-              </a:rPr>
-              <a:t>Всемирная</a:t>
-            </a:r>
-            <a:r>
-              <a:rPr kumimoji="0" lang="uk-UA" sz="1400" b="0" i="0" u="none" strike="noStrike" cap="none" normalizeH="0" baseline="0" dirty="0" smtClean="0">
-                <a:ln>
-                  <a:noFill/>
-                </a:ln>
-                <a:solidFill>
-                  <a:srgbClr val="0B0080"/>
-                </a:solidFill>
-                <a:effectLst/>
-                <a:latin typeface="Arial" pitchFamily="34" charset="0"/>
-                <a:cs typeface="Arial" pitchFamily="34" charset="0"/>
-                <a:hlinkClick r:id="rId4" tooltip="Всемирная паутина"/>
-              </a:rPr>
-              <a:t> </a:t>
-            </a:r>
-            <a:r>
-              <a:rPr kumimoji="0" lang="uk-UA" sz="1400" b="0" i="0" u="none" strike="noStrike" cap="none" normalizeH="0" baseline="0" dirty="0" err="1" smtClean="0">
-                <a:ln>
-                  <a:noFill/>
-                </a:ln>
-                <a:solidFill>
-                  <a:srgbClr val="0B0080"/>
-                </a:solidFill>
-                <a:effectLst/>
-                <a:latin typeface="Arial" pitchFamily="34" charset="0"/>
-                <a:cs typeface="Arial" pitchFamily="34" charset="0"/>
-                <a:hlinkClick r:id="rId4" tooltip="Всемирная паутина"/>
-              </a:rPr>
-              <a:t>паутина</a:t>
-            </a:r>
-            <a:r>
-              <a:rPr kumimoji="0" lang="uk-UA" sz="1400" b="0" i="0" u="none" strike="noStrike" cap="none" normalizeH="0" baseline="0" dirty="0" smtClean="0">
-                <a:ln>
-                  <a:noFill/>
-                </a:ln>
-                <a:solidFill>
-                  <a:srgbClr val="252525"/>
-                </a:solidFill>
-                <a:effectLst/>
-                <a:latin typeface="Arial" pitchFamily="34" charset="0"/>
-                <a:cs typeface="Arial" pitchFamily="34" charset="0"/>
-              </a:rPr>
-              <a:t> (</a:t>
-            </a:r>
-            <a:r>
-              <a:rPr kumimoji="0" lang="uk-UA" sz="1400" b="0" i="0" u="none" strike="noStrike" cap="none" normalizeH="0" baseline="0" dirty="0" err="1" smtClean="0">
-                <a:ln>
-                  <a:noFill/>
-                </a:ln>
-                <a:solidFill>
-                  <a:srgbClr val="252525"/>
-                </a:solidFill>
-                <a:effectLst/>
-                <a:latin typeface="Arial" pitchFamily="34" charset="0"/>
-                <a:cs typeface="Arial" pitchFamily="34" charset="0"/>
-              </a:rPr>
-              <a:t>World</a:t>
-            </a:r>
-            <a:r>
-              <a:rPr kumimoji="0" lang="uk-UA" sz="1400" b="0" i="0" u="none" strike="noStrike" cap="none" normalizeH="0" baseline="0" dirty="0" smtClean="0">
-                <a:ln>
-                  <a:noFill/>
-                </a:ln>
-                <a:solidFill>
-                  <a:srgbClr val="252525"/>
-                </a:solidFill>
-                <a:effectLst/>
-                <a:latin typeface="Arial" pitchFamily="34" charset="0"/>
-                <a:cs typeface="Arial" pitchFamily="34" charset="0"/>
-              </a:rPr>
-              <a:t> </a:t>
-            </a:r>
-            <a:r>
-              <a:rPr kumimoji="0" lang="uk-UA" sz="1400" b="0" i="0" u="none" strike="noStrike" cap="none" normalizeH="0" baseline="0" dirty="0" err="1" smtClean="0">
-                <a:ln>
-                  <a:noFill/>
-                </a:ln>
-                <a:solidFill>
-                  <a:srgbClr val="252525"/>
-                </a:solidFill>
-                <a:effectLst/>
-                <a:latin typeface="Arial" pitchFamily="34" charset="0"/>
-                <a:cs typeface="Arial" pitchFamily="34" charset="0"/>
-              </a:rPr>
-              <a:t>Wide</a:t>
-            </a:r>
-            <a:r>
-              <a:rPr kumimoji="0" lang="uk-UA" sz="1400" b="0" i="0" u="none" strike="noStrike" cap="none" normalizeH="0" baseline="0" dirty="0" smtClean="0">
-                <a:ln>
-                  <a:noFill/>
-                </a:ln>
-                <a:solidFill>
-                  <a:srgbClr val="252525"/>
-                </a:solidFill>
-                <a:effectLst/>
-                <a:latin typeface="Arial" pitchFamily="34" charset="0"/>
-                <a:cs typeface="Arial" pitchFamily="34" charset="0"/>
-              </a:rPr>
-              <a:t> </a:t>
-            </a:r>
-            <a:r>
-              <a:rPr kumimoji="0" lang="uk-UA" sz="1400" b="0" i="0" u="none" strike="noStrike" cap="none" normalizeH="0" baseline="0" dirty="0" err="1" smtClean="0">
-                <a:ln>
-                  <a:noFill/>
-                </a:ln>
-                <a:solidFill>
-                  <a:srgbClr val="252525"/>
-                </a:solidFill>
-                <a:effectLst/>
-                <a:latin typeface="Arial" pitchFamily="34" charset="0"/>
-                <a:cs typeface="Arial" pitchFamily="34" charset="0"/>
-              </a:rPr>
-              <a:t>Web</a:t>
-            </a:r>
-            <a:r>
-              <a:rPr kumimoji="0" lang="uk-UA" sz="1400" b="0" i="0" u="none" strike="noStrike" cap="none" normalizeH="0" baseline="0" dirty="0" smtClean="0">
-                <a:ln>
-                  <a:noFill/>
-                </a:ln>
-                <a:solidFill>
-                  <a:srgbClr val="252525"/>
-                </a:solidFill>
-                <a:effectLst/>
-                <a:latin typeface="Arial" pitchFamily="34" charset="0"/>
-                <a:cs typeface="Arial" pitchFamily="34" charset="0"/>
-              </a:rPr>
-              <a:t>, WWW) и </a:t>
-            </a:r>
-            <a:r>
-              <a:rPr kumimoji="0" lang="uk-UA" sz="1400" b="0" i="0" u="none" strike="noStrike" cap="none" normalizeH="0" baseline="0" dirty="0" err="1" smtClean="0">
-                <a:ln>
-                  <a:noFill/>
-                </a:ln>
-                <a:solidFill>
-                  <a:srgbClr val="252525"/>
-                </a:solidFill>
-                <a:effectLst/>
-                <a:latin typeface="Arial" pitchFamily="34" charset="0"/>
-                <a:cs typeface="Arial" pitchFamily="34" charset="0"/>
-              </a:rPr>
-              <a:t>множество</a:t>
-            </a:r>
-            <a:r>
-              <a:rPr kumimoji="0" lang="uk-UA" sz="1400" b="0" i="0" u="none" strike="noStrike" cap="none" normalizeH="0" baseline="0" dirty="0" smtClean="0">
-                <a:ln>
-                  <a:noFill/>
-                </a:ln>
-                <a:solidFill>
-                  <a:srgbClr val="252525"/>
-                </a:solidFill>
-                <a:effectLst/>
-                <a:latin typeface="Arial" pitchFamily="34" charset="0"/>
-                <a:cs typeface="Arial" pitchFamily="34" charset="0"/>
-              </a:rPr>
-              <a:t> других </a:t>
-            </a:r>
-            <a:r>
-              <a:rPr kumimoji="0" lang="uk-UA" sz="1400" b="0" i="0" u="none" strike="noStrike" cap="none" normalizeH="0" baseline="0" dirty="0" smtClean="0">
-                <a:ln>
-                  <a:noFill/>
-                </a:ln>
-                <a:solidFill>
-                  <a:srgbClr val="0B0080"/>
-                </a:solidFill>
-                <a:effectLst/>
-                <a:latin typeface="Arial" pitchFamily="34" charset="0"/>
-                <a:cs typeface="Arial" pitchFamily="34" charset="0"/>
-                <a:hlinkClick r:id="rId5" tooltip="Протокол передачи данных"/>
-              </a:rPr>
-              <a:t>систем </a:t>
-            </a:r>
-            <a:r>
-              <a:rPr kumimoji="0" lang="uk-UA" sz="1400" b="0" i="0" u="none" strike="noStrike" cap="none" normalizeH="0" baseline="0" dirty="0" err="1" smtClean="0">
-                <a:ln>
-                  <a:noFill/>
-                </a:ln>
-                <a:solidFill>
-                  <a:srgbClr val="0B0080"/>
-                </a:solidFill>
-                <a:effectLst/>
-                <a:latin typeface="Arial" pitchFamily="34" charset="0"/>
-                <a:cs typeface="Arial" pitchFamily="34" charset="0"/>
-                <a:hlinkClick r:id="rId5" tooltip="Протокол передачи данных"/>
-              </a:rPr>
-              <a:t>передачи</a:t>
-            </a:r>
-            <a:r>
-              <a:rPr kumimoji="0" lang="uk-UA" sz="1400" b="0" i="0" u="none" strike="noStrike" cap="none" normalizeH="0" baseline="0" dirty="0" smtClean="0">
-                <a:ln>
-                  <a:noFill/>
-                </a:ln>
-                <a:solidFill>
-                  <a:srgbClr val="0B0080"/>
-                </a:solidFill>
-                <a:effectLst/>
-                <a:latin typeface="Arial" pitchFamily="34" charset="0"/>
-                <a:cs typeface="Arial" pitchFamily="34" charset="0"/>
-                <a:hlinkClick r:id="rId5" tooltip="Протокол передачи данных"/>
-              </a:rPr>
-              <a:t> </a:t>
-            </a:r>
-            <a:r>
-              <a:rPr kumimoji="0" lang="uk-UA" sz="1400" b="0" i="0" u="none" strike="noStrike" cap="none" normalizeH="0" baseline="0" dirty="0" err="1" smtClean="0">
-                <a:ln>
-                  <a:noFill/>
-                </a:ln>
-                <a:solidFill>
-                  <a:srgbClr val="0B0080"/>
-                </a:solidFill>
-                <a:effectLst/>
-                <a:latin typeface="Arial" pitchFamily="34" charset="0"/>
-                <a:cs typeface="Arial" pitchFamily="34" charset="0"/>
-                <a:hlinkClick r:id="rId5" tooltip="Протокол передачи данных"/>
-              </a:rPr>
-              <a:t>данных</a:t>
-            </a:r>
-            <a:r>
-              <a:rPr kumimoji="0" lang="uk-UA" sz="1400" b="0" i="0" u="none" strike="noStrike" cap="none" normalizeH="0" baseline="0" dirty="0" smtClean="0">
-                <a:ln>
-                  <a:noFill/>
-                </a:ln>
-                <a:solidFill>
-                  <a:srgbClr val="252525"/>
-                </a:solidFill>
-                <a:effectLst/>
-                <a:latin typeface="Arial" pitchFamily="34" charset="0"/>
-                <a:cs typeface="Arial" pitchFamily="34" charset="0"/>
-              </a:rPr>
-              <a:t>.</a:t>
-            </a:r>
-            <a:r>
-              <a:rPr kumimoji="0" lang="uk-UA" sz="1400" b="0" i="0" u="none" strike="noStrike" cap="none" normalizeH="0" baseline="0" dirty="0" smtClean="0">
-                <a:ln>
-                  <a:noFill/>
-                </a:ln>
-                <a:solidFill>
-                  <a:schemeClr val="tx1"/>
-                </a:solidFill>
-                <a:effectLst/>
-                <a:latin typeface="Arial" pitchFamily="34" charset="0"/>
-                <a:cs typeface="Arial" pitchFamily="34" charset="0"/>
-              </a:rPr>
-              <a:t> </a:t>
-            </a:r>
-          </a:p>
-        </p:txBody>
-      </p:sp>
-      <p:sp>
-        <p:nvSpPr>
-          <p:cNvPr id="5" name="Заголовок 1"/>
-          <p:cNvSpPr txBox="1">
-            <a:spLocks/>
-          </p:cNvSpPr>
-          <p:nvPr/>
-        </p:nvSpPr>
-        <p:spPr>
-          <a:xfrm>
-            <a:off x="539552" y="2492896"/>
-            <a:ext cx="8229600" cy="706090"/>
-          </a:xfrm>
-          <a:prstGeom prst="rect">
-            <a:avLst/>
-          </a:prstGeom>
-        </p:spPr>
-        <p:txBody>
-          <a:bodyPr vert="horz" lIns="91440" tIns="45720" rIns="91440" bIns="45720" rtlCol="0" anchor="ctr">
-            <a:normAutofit fontScale="97500" lnSpcReduction="10000"/>
-          </a:bodyPr>
-          <a:lstStyle/>
-          <a:p>
-            <a:pPr marL="0" marR="0" lvl="0" indent="0" algn="ctr" defTabSz="914400" rtl="0" eaLnBrk="1" fontAlgn="auto" latinLnBrk="0" hangingPunct="1">
-              <a:lnSpc>
-                <a:spcPct val="100000"/>
-              </a:lnSpc>
-              <a:spcBef>
-                <a:spcPct val="0"/>
-              </a:spcBef>
-              <a:spcAft>
-                <a:spcPts val="0"/>
-              </a:spcAft>
-              <a:buClrTx/>
-              <a:buSzTx/>
-              <a:buFontTx/>
-              <a:buNone/>
-              <a:tabLst/>
-              <a:defRPr/>
-            </a:pPr>
-            <a:r>
-              <a:rPr kumimoji="0" lang="ru-RU" sz="4400" b="0" i="0" u="none" strike="noStrike" kern="1200" cap="none" spc="0" normalizeH="0" baseline="0" noProof="0" dirty="0" smtClean="0">
-                <a:ln>
-                  <a:noFill/>
-                </a:ln>
-                <a:solidFill>
-                  <a:schemeClr val="tx1"/>
-                </a:solidFill>
-                <a:effectLst/>
-                <a:uLnTx/>
-                <a:uFillTx/>
-                <a:latin typeface="+mj-lt"/>
-                <a:ea typeface="+mj-ea"/>
-                <a:cs typeface="+mj-cs"/>
-              </a:rPr>
-              <a:t>Основная функция интернета:</a:t>
-            </a:r>
-            <a:endParaRPr kumimoji="0" lang="uk-UA" sz="4400" b="0" i="0" u="none" strike="noStrike" kern="1200" cap="none" spc="0" normalizeH="0" baseline="0" noProof="0" dirty="0">
-              <a:ln>
-                <a:noFill/>
-              </a:ln>
-              <a:solidFill>
-                <a:schemeClr val="tx1"/>
-              </a:solidFill>
-              <a:effectLst/>
-              <a:uLnTx/>
-              <a:uFillTx/>
-              <a:latin typeface="+mj-lt"/>
-              <a:ea typeface="+mj-ea"/>
-              <a:cs typeface="+mj-cs"/>
-            </a:endParaRPr>
-          </a:p>
-        </p:txBody>
-      </p:sp>
-      <p:sp>
-        <p:nvSpPr>
-          <p:cNvPr id="6" name="Rectangle 2"/>
-          <p:cNvSpPr>
-            <a:spLocks noChangeArrowheads="1"/>
-          </p:cNvSpPr>
-          <p:nvPr/>
-        </p:nvSpPr>
-        <p:spPr bwMode="auto">
-          <a:xfrm>
-            <a:off x="899592" y="3121804"/>
-            <a:ext cx="7560840" cy="523220"/>
-          </a:xfrm>
-          <a:prstGeom prst="rect">
-            <a:avLst/>
-          </a:prstGeom>
-          <a:solidFill>
-            <a:srgbClr val="FFFFFF"/>
-          </a:solidFill>
-          <a:ln w="9525">
-            <a:noFill/>
-            <a:miter lim="800000"/>
-            <a:headEnd/>
-            <a:tailEnd/>
-          </a:ln>
-          <a:effectLst/>
-        </p:spPr>
-        <p:txBody>
-          <a:bodyPr vert="horz" wrap="square" lIns="91440" tIns="45720" rIns="91440" bIns="45720" numCol="1" anchor="ctr" anchorCtr="0" compatLnSpc="1">
-            <a:prstTxWarp prst="textNoShape">
-              <a:avLst/>
-            </a:prstTxWarp>
-            <a:spAutoFit/>
-          </a:bodyPr>
-          <a:lstStyle/>
-          <a:p>
-            <a:pPr marL="0" marR="0" lvl="0" indent="0" algn="just" defTabSz="914400" rtl="0" eaLnBrk="1" fontAlgn="base" latinLnBrk="0" hangingPunct="1">
-              <a:lnSpc>
-                <a:spcPct val="100000"/>
-              </a:lnSpc>
-              <a:spcBef>
-                <a:spcPct val="0"/>
-              </a:spcBef>
-              <a:spcAft>
-                <a:spcPct val="0"/>
-              </a:spcAft>
-              <a:buClrTx/>
-              <a:buSzTx/>
-              <a:buFontTx/>
-              <a:buNone/>
-              <a:tabLst/>
-            </a:pPr>
-            <a:r>
-              <a:rPr lang="ru-RU" sz="1400" dirty="0" smtClean="0">
-                <a:solidFill>
-                  <a:srgbClr val="252525"/>
-                </a:solidFill>
-                <a:latin typeface="Arial" pitchFamily="34" charset="0"/>
-                <a:cs typeface="Arial" pitchFamily="34" charset="0"/>
-              </a:rPr>
-              <a:t>Обеспечить передачу данных между двумя компьютерами, независимо от того сколько промежуточных узлов между ними. </a:t>
-            </a:r>
-            <a:endParaRPr kumimoji="0" lang="uk-UA" sz="1400" i="0" u="none" strike="noStrike" cap="none" normalizeH="0" baseline="0" dirty="0" smtClean="0">
-              <a:ln>
-                <a:noFill/>
-              </a:ln>
-              <a:solidFill>
-                <a:schemeClr val="tx1"/>
-              </a:solidFill>
-              <a:effectLst/>
-              <a:latin typeface="Arial" pitchFamily="34" charset="0"/>
-              <a:cs typeface="Arial" pitchFamily="34" charset="0"/>
-            </a:endParaRPr>
-          </a:p>
-        </p:txBody>
-      </p:sp>
-      <p:sp>
-        <p:nvSpPr>
-          <p:cNvPr id="8" name="Прямоугольник 7"/>
-          <p:cNvSpPr/>
-          <p:nvPr/>
-        </p:nvSpPr>
-        <p:spPr>
-          <a:xfrm>
-            <a:off x="3851920" y="3645024"/>
-            <a:ext cx="4572000" cy="246221"/>
-          </a:xfrm>
-          <a:prstGeom prst="rect">
-            <a:avLst/>
-          </a:prstGeom>
-        </p:spPr>
-        <p:txBody>
-          <a:bodyPr>
-            <a:spAutoFit/>
-          </a:bodyPr>
-          <a:lstStyle/>
-          <a:p>
-            <a:r>
-              <a:rPr lang="ru-RU" sz="1000" b="1" dirty="0" smtClean="0">
-                <a:solidFill>
-                  <a:schemeClr val="bg1">
-                    <a:lumMod val="65000"/>
-                  </a:schemeClr>
-                </a:solidFill>
-                <a:latin typeface="Courier New" pitchFamily="49" charset="0"/>
-                <a:cs typeface="Courier New" pitchFamily="49" charset="0"/>
-              </a:rPr>
-              <a:t>* По </a:t>
-            </a:r>
-            <a:r>
-              <a:rPr lang="ru-RU" sz="1000" b="1" dirty="0" smtClean="0">
-                <a:solidFill>
-                  <a:schemeClr val="bg1">
-                    <a:lumMod val="65000"/>
-                  </a:schemeClr>
-                </a:solidFill>
-                <a:latin typeface="Courier New" pitchFamily="49" charset="0"/>
-                <a:cs typeface="Courier New" pitchFamily="49" charset="0"/>
-              </a:rPr>
-              <a:t>аналогии с системой мобильной связи.</a:t>
-            </a:r>
-            <a:endParaRPr lang="uk-UA" sz="1000" b="1" dirty="0">
-              <a:solidFill>
-                <a:schemeClr val="bg1">
-                  <a:lumMod val="65000"/>
-                </a:schemeClr>
-              </a:solidFill>
-              <a:latin typeface="Courier New" pitchFamily="49" charset="0"/>
-              <a:cs typeface="Courier New" pitchFamily="49" charset="0"/>
-            </a:endParaRPr>
-          </a:p>
-        </p:txBody>
-      </p:sp>
-    </p:spTree>
-  </p:cSld>
-  <p:clrMapOvr>
-    <a:masterClrMapping/>
-  </p:clrMapOvr>
-</p:sld>
-</file>
-
-<file path=ppt/slides/slide3.xml><?xml version="1.0" encoding="utf-8"?>
-<p:sld xmlns:a="http://schemas.openxmlformats.org/drawingml/2006/main" xmlns:r="http://schemas.openxmlformats.org/officeDocument/2006/relationships" xmlns:p="http://schemas.openxmlformats.org/presentationml/2006/main">
-  <p:cSld>
-    <p:spTree>
-      <p:nvGrpSpPr>
-        <p:cNvPr id="1" name=""/>
-        <p:cNvGrpSpPr/>
-        <p:nvPr/>
-      </p:nvGrpSpPr>
-      <p:grpSpPr>
-        <a:xfrm>
-          <a:off x="0" y="0"/>
-          <a:ext cx="0" cy="0"/>
-          <a:chOff x="0" y="0"/>
-          <a:chExt cx="0" cy="0"/>
-        </a:xfrm>
-      </p:grpSpPr>
-      <p:sp>
-        <p:nvSpPr>
-          <p:cNvPr id="4" name="Заголовок 1"/>
-          <p:cNvSpPr txBox="1">
-            <a:spLocks/>
-          </p:cNvSpPr>
-          <p:nvPr/>
-        </p:nvSpPr>
-        <p:spPr>
-          <a:xfrm>
-            <a:off x="611560" y="476672"/>
-            <a:ext cx="8229600" cy="706090"/>
-          </a:xfrm>
-          <a:prstGeom prst="rect">
-            <a:avLst/>
-          </a:prstGeom>
-        </p:spPr>
-        <p:txBody>
-          <a:bodyPr vert="horz" lIns="91440" tIns="45720" rIns="91440" bIns="45720" rtlCol="0" anchor="ctr">
-            <a:normAutofit fontScale="97500" lnSpcReduction="10000"/>
-          </a:bodyPr>
-          <a:lstStyle/>
-          <a:p>
-            <a:pPr marL="0" marR="0" lvl="0" indent="0" algn="ctr" defTabSz="914400" rtl="0" eaLnBrk="1" fontAlgn="auto" latinLnBrk="0" hangingPunct="1">
-              <a:lnSpc>
-                <a:spcPct val="100000"/>
-              </a:lnSpc>
-              <a:spcBef>
-                <a:spcPct val="0"/>
-              </a:spcBef>
-              <a:spcAft>
-                <a:spcPts val="0"/>
-              </a:spcAft>
-              <a:buClrTx/>
-              <a:buSzTx/>
-              <a:buFontTx/>
-              <a:buNone/>
-              <a:tabLst/>
-              <a:defRPr/>
-            </a:pPr>
-            <a:r>
-              <a:rPr kumimoji="0" lang="ru-RU" sz="4400" b="0" i="0" u="none" strike="noStrike" kern="1200" cap="none" spc="0" normalizeH="0" baseline="0" noProof="0" dirty="0" smtClean="0">
-                <a:ln>
-                  <a:noFill/>
-                </a:ln>
-                <a:solidFill>
-                  <a:schemeClr val="tx1"/>
-                </a:solidFill>
-                <a:effectLst/>
-                <a:uLnTx/>
-                <a:uFillTx/>
-                <a:latin typeface="+mj-lt"/>
-                <a:ea typeface="+mj-ea"/>
-                <a:cs typeface="+mj-cs"/>
-              </a:rPr>
-              <a:t>Основная функция интернета:</a:t>
-            </a:r>
-            <a:endParaRPr kumimoji="0" lang="uk-UA" sz="4400" b="0" i="0" u="none" strike="noStrike" kern="1200" cap="none" spc="0" normalizeH="0" baseline="0" noProof="0" dirty="0">
-              <a:ln>
-                <a:noFill/>
-              </a:ln>
-              <a:solidFill>
-                <a:schemeClr val="tx1"/>
-              </a:solidFill>
-              <a:effectLst/>
-              <a:uLnTx/>
-              <a:uFillTx/>
-              <a:latin typeface="+mj-lt"/>
-              <a:ea typeface="+mj-ea"/>
-              <a:cs typeface="+mj-cs"/>
-            </a:endParaRPr>
-          </a:p>
-        </p:txBody>
-      </p:sp>
-      <p:sp>
-        <p:nvSpPr>
-          <p:cNvPr id="5" name="Rectangle 2"/>
-          <p:cNvSpPr>
-            <a:spLocks noChangeArrowheads="1"/>
-          </p:cNvSpPr>
-          <p:nvPr/>
-        </p:nvSpPr>
-        <p:spPr bwMode="auto">
-          <a:xfrm>
-            <a:off x="971600" y="1105580"/>
-            <a:ext cx="7560840" cy="523220"/>
-          </a:xfrm>
-          <a:prstGeom prst="rect">
-            <a:avLst/>
-          </a:prstGeom>
-          <a:solidFill>
-            <a:srgbClr val="FFFFFF"/>
-          </a:solidFill>
-          <a:ln w="9525">
-            <a:noFill/>
-            <a:miter lim="800000"/>
-            <a:headEnd/>
-            <a:tailEnd/>
-          </a:ln>
-          <a:effectLst/>
-        </p:spPr>
-        <p:txBody>
-          <a:bodyPr vert="horz" wrap="square" lIns="91440" tIns="45720" rIns="91440" bIns="45720" numCol="1" anchor="ctr" anchorCtr="0" compatLnSpc="1">
-            <a:prstTxWarp prst="textNoShape">
-              <a:avLst/>
-            </a:prstTxWarp>
-            <a:spAutoFit/>
-          </a:bodyPr>
-          <a:lstStyle/>
-          <a:p>
-            <a:pPr marL="0" marR="0" lvl="0" indent="0" algn="just" defTabSz="914400" rtl="0" eaLnBrk="1" fontAlgn="base" latinLnBrk="0" hangingPunct="1">
-              <a:lnSpc>
-                <a:spcPct val="100000"/>
-              </a:lnSpc>
-              <a:spcBef>
-                <a:spcPct val="0"/>
-              </a:spcBef>
-              <a:spcAft>
-                <a:spcPct val="0"/>
-              </a:spcAft>
-              <a:buClrTx/>
-              <a:buSzTx/>
-              <a:buFontTx/>
-              <a:buNone/>
-              <a:tabLst/>
-            </a:pPr>
-            <a:r>
-              <a:rPr lang="ru-RU" sz="1400" dirty="0" smtClean="0">
-                <a:solidFill>
-                  <a:srgbClr val="252525"/>
-                </a:solidFill>
-                <a:latin typeface="Arial" pitchFamily="34" charset="0"/>
-                <a:cs typeface="Arial" pitchFamily="34" charset="0"/>
-              </a:rPr>
-              <a:t>Обеспечить передачу данных между двумя компьютерами, независимо от того сколько промежуточных узлов между ними.</a:t>
-            </a:r>
-            <a:r>
-              <a:rPr lang="en-US" sz="1400" dirty="0" smtClean="0">
-                <a:solidFill>
-                  <a:srgbClr val="252525"/>
-                </a:solidFill>
-                <a:latin typeface="Arial" pitchFamily="34" charset="0"/>
-                <a:cs typeface="Arial" pitchFamily="34" charset="0"/>
-              </a:rPr>
-              <a:t> *</a:t>
-            </a:r>
-            <a:r>
-              <a:rPr lang="ru-RU" sz="1400" dirty="0" smtClean="0">
-                <a:solidFill>
-                  <a:srgbClr val="252525"/>
-                </a:solidFill>
-                <a:latin typeface="Arial" pitchFamily="34" charset="0"/>
-                <a:cs typeface="Arial" pitchFamily="34" charset="0"/>
-              </a:rPr>
-              <a:t> </a:t>
-            </a:r>
-            <a:endParaRPr kumimoji="0" lang="uk-UA" sz="1400" i="0" u="none" strike="noStrike" cap="none" normalizeH="0" baseline="0" dirty="0" smtClean="0">
-              <a:ln>
-                <a:noFill/>
-              </a:ln>
-              <a:solidFill>
-                <a:schemeClr val="tx1"/>
-              </a:solidFill>
-              <a:effectLst/>
-              <a:latin typeface="Arial" pitchFamily="34" charset="0"/>
-              <a:cs typeface="Arial" pitchFamily="34" charset="0"/>
-            </a:endParaRPr>
-          </a:p>
-        </p:txBody>
-      </p:sp>
-      <p:sp>
-        <p:nvSpPr>
-          <p:cNvPr id="6" name="Прямоугольник 5"/>
-          <p:cNvSpPr/>
-          <p:nvPr/>
-        </p:nvSpPr>
-        <p:spPr>
-          <a:xfrm>
-            <a:off x="5220072" y="1556792"/>
-            <a:ext cx="3384376" cy="246221"/>
-          </a:xfrm>
-          <a:prstGeom prst="rect">
-            <a:avLst/>
-          </a:prstGeom>
-        </p:spPr>
-        <p:txBody>
-          <a:bodyPr wrap="square">
-            <a:spAutoFit/>
-          </a:bodyPr>
-          <a:lstStyle/>
-          <a:p>
-            <a:r>
-              <a:rPr lang="ru-RU" sz="1000" b="1" dirty="0" smtClean="0">
-                <a:solidFill>
-                  <a:schemeClr val="bg1">
-                    <a:lumMod val="65000"/>
-                  </a:schemeClr>
-                </a:solidFill>
-                <a:latin typeface="Courier New" pitchFamily="49" charset="0"/>
-                <a:cs typeface="Courier New" pitchFamily="49" charset="0"/>
-              </a:rPr>
-              <a:t>* По </a:t>
-            </a:r>
-            <a:r>
-              <a:rPr lang="ru-RU" sz="1000" b="1" dirty="0" smtClean="0">
-                <a:solidFill>
-                  <a:schemeClr val="bg1">
-                    <a:lumMod val="65000"/>
-                  </a:schemeClr>
-                </a:solidFill>
-                <a:latin typeface="Courier New" pitchFamily="49" charset="0"/>
-                <a:cs typeface="Courier New" pitchFamily="49" charset="0"/>
-              </a:rPr>
-              <a:t>аналогии с системой мобильной связи.</a:t>
-            </a:r>
-            <a:endParaRPr lang="uk-UA" sz="1000" b="1" dirty="0">
-              <a:solidFill>
-                <a:schemeClr val="bg1">
-                  <a:lumMod val="65000"/>
-                </a:schemeClr>
-              </a:solidFill>
-              <a:latin typeface="Courier New" pitchFamily="49" charset="0"/>
-              <a:cs typeface="Courier New" pitchFamily="49" charset="0"/>
-            </a:endParaRPr>
-          </a:p>
-        </p:txBody>
-      </p:sp>
-      <p:sp>
-        <p:nvSpPr>
-          <p:cNvPr id="7" name="Заголовок 1"/>
-          <p:cNvSpPr txBox="1">
-            <a:spLocks/>
-          </p:cNvSpPr>
-          <p:nvPr/>
-        </p:nvSpPr>
-        <p:spPr>
-          <a:xfrm>
-            <a:off x="539552" y="1858814"/>
-            <a:ext cx="8229600" cy="706090"/>
-          </a:xfrm>
-          <a:prstGeom prst="rect">
-            <a:avLst/>
-          </a:prstGeom>
-        </p:spPr>
-        <p:txBody>
-          <a:bodyPr vert="horz" lIns="91440" tIns="45720" rIns="91440" bIns="45720" rtlCol="0" anchor="ctr">
-            <a:normAutofit fontScale="97500" lnSpcReduction="10000"/>
-          </a:bodyPr>
-          <a:lstStyle/>
-          <a:p>
-            <a:pPr marL="0" marR="0" lvl="0" indent="0" algn="ctr" defTabSz="914400" rtl="0" eaLnBrk="1" fontAlgn="auto" latinLnBrk="0" hangingPunct="1">
-              <a:lnSpc>
-                <a:spcPct val="100000"/>
-              </a:lnSpc>
-              <a:spcBef>
-                <a:spcPct val="0"/>
-              </a:spcBef>
-              <a:spcAft>
-                <a:spcPts val="0"/>
-              </a:spcAft>
-              <a:buClrTx/>
-              <a:buSzTx/>
-              <a:buFontTx/>
-              <a:buNone/>
-              <a:tabLst/>
-              <a:defRPr/>
-            </a:pPr>
-            <a:r>
-              <a:rPr lang="ru-RU" sz="4400" dirty="0" smtClean="0">
-                <a:latin typeface="+mj-lt"/>
-                <a:ea typeface="+mj-ea"/>
-                <a:cs typeface="+mj-cs"/>
-              </a:rPr>
-              <a:t>Как это осуществляется</a:t>
-            </a:r>
-            <a:r>
-              <a:rPr kumimoji="0" lang="ru-RU" sz="4400" b="0" i="0" u="none" strike="noStrike" kern="1200" cap="none" spc="0" normalizeH="0" baseline="0" noProof="0" dirty="0" smtClean="0">
-                <a:ln>
-                  <a:noFill/>
-                </a:ln>
-                <a:solidFill>
-                  <a:schemeClr val="tx1"/>
-                </a:solidFill>
-                <a:effectLst/>
-                <a:uLnTx/>
-                <a:uFillTx/>
-                <a:latin typeface="+mj-lt"/>
-                <a:ea typeface="+mj-ea"/>
-                <a:cs typeface="+mj-cs"/>
-              </a:rPr>
-              <a:t>:</a:t>
-            </a:r>
-            <a:endParaRPr kumimoji="0" lang="uk-UA" sz="4400" b="0" i="0" u="none" strike="noStrike" kern="1200" cap="none" spc="0" normalizeH="0" baseline="0" noProof="0" dirty="0">
-              <a:ln>
-                <a:noFill/>
-              </a:ln>
-              <a:solidFill>
-                <a:schemeClr val="tx1"/>
-              </a:solidFill>
-              <a:effectLst/>
-              <a:uLnTx/>
-              <a:uFillTx/>
-              <a:latin typeface="+mj-lt"/>
-              <a:ea typeface="+mj-ea"/>
-              <a:cs typeface="+mj-cs"/>
-            </a:endParaRPr>
-          </a:p>
-        </p:txBody>
-      </p:sp>
-      <p:sp>
-        <p:nvSpPr>
-          <p:cNvPr id="8" name="Rectangle 2"/>
-          <p:cNvSpPr>
-            <a:spLocks noChangeArrowheads="1"/>
-          </p:cNvSpPr>
-          <p:nvPr/>
-        </p:nvSpPr>
-        <p:spPr bwMode="auto">
-          <a:xfrm>
-            <a:off x="899592" y="2492896"/>
-            <a:ext cx="7560840" cy="523220"/>
-          </a:xfrm>
-          <a:prstGeom prst="rect">
-            <a:avLst/>
-          </a:prstGeom>
-          <a:solidFill>
-            <a:srgbClr val="FFFFFF"/>
-          </a:solidFill>
-          <a:ln w="9525">
-            <a:noFill/>
-            <a:miter lim="800000"/>
-            <a:headEnd/>
-            <a:tailEnd/>
-          </a:ln>
-          <a:effectLst/>
-        </p:spPr>
-        <p:txBody>
-          <a:bodyPr vert="horz" wrap="square" lIns="91440" tIns="45720" rIns="91440" bIns="45720" numCol="1" anchor="ctr" anchorCtr="0" compatLnSpc="1">
-            <a:prstTxWarp prst="textNoShape">
-              <a:avLst/>
-            </a:prstTxWarp>
-            <a:spAutoFit/>
-          </a:bodyPr>
-          <a:lstStyle/>
-          <a:p>
-            <a:pPr marL="0" marR="0" lvl="0" indent="0" algn="just" defTabSz="914400" rtl="0" eaLnBrk="1" fontAlgn="base" latinLnBrk="0" hangingPunct="1">
-              <a:lnSpc>
-                <a:spcPct val="100000"/>
-              </a:lnSpc>
-              <a:spcBef>
-                <a:spcPct val="0"/>
-              </a:spcBef>
-              <a:spcAft>
-                <a:spcPct val="0"/>
-              </a:spcAft>
-              <a:buClrTx/>
-              <a:buSzTx/>
-              <a:buFontTx/>
-              <a:buNone/>
-              <a:tabLst/>
-            </a:pPr>
-            <a:r>
-              <a:rPr lang="ru-RU" sz="1400" dirty="0" smtClean="0">
-                <a:solidFill>
-                  <a:srgbClr val="252525"/>
-                </a:solidFill>
-                <a:latin typeface="Arial" pitchFamily="34" charset="0"/>
-                <a:cs typeface="Arial" pitchFamily="34" charset="0"/>
-              </a:rPr>
-              <a:t>У каждого компьютера подключенного к сети интернет есть свой уникальный** сетевой адрес (можно сказать номер)</a:t>
-            </a:r>
-            <a:endParaRPr kumimoji="0" lang="uk-UA" sz="1400" i="0" u="none" strike="noStrike" cap="none" normalizeH="0" baseline="0" dirty="0" smtClean="0">
-              <a:ln>
-                <a:noFill/>
-              </a:ln>
-              <a:solidFill>
-                <a:schemeClr val="tx1"/>
-              </a:solidFill>
-              <a:effectLst/>
-              <a:latin typeface="Arial" pitchFamily="34" charset="0"/>
-              <a:cs typeface="Arial" pitchFamily="34" charset="0"/>
-            </a:endParaRPr>
-          </a:p>
-        </p:txBody>
-      </p:sp>
-      <p:sp>
-        <p:nvSpPr>
-          <p:cNvPr id="10" name="Прямоугольник 9"/>
-          <p:cNvSpPr/>
-          <p:nvPr/>
-        </p:nvSpPr>
-        <p:spPr>
-          <a:xfrm>
-            <a:off x="1619672" y="2996952"/>
-            <a:ext cx="7128792" cy="246221"/>
-          </a:xfrm>
-          <a:prstGeom prst="rect">
-            <a:avLst/>
-          </a:prstGeom>
-        </p:spPr>
-        <p:txBody>
-          <a:bodyPr wrap="square">
-            <a:spAutoFit/>
-          </a:bodyPr>
-          <a:lstStyle/>
-          <a:p>
-            <a:r>
-              <a:rPr lang="ru-RU" sz="1000" b="1" dirty="0" smtClean="0">
-                <a:solidFill>
-                  <a:schemeClr val="bg1">
-                    <a:lumMod val="65000"/>
-                  </a:schemeClr>
-                </a:solidFill>
-                <a:latin typeface="Courier New" pitchFamily="49" charset="0"/>
-                <a:cs typeface="Courier New" pitchFamily="49" charset="0"/>
-              </a:rPr>
-              <a:t>** Есть технологии позволяющие нескольким компьютерам пользоваться одним сетевым адресом.</a:t>
-            </a:r>
-            <a:endParaRPr lang="uk-UA" sz="1000" b="1" dirty="0">
-              <a:solidFill>
-                <a:schemeClr val="bg1">
-                  <a:lumMod val="65000"/>
-                </a:schemeClr>
-              </a:solidFill>
-              <a:latin typeface="Courier New" pitchFamily="49" charset="0"/>
-              <a:cs typeface="Courier New" pitchFamily="49" charset="0"/>
-            </a:endParaRPr>
-          </a:p>
-        </p:txBody>
-      </p:sp>
-      <p:sp>
-        <p:nvSpPr>
-          <p:cNvPr id="11" name="Заголовок 1"/>
-          <p:cNvSpPr txBox="1">
-            <a:spLocks/>
-          </p:cNvSpPr>
-          <p:nvPr/>
-        </p:nvSpPr>
-        <p:spPr>
-          <a:xfrm>
-            <a:off x="611560" y="3356992"/>
-            <a:ext cx="8229600" cy="706090"/>
-          </a:xfrm>
-          <a:prstGeom prst="rect">
-            <a:avLst/>
-          </a:prstGeom>
-        </p:spPr>
-        <p:txBody>
-          <a:bodyPr vert="horz" lIns="91440" tIns="45720" rIns="91440" bIns="45720" rtlCol="0" anchor="ctr">
-            <a:normAutofit fontScale="97500" lnSpcReduction="10000"/>
-          </a:bodyPr>
-          <a:lstStyle/>
-          <a:p>
-            <a:pPr marL="0" marR="0" lvl="0" indent="0" algn="ctr" defTabSz="914400" rtl="0" eaLnBrk="1" fontAlgn="auto" latinLnBrk="0" hangingPunct="1">
-              <a:lnSpc>
-                <a:spcPct val="100000"/>
-              </a:lnSpc>
-              <a:spcBef>
-                <a:spcPct val="0"/>
-              </a:spcBef>
-              <a:spcAft>
-                <a:spcPts val="0"/>
-              </a:spcAft>
-              <a:buClrTx/>
-              <a:buSzTx/>
-              <a:buFontTx/>
-              <a:buNone/>
-              <a:tabLst/>
-              <a:defRPr/>
-            </a:pPr>
-            <a:r>
-              <a:rPr lang="en-US" sz="4400" dirty="0" smtClean="0">
-                <a:latin typeface="+mj-lt"/>
-                <a:ea typeface="+mj-ea"/>
-                <a:cs typeface="+mj-cs"/>
-              </a:rPr>
-              <a:t>IP</a:t>
-            </a:r>
-            <a:r>
-              <a:rPr lang="ru-RU" sz="4400" dirty="0" smtClean="0">
-                <a:latin typeface="+mj-lt"/>
-                <a:ea typeface="+mj-ea"/>
-                <a:cs typeface="+mj-cs"/>
-              </a:rPr>
-              <a:t> (</a:t>
-            </a:r>
-            <a:r>
-              <a:rPr lang="en-US" sz="4400" dirty="0" smtClean="0">
-                <a:latin typeface="+mj-lt"/>
-                <a:ea typeface="+mj-ea"/>
-                <a:cs typeface="+mj-cs"/>
-              </a:rPr>
-              <a:t>internet protocol</a:t>
-            </a:r>
-            <a:r>
-              <a:rPr lang="ru-RU" sz="4400" dirty="0" smtClean="0">
-                <a:latin typeface="+mj-lt"/>
-                <a:ea typeface="+mj-ea"/>
-                <a:cs typeface="+mj-cs"/>
-              </a:rPr>
-              <a:t>)</a:t>
-            </a:r>
-            <a:r>
-              <a:rPr lang="en-US" sz="4400" dirty="0" smtClean="0">
-                <a:latin typeface="+mj-lt"/>
-                <a:ea typeface="+mj-ea"/>
-                <a:cs typeface="+mj-cs"/>
-              </a:rPr>
-              <a:t> </a:t>
-            </a:r>
-            <a:r>
-              <a:rPr lang="ru-RU" sz="4400" dirty="0" smtClean="0">
-                <a:latin typeface="+mj-lt"/>
-                <a:ea typeface="+mj-ea"/>
-                <a:cs typeface="+mj-cs"/>
-              </a:rPr>
-              <a:t>адрес</a:t>
-            </a:r>
-            <a:r>
-              <a:rPr kumimoji="0" lang="ru-RU" sz="4400" b="0" i="0" u="none" strike="noStrike" kern="1200" cap="none" spc="0" normalizeH="0" baseline="0" noProof="0" dirty="0" smtClean="0">
-                <a:ln>
-                  <a:noFill/>
-                </a:ln>
-                <a:solidFill>
-                  <a:schemeClr val="tx1"/>
-                </a:solidFill>
-                <a:effectLst/>
-                <a:uLnTx/>
-                <a:uFillTx/>
-                <a:latin typeface="+mj-lt"/>
-                <a:ea typeface="+mj-ea"/>
-                <a:cs typeface="+mj-cs"/>
-              </a:rPr>
-              <a:t>:</a:t>
-            </a:r>
-            <a:endParaRPr kumimoji="0" lang="uk-UA" sz="4400" b="0" i="0" u="none" strike="noStrike" kern="1200" cap="none" spc="0" normalizeH="0" baseline="0" noProof="0" dirty="0">
-              <a:ln>
-                <a:noFill/>
-              </a:ln>
-              <a:solidFill>
-                <a:schemeClr val="tx1"/>
-              </a:solidFill>
-              <a:effectLst/>
-              <a:uLnTx/>
-              <a:uFillTx/>
-              <a:latin typeface="+mj-lt"/>
-              <a:ea typeface="+mj-ea"/>
-              <a:cs typeface="+mj-cs"/>
-            </a:endParaRPr>
-          </a:p>
-        </p:txBody>
-      </p:sp>
-      <p:sp>
-        <p:nvSpPr>
-          <p:cNvPr id="12" name="Заголовок 1"/>
-          <p:cNvSpPr txBox="1">
-            <a:spLocks/>
-          </p:cNvSpPr>
-          <p:nvPr/>
-        </p:nvSpPr>
-        <p:spPr>
-          <a:xfrm>
-            <a:off x="467544" y="4005064"/>
-            <a:ext cx="8229600" cy="792088"/>
-          </a:xfrm>
-          <a:prstGeom prst="rect">
-            <a:avLst/>
-          </a:prstGeom>
-        </p:spPr>
-        <p:txBody>
-          <a:bodyPr vert="horz" lIns="91440" tIns="45720" rIns="91440" bIns="45720" rtlCol="0" anchor="ctr">
-            <a:normAutofit fontScale="90000" lnSpcReduction="10000"/>
-          </a:bodyPr>
-          <a:lstStyle/>
-          <a:p>
-            <a:pPr algn="ctr">
-              <a:spcBef>
-                <a:spcPct val="0"/>
-              </a:spcBef>
-            </a:pPr>
-            <a:r>
-              <a:rPr lang="en-US" sz="2800" dirty="0" smtClean="0">
-                <a:latin typeface="+mj-lt"/>
-                <a:ea typeface="+mj-ea"/>
-                <a:cs typeface="+mj-cs"/>
-              </a:rPr>
-              <a:t>IPv4: </a:t>
-            </a:r>
-            <a:r>
-              <a:rPr lang="en-US" sz="2800" b="1" dirty="0" smtClean="0">
-                <a:latin typeface="+mj-lt"/>
-                <a:ea typeface="+mj-ea"/>
-                <a:cs typeface="+mj-cs"/>
-              </a:rPr>
-              <a:t>77.222.150.27</a:t>
-            </a:r>
-            <a:r>
-              <a:rPr lang="en-US" sz="2800" dirty="0" smtClean="0">
-                <a:latin typeface="+mj-lt"/>
-                <a:ea typeface="+mj-ea"/>
-                <a:cs typeface="+mj-cs"/>
-              </a:rPr>
-              <a:t> – </a:t>
-            </a:r>
-            <a:r>
-              <a:rPr lang="ru-RU" sz="2800" dirty="0" smtClean="0"/>
-              <a:t>2</a:t>
-            </a:r>
-            <a:r>
-              <a:rPr lang="ru-RU" sz="2800" baseline="30000" dirty="0" smtClean="0"/>
-              <a:t>32</a:t>
-            </a:r>
-            <a:r>
-              <a:rPr lang="uk-UA" sz="2800" dirty="0" smtClean="0">
-                <a:latin typeface="+mj-lt"/>
-                <a:ea typeface="+mj-ea"/>
-                <a:cs typeface="+mj-cs"/>
-              </a:rPr>
-              <a:t> адрес</a:t>
-            </a:r>
-            <a:r>
-              <a:rPr lang="ru-RU" sz="2800" dirty="0" smtClean="0">
-                <a:latin typeface="+mj-lt"/>
-                <a:ea typeface="+mj-ea"/>
-                <a:cs typeface="+mj-cs"/>
-              </a:rPr>
-              <a:t>а</a:t>
-            </a:r>
-            <a:r>
-              <a:rPr lang="uk-UA" sz="2800" dirty="0" smtClean="0">
-                <a:latin typeface="+mj-lt"/>
-                <a:ea typeface="+mj-ea"/>
-                <a:cs typeface="+mj-cs"/>
-              </a:rPr>
-              <a:t>.</a:t>
-            </a:r>
-          </a:p>
-          <a:p>
-            <a:pPr algn="ctr">
-              <a:spcBef>
-                <a:spcPct val="0"/>
-              </a:spcBef>
-            </a:pPr>
-            <a:r>
-              <a:rPr lang="en-US" sz="2800" dirty="0" smtClean="0">
-                <a:latin typeface="+mj-lt"/>
-                <a:ea typeface="+mj-ea"/>
-                <a:cs typeface="+mj-cs"/>
-              </a:rPr>
-              <a:t>IPv6:</a:t>
-            </a:r>
-            <a:r>
-              <a:rPr lang="en-US" sz="2400" dirty="0" smtClean="0"/>
-              <a:t> </a:t>
-            </a:r>
-            <a:r>
-              <a:rPr lang="en-US" sz="2400" b="1" dirty="0" smtClean="0"/>
-              <a:t>2001:0db8:11a3:09d7:1f34:8a2e:07a0:765d</a:t>
-            </a:r>
-            <a:r>
-              <a:rPr lang="ru-RU" sz="2400" b="1" dirty="0" smtClean="0"/>
-              <a:t> </a:t>
-            </a:r>
-            <a:r>
-              <a:rPr lang="en-US" sz="2400" dirty="0" smtClean="0"/>
-              <a:t>– </a:t>
-            </a:r>
-            <a:r>
-              <a:rPr lang="ru-RU" sz="2400" dirty="0" smtClean="0"/>
-              <a:t>2</a:t>
-            </a:r>
-            <a:r>
-              <a:rPr lang="ru-RU" sz="2400" baseline="30000" dirty="0" smtClean="0"/>
-              <a:t>128</a:t>
-            </a:r>
-            <a:r>
-              <a:rPr lang="uk-UA" sz="2400" dirty="0" smtClean="0"/>
-              <a:t> </a:t>
-            </a:r>
-            <a:r>
-              <a:rPr lang="uk-UA" sz="2400" dirty="0" smtClean="0"/>
-              <a:t>адрес</a:t>
-            </a:r>
-            <a:r>
-              <a:rPr lang="ru-RU" sz="2400" dirty="0" smtClean="0"/>
-              <a:t>а.</a:t>
-            </a:r>
-            <a:r>
-              <a:rPr lang="en-US" sz="2400" b="1" dirty="0" smtClean="0"/>
-              <a:t> </a:t>
-            </a:r>
-            <a:r>
-              <a:rPr lang="en-US" sz="2400" dirty="0" smtClean="0"/>
-              <a:t> </a:t>
-            </a:r>
-            <a:endParaRPr lang="uk-UA" sz="2800" b="1" dirty="0" smtClean="0"/>
-          </a:p>
-        </p:txBody>
-      </p:sp>
-      <p:sp>
-        <p:nvSpPr>
-          <p:cNvPr id="13" name="Rectangle 2"/>
-          <p:cNvSpPr>
-            <a:spLocks noChangeArrowheads="1"/>
-          </p:cNvSpPr>
-          <p:nvPr/>
-        </p:nvSpPr>
-        <p:spPr bwMode="auto">
-          <a:xfrm>
-            <a:off x="827584" y="4994592"/>
-            <a:ext cx="7560840" cy="738664"/>
-          </a:xfrm>
-          <a:prstGeom prst="rect">
-            <a:avLst/>
-          </a:prstGeom>
-          <a:solidFill>
-            <a:srgbClr val="FFFFFF"/>
-          </a:solidFill>
-          <a:ln w="9525">
-            <a:noFill/>
-            <a:miter lim="800000"/>
-            <a:headEnd/>
-            <a:tailEnd/>
-          </a:ln>
-          <a:effectLst/>
-        </p:spPr>
-        <p:txBody>
-          <a:bodyPr vert="horz" wrap="square" lIns="91440" tIns="45720" rIns="91440" bIns="45720" numCol="1" anchor="ctr" anchorCtr="0" compatLnSpc="1">
-            <a:prstTxWarp prst="textNoShape">
-              <a:avLst/>
-            </a:prstTxWarp>
-            <a:spAutoFit/>
-          </a:bodyPr>
-          <a:lstStyle/>
-          <a:p>
-            <a:pPr marL="0" marR="0" lvl="0" indent="0" algn="just" defTabSz="914400" rtl="0" eaLnBrk="1" fontAlgn="base" latinLnBrk="0" hangingPunct="1">
-              <a:lnSpc>
-                <a:spcPct val="100000"/>
-              </a:lnSpc>
-              <a:spcBef>
-                <a:spcPct val="0"/>
-              </a:spcBef>
-              <a:spcAft>
-                <a:spcPct val="0"/>
-              </a:spcAft>
-              <a:buClrTx/>
-              <a:buSzTx/>
-              <a:buFontTx/>
-              <a:buNone/>
-              <a:tabLst/>
-            </a:pPr>
-            <a:r>
-              <a:rPr lang="ru-RU" sz="1400" dirty="0" smtClean="0">
-                <a:solidFill>
-                  <a:srgbClr val="252525"/>
-                </a:solidFill>
-                <a:latin typeface="Arial" pitchFamily="34" charset="0"/>
-                <a:cs typeface="Arial" pitchFamily="34" charset="0"/>
-              </a:rPr>
-              <a:t>Раздача </a:t>
-            </a:r>
-            <a:r>
-              <a:rPr lang="en-US" sz="1400" dirty="0" smtClean="0">
-                <a:solidFill>
-                  <a:srgbClr val="252525"/>
-                </a:solidFill>
-                <a:latin typeface="Arial" pitchFamily="34" charset="0"/>
-                <a:cs typeface="Arial" pitchFamily="34" charset="0"/>
-              </a:rPr>
-              <a:t>IP </a:t>
-            </a:r>
-            <a:r>
-              <a:rPr lang="ru-RU" sz="1400" dirty="0" smtClean="0">
-                <a:solidFill>
-                  <a:srgbClr val="252525"/>
-                </a:solidFill>
-                <a:latin typeface="Arial" pitchFamily="34" charset="0"/>
-                <a:cs typeface="Arial" pitchFamily="34" charset="0"/>
-              </a:rPr>
-              <a:t>адресов, как ограниченного ресурса осуществляется рядом некоммерческих организаций, которые «делятся» с провайдерами, а те, в свою очередь, раздают адреса конечным получателям. </a:t>
-            </a:r>
-            <a:endParaRPr kumimoji="0" lang="uk-UA" sz="1400" i="0" u="none" strike="noStrike" cap="none" normalizeH="0" baseline="0" dirty="0" smtClean="0">
-              <a:ln>
-                <a:noFill/>
-              </a:ln>
-              <a:solidFill>
-                <a:schemeClr val="tx1"/>
-              </a:solidFill>
-              <a:effectLst/>
-              <a:latin typeface="Arial" pitchFamily="34" charset="0"/>
-              <a:cs typeface="Arial" pitchFamily="34" charset="0"/>
-            </a:endParaRPr>
-          </a:p>
-        </p:txBody>
-      </p:sp>
-    </p:spTree>
-  </p:cSld>
-  <p:clrMapOvr>
-    <a:masterClrMapping/>
-  </p:clrMapOvr>
-</p:sld>
-</file>
-
-<file path=ppt/slides/slide4.xml><?xml version="1.0" encoding="utf-8"?>
-<p:sld xmlns:a="http://schemas.openxmlformats.org/drawingml/2006/main" xmlns:r="http://schemas.openxmlformats.org/officeDocument/2006/relationships" xmlns:p="http://schemas.openxmlformats.org/presentationml/2006/main">
-  <p:cSld>
-    <p:spTree>
-      <p:nvGrpSpPr>
-        <p:cNvPr id="1" name=""/>
-        <p:cNvGrpSpPr/>
-        <p:nvPr/>
-      </p:nvGrpSpPr>
-      <p:grpSpPr>
-        <a:xfrm>
-          <a:off x="0" y="0"/>
-          <a:ext cx="0" cy="0"/>
-          <a:chOff x="0" y="0"/>
-          <a:chExt cx="0" cy="0"/>
-        </a:xfrm>
-      </p:grpSpPr>
-      <p:sp>
-        <p:nvSpPr>
-          <p:cNvPr id="4" name="Заголовок 1"/>
-          <p:cNvSpPr txBox="1">
-            <a:spLocks/>
-          </p:cNvSpPr>
-          <p:nvPr/>
-        </p:nvSpPr>
-        <p:spPr>
-          <a:xfrm>
-            <a:off x="611560" y="332656"/>
-            <a:ext cx="8229600" cy="706090"/>
-          </a:xfrm>
-          <a:prstGeom prst="rect">
-            <a:avLst/>
-          </a:prstGeom>
-        </p:spPr>
-        <p:txBody>
-          <a:bodyPr vert="horz" lIns="91440" tIns="45720" rIns="91440" bIns="45720" rtlCol="0" anchor="ctr">
-            <a:normAutofit fontScale="82500" lnSpcReduction="10000"/>
-          </a:bodyPr>
-          <a:lstStyle/>
-          <a:p>
-            <a:pPr marL="0" marR="0" lvl="0" indent="0" algn="ctr" defTabSz="914400" rtl="0" eaLnBrk="1" fontAlgn="auto" latinLnBrk="0" hangingPunct="1">
-              <a:lnSpc>
-                <a:spcPct val="100000"/>
-              </a:lnSpc>
-              <a:spcBef>
-                <a:spcPct val="0"/>
-              </a:spcBef>
-              <a:spcAft>
-                <a:spcPts val="0"/>
-              </a:spcAft>
-              <a:buClrTx/>
-              <a:buSzTx/>
-              <a:buFontTx/>
-              <a:buNone/>
-              <a:tabLst/>
-              <a:defRPr/>
-            </a:pPr>
-            <a:r>
-              <a:rPr lang="ru-RU" sz="4400" dirty="0" smtClean="0">
-                <a:latin typeface="+mj-lt"/>
-                <a:ea typeface="+mj-ea"/>
-                <a:cs typeface="+mj-cs"/>
-              </a:rPr>
-              <a:t>Как узнать </a:t>
-            </a:r>
-            <a:r>
-              <a:rPr lang="en-US" sz="4400" dirty="0" smtClean="0">
-                <a:latin typeface="+mj-lt"/>
-                <a:ea typeface="+mj-ea"/>
-                <a:cs typeface="+mj-cs"/>
-              </a:rPr>
-              <a:t>IP</a:t>
-            </a:r>
-            <a:r>
-              <a:rPr lang="ru-RU" sz="4400" dirty="0" smtClean="0">
-                <a:latin typeface="+mj-lt"/>
-                <a:ea typeface="+mj-ea"/>
-                <a:cs typeface="+mj-cs"/>
-              </a:rPr>
-              <a:t> адрес своего компьютера</a:t>
-            </a:r>
-            <a:r>
-              <a:rPr kumimoji="0" lang="ru-RU" sz="4400" b="0" i="0" u="none" strike="noStrike" kern="1200" cap="none" spc="0" normalizeH="0" baseline="0" noProof="0" dirty="0" smtClean="0">
-                <a:ln>
-                  <a:noFill/>
-                </a:ln>
-                <a:solidFill>
-                  <a:schemeClr val="tx1"/>
-                </a:solidFill>
-                <a:effectLst/>
-                <a:uLnTx/>
-                <a:uFillTx/>
-                <a:latin typeface="+mj-lt"/>
-                <a:ea typeface="+mj-ea"/>
-                <a:cs typeface="+mj-cs"/>
-              </a:rPr>
-              <a:t>:</a:t>
-            </a:r>
-            <a:endParaRPr kumimoji="0" lang="uk-UA" sz="4400" b="0" i="0" u="none" strike="noStrike" kern="1200" cap="none" spc="0" normalizeH="0" baseline="0" noProof="0" dirty="0">
-              <a:ln>
-                <a:noFill/>
-              </a:ln>
-              <a:solidFill>
-                <a:schemeClr val="tx1"/>
-              </a:solidFill>
-              <a:effectLst/>
-              <a:uLnTx/>
-              <a:uFillTx/>
-              <a:latin typeface="+mj-lt"/>
-              <a:ea typeface="+mj-ea"/>
-              <a:cs typeface="+mj-cs"/>
-            </a:endParaRPr>
-          </a:p>
-        </p:txBody>
-      </p:sp>
-      <p:sp>
-        <p:nvSpPr>
-          <p:cNvPr id="5" name="Заголовок 1"/>
-          <p:cNvSpPr txBox="1">
-            <a:spLocks/>
-          </p:cNvSpPr>
-          <p:nvPr/>
-        </p:nvSpPr>
-        <p:spPr>
-          <a:xfrm>
-            <a:off x="611560" y="980728"/>
-            <a:ext cx="8229600" cy="576064"/>
-          </a:xfrm>
-          <a:prstGeom prst="rect">
-            <a:avLst/>
-          </a:prstGeom>
-        </p:spPr>
-        <p:txBody>
-          <a:bodyPr vert="horz" lIns="91440" tIns="45720" rIns="91440" bIns="45720" rtlCol="0" anchor="ctr">
-            <a:normAutofit fontScale="97500"/>
-          </a:bodyPr>
-          <a:lstStyle/>
-          <a:p>
-            <a:pPr algn="ctr">
-              <a:spcBef>
-                <a:spcPct val="0"/>
-              </a:spcBef>
-            </a:pPr>
-            <a:r>
-              <a:rPr lang="ru-RU" sz="2800" dirty="0" smtClean="0">
-                <a:latin typeface="+mj-lt"/>
-                <a:ea typeface="+mj-ea"/>
-                <a:cs typeface="+mj-cs"/>
-              </a:rPr>
-              <a:t>Консольная команда </a:t>
-            </a:r>
-            <a:r>
-              <a:rPr lang="en-US" sz="2800" b="1" dirty="0" err="1" smtClean="0">
-                <a:latin typeface="+mj-lt"/>
-                <a:ea typeface="+mj-ea"/>
-                <a:cs typeface="+mj-cs"/>
-              </a:rPr>
-              <a:t>ipconfig</a:t>
-            </a:r>
-            <a:r>
-              <a:rPr lang="en-US" sz="2800" b="1" dirty="0" smtClean="0">
-                <a:latin typeface="+mj-lt"/>
-                <a:ea typeface="+mj-ea"/>
-                <a:cs typeface="+mj-cs"/>
-              </a:rPr>
-              <a:t> </a:t>
-            </a:r>
-            <a:r>
-              <a:rPr lang="ru-RU" sz="2800" dirty="0" smtClean="0">
-                <a:latin typeface="+mj-lt"/>
-                <a:ea typeface="+mj-ea"/>
-                <a:cs typeface="+mj-cs"/>
-              </a:rPr>
-              <a:t>расскаже</a:t>
-            </a:r>
-            <a:r>
-              <a:rPr lang="ru-RU" sz="2800" dirty="0" smtClean="0">
-                <a:latin typeface="+mj-lt"/>
-                <a:ea typeface="+mj-ea"/>
-                <a:cs typeface="+mj-cs"/>
-              </a:rPr>
-              <a:t>т</a:t>
-            </a:r>
-            <a:r>
-              <a:rPr lang="ru-RU" sz="2800" dirty="0" smtClean="0">
-                <a:latin typeface="+mj-lt"/>
-                <a:ea typeface="+mj-ea"/>
-                <a:cs typeface="+mj-cs"/>
-              </a:rPr>
-              <a:t> </a:t>
-            </a:r>
-            <a:endParaRPr lang="uk-UA" sz="2800" b="1" dirty="0" smtClean="0"/>
-          </a:p>
-        </p:txBody>
-      </p:sp>
-      <p:sp>
-        <p:nvSpPr>
-          <p:cNvPr id="6" name="Прямоугольник 5"/>
-          <p:cNvSpPr/>
-          <p:nvPr/>
-        </p:nvSpPr>
-        <p:spPr>
-          <a:xfrm>
-            <a:off x="611560" y="1628800"/>
-            <a:ext cx="7920880" cy="646331"/>
-          </a:xfrm>
-          <a:prstGeom prst="rect">
-            <a:avLst/>
-          </a:prstGeom>
-        </p:spPr>
-        <p:txBody>
-          <a:bodyPr wrap="square">
-            <a:spAutoFit/>
-          </a:bodyPr>
-          <a:lstStyle/>
-          <a:p>
-            <a:r>
-              <a:rPr lang="en-US" dirty="0" smtClean="0"/>
-              <a:t>1. </a:t>
-            </a:r>
-            <a:r>
-              <a:rPr lang="ru-RU" dirty="0" smtClean="0"/>
-              <a:t>Запускаем </a:t>
-            </a:r>
-            <a:r>
-              <a:rPr lang="ru-RU" dirty="0" smtClean="0"/>
-              <a:t>командную строку </a:t>
-            </a:r>
-            <a:r>
-              <a:rPr lang="ru-RU" dirty="0" err="1" smtClean="0"/>
-              <a:t>Windows</a:t>
-            </a:r>
-            <a:r>
-              <a:rPr lang="ru-RU" dirty="0" smtClean="0"/>
-              <a:t> (для этого можно нажать </a:t>
-            </a:r>
-            <a:r>
-              <a:rPr lang="ru-RU" dirty="0" smtClean="0"/>
-              <a:t>кнопки</a:t>
-            </a:r>
-            <a:r>
-              <a:rPr lang="en-US" dirty="0" smtClean="0"/>
-              <a:t> </a:t>
-            </a:r>
-            <a:r>
-              <a:rPr lang="en-US" dirty="0" smtClean="0"/>
-              <a:t>WIN+R</a:t>
-            </a:r>
-            <a:r>
-              <a:rPr lang="ru-RU" dirty="0" smtClean="0"/>
-              <a:t>), </a:t>
-            </a:r>
-            <a:r>
-              <a:rPr lang="ru-RU" dirty="0" smtClean="0"/>
-              <a:t>вводим три буквы CMD, нажимаем </a:t>
-            </a:r>
-            <a:r>
-              <a:rPr lang="ru-RU" dirty="0" err="1" smtClean="0"/>
-              <a:t>Enter</a:t>
-            </a:r>
-            <a:endParaRPr lang="uk-UA" dirty="0"/>
-          </a:p>
-        </p:txBody>
-      </p:sp>
-      <p:pic>
-        <p:nvPicPr>
-          <p:cNvPr id="16386" name="Picture 2" descr="http://aleksandr-krylov.ru/uploads/_pages/28/win_r.jpg"/>
-          <p:cNvPicPr>
-            <a:picLocks noChangeAspect="1" noChangeArrowheads="1"/>
-          </p:cNvPicPr>
-          <p:nvPr/>
-        </p:nvPicPr>
-        <p:blipFill>
-          <a:blip r:embed="rId2" cstate="print"/>
-          <a:srcRect/>
-          <a:stretch>
-            <a:fillRect/>
-          </a:stretch>
-        </p:blipFill>
-        <p:spPr bwMode="auto">
-          <a:xfrm>
-            <a:off x="1954163" y="2492896"/>
-            <a:ext cx="1609725" cy="1390651"/>
-          </a:xfrm>
-          <a:prstGeom prst="rect">
-            <a:avLst/>
-          </a:prstGeom>
-          <a:noFill/>
-        </p:spPr>
-      </p:pic>
-      <p:pic>
-        <p:nvPicPr>
-          <p:cNvPr id="16388" name="Picture 4" descr="http://aleksandr-krylov.ru/uploads/_pages/28/winrcmd.png"/>
-          <p:cNvPicPr>
-            <a:picLocks noChangeAspect="1" noChangeArrowheads="1"/>
-          </p:cNvPicPr>
-          <p:nvPr/>
-        </p:nvPicPr>
-        <p:blipFill>
-          <a:blip r:embed="rId3" cstate="print"/>
-          <a:srcRect/>
-          <a:stretch>
-            <a:fillRect/>
-          </a:stretch>
-        </p:blipFill>
-        <p:spPr bwMode="auto">
-          <a:xfrm>
-            <a:off x="4716016" y="2348880"/>
-            <a:ext cx="2980023" cy="1760923"/>
-          </a:xfrm>
-          <a:prstGeom prst="rect">
-            <a:avLst/>
-          </a:prstGeom>
-          <a:noFill/>
-        </p:spPr>
-      </p:pic>
-      <p:pic>
-        <p:nvPicPr>
-          <p:cNvPr id="16389" name="Picture 5"/>
-          <p:cNvPicPr>
-            <a:picLocks noChangeAspect="1" noChangeArrowheads="1"/>
-          </p:cNvPicPr>
-          <p:nvPr/>
-        </p:nvPicPr>
-        <p:blipFill>
-          <a:blip r:embed="rId4" cstate="print"/>
-          <a:srcRect b="68318"/>
-          <a:stretch>
-            <a:fillRect/>
-          </a:stretch>
-        </p:blipFill>
-        <p:spPr bwMode="auto">
-          <a:xfrm>
-            <a:off x="1331640" y="4770200"/>
-            <a:ext cx="6448425" cy="1035064"/>
-          </a:xfrm>
-          <a:prstGeom prst="rect">
-            <a:avLst/>
-          </a:prstGeom>
-          <a:noFill/>
-          <a:ln w="9525">
-            <a:noFill/>
-            <a:miter lim="800000"/>
-            <a:headEnd/>
-            <a:tailEnd/>
-          </a:ln>
-        </p:spPr>
-      </p:pic>
-      <p:sp>
-        <p:nvSpPr>
-          <p:cNvPr id="11" name="Прямоугольник 10"/>
-          <p:cNvSpPr/>
-          <p:nvPr/>
-        </p:nvSpPr>
-        <p:spPr>
-          <a:xfrm>
-            <a:off x="611560" y="4149080"/>
-            <a:ext cx="7920880" cy="369332"/>
-          </a:xfrm>
-          <a:prstGeom prst="rect">
-            <a:avLst/>
-          </a:prstGeom>
-        </p:spPr>
-        <p:txBody>
-          <a:bodyPr wrap="square">
-            <a:spAutoFit/>
-          </a:bodyPr>
-          <a:lstStyle/>
-          <a:p>
-            <a:r>
-              <a:rPr lang="ru-RU" dirty="0" smtClean="0"/>
-              <a:t>2</a:t>
-            </a:r>
-            <a:r>
-              <a:rPr lang="en-US" dirty="0" smtClean="0"/>
-              <a:t>. </a:t>
-            </a:r>
-            <a:r>
-              <a:rPr lang="ru-RU" dirty="0" smtClean="0"/>
-              <a:t>В окне консоли</a:t>
-            </a:r>
-            <a:r>
-              <a:rPr lang="en-US" dirty="0" smtClean="0"/>
-              <a:t> (</a:t>
-            </a:r>
-            <a:r>
-              <a:rPr lang="ru-RU" dirty="0" smtClean="0"/>
-              <a:t>командной строки</a:t>
-            </a:r>
-            <a:r>
-              <a:rPr lang="en-US" dirty="0" smtClean="0"/>
-              <a:t>)</a:t>
-            </a:r>
-            <a:r>
-              <a:rPr lang="ru-RU" dirty="0" smtClean="0"/>
-              <a:t> вводим команду </a:t>
-            </a:r>
-            <a:r>
-              <a:rPr lang="en-US" b="1" dirty="0" err="1" smtClean="0"/>
-              <a:t>ipconfig</a:t>
-            </a:r>
-            <a:r>
-              <a:rPr lang="ru-RU" dirty="0" smtClean="0"/>
-              <a:t> и жмём </a:t>
-            </a:r>
-            <a:r>
-              <a:rPr lang="en-US" dirty="0" smtClean="0"/>
-              <a:t>Enter</a:t>
-            </a:r>
-            <a:r>
-              <a:rPr lang="ru-RU" dirty="0" smtClean="0"/>
-              <a:t> </a:t>
-            </a:r>
-            <a:endParaRPr lang="uk-UA" dirty="0"/>
-          </a:p>
-        </p:txBody>
-      </p:sp>
-    </p:spTree>
-  </p:cSld>
-  <p:clrMapOvr>
-    <a:masterClrMapping/>
-  </p:clrMapOvr>
-</p:sld>
-</file>
-
-<file path=ppt/slides/slide5.xml><?xml version="1.0" encoding="utf-8"?>
-<p:sld xmlns:a="http://schemas.openxmlformats.org/drawingml/2006/main" xmlns:r="http://schemas.openxmlformats.org/officeDocument/2006/relationships" xmlns:p="http://schemas.openxmlformats.org/presentationml/2006/main">
-  <p:cSld>
-    <p:spTree>
-      <p:nvGrpSpPr>
-        <p:cNvPr id="1" name=""/>
-        <p:cNvGrpSpPr/>
-        <p:nvPr/>
-      </p:nvGrpSpPr>
-      <p:grpSpPr>
-        <a:xfrm>
-          <a:off x="0" y="0"/>
-          <a:ext cx="0" cy="0"/>
-          <a:chOff x="0" y="0"/>
-          <a:chExt cx="0" cy="0"/>
-        </a:xfrm>
-      </p:grpSpPr>
-      <p:sp>
-        <p:nvSpPr>
-          <p:cNvPr id="4" name="Заголовок 1"/>
-          <p:cNvSpPr txBox="1">
-            <a:spLocks/>
-          </p:cNvSpPr>
-          <p:nvPr/>
-        </p:nvSpPr>
-        <p:spPr>
-          <a:xfrm>
-            <a:off x="611560" y="332656"/>
-            <a:ext cx="8229600" cy="706090"/>
-          </a:xfrm>
-          <a:prstGeom prst="rect">
-            <a:avLst/>
-          </a:prstGeom>
-        </p:spPr>
-        <p:txBody>
-          <a:bodyPr vert="horz" lIns="91440" tIns="45720" rIns="91440" bIns="45720" rtlCol="0" anchor="ctr">
-            <a:normAutofit fontScale="82500" lnSpcReduction="10000"/>
-          </a:bodyPr>
-          <a:lstStyle/>
-          <a:p>
-            <a:pPr marL="0" marR="0" lvl="0" indent="0" algn="ctr" defTabSz="914400" rtl="0" eaLnBrk="1" fontAlgn="auto" latinLnBrk="0" hangingPunct="1">
-              <a:lnSpc>
-                <a:spcPct val="100000"/>
-              </a:lnSpc>
-              <a:spcBef>
-                <a:spcPct val="0"/>
-              </a:spcBef>
-              <a:spcAft>
-                <a:spcPts val="0"/>
-              </a:spcAft>
-              <a:buClrTx/>
-              <a:buSzTx/>
-              <a:buFontTx/>
-              <a:buNone/>
-              <a:tabLst/>
-              <a:defRPr/>
-            </a:pPr>
-            <a:r>
-              <a:rPr lang="ru-RU" sz="4400" dirty="0" smtClean="0">
-                <a:latin typeface="+mj-lt"/>
-                <a:ea typeface="+mj-ea"/>
-                <a:cs typeface="+mj-cs"/>
-              </a:rPr>
-              <a:t>Как узнать </a:t>
-            </a:r>
-            <a:r>
-              <a:rPr lang="en-US" sz="4400" dirty="0" smtClean="0">
-                <a:latin typeface="+mj-lt"/>
-                <a:ea typeface="+mj-ea"/>
-                <a:cs typeface="+mj-cs"/>
-              </a:rPr>
-              <a:t>IP</a:t>
-            </a:r>
-            <a:r>
-              <a:rPr lang="ru-RU" sz="4400" dirty="0" smtClean="0">
-                <a:latin typeface="+mj-lt"/>
-                <a:ea typeface="+mj-ea"/>
-                <a:cs typeface="+mj-cs"/>
-              </a:rPr>
-              <a:t> адрес своего компьютера</a:t>
-            </a:r>
-            <a:r>
-              <a:rPr kumimoji="0" lang="ru-RU" sz="4400" b="0" i="0" u="none" strike="noStrike" kern="1200" cap="none" spc="0" normalizeH="0" baseline="0" noProof="0" dirty="0" smtClean="0">
-                <a:ln>
-                  <a:noFill/>
-                </a:ln>
-                <a:solidFill>
-                  <a:schemeClr val="tx1"/>
-                </a:solidFill>
-                <a:effectLst/>
-                <a:uLnTx/>
-                <a:uFillTx/>
-                <a:latin typeface="+mj-lt"/>
-                <a:ea typeface="+mj-ea"/>
-                <a:cs typeface="+mj-cs"/>
-              </a:rPr>
-              <a:t>:</a:t>
-            </a:r>
-            <a:endParaRPr kumimoji="0" lang="uk-UA" sz="4400" b="0" i="0" u="none" strike="noStrike" kern="1200" cap="none" spc="0" normalizeH="0" baseline="0" noProof="0" dirty="0">
-              <a:ln>
-                <a:noFill/>
-              </a:ln>
-              <a:solidFill>
-                <a:schemeClr val="tx1"/>
-              </a:solidFill>
-              <a:effectLst/>
-              <a:uLnTx/>
-              <a:uFillTx/>
-              <a:latin typeface="+mj-lt"/>
-              <a:ea typeface="+mj-ea"/>
-              <a:cs typeface="+mj-cs"/>
-            </a:endParaRPr>
-          </a:p>
-        </p:txBody>
-      </p:sp>
-      <p:sp>
-        <p:nvSpPr>
-          <p:cNvPr id="5" name="Заголовок 1"/>
-          <p:cNvSpPr txBox="1">
-            <a:spLocks/>
-          </p:cNvSpPr>
-          <p:nvPr/>
-        </p:nvSpPr>
-        <p:spPr>
-          <a:xfrm>
-            <a:off x="611560" y="980728"/>
-            <a:ext cx="8229600" cy="576064"/>
-          </a:xfrm>
-          <a:prstGeom prst="rect">
-            <a:avLst/>
-          </a:prstGeom>
-        </p:spPr>
-        <p:txBody>
-          <a:bodyPr vert="horz" lIns="91440" tIns="45720" rIns="91440" bIns="45720" rtlCol="0" anchor="ctr">
-            <a:normAutofit fontScale="97500"/>
-          </a:bodyPr>
-          <a:lstStyle/>
-          <a:p>
-            <a:pPr algn="ctr">
-              <a:spcBef>
-                <a:spcPct val="0"/>
-              </a:spcBef>
-            </a:pPr>
-            <a:r>
-              <a:rPr lang="ru-RU" sz="2800" dirty="0" smtClean="0">
-                <a:latin typeface="+mj-lt"/>
-                <a:ea typeface="+mj-ea"/>
-                <a:cs typeface="+mj-cs"/>
-              </a:rPr>
-              <a:t>Консольная команда </a:t>
-            </a:r>
-            <a:r>
-              <a:rPr lang="en-US" sz="2800" b="1" dirty="0" err="1" smtClean="0">
-                <a:latin typeface="+mj-lt"/>
-                <a:ea typeface="+mj-ea"/>
-                <a:cs typeface="+mj-cs"/>
-              </a:rPr>
-              <a:t>ipconfig</a:t>
-            </a:r>
-            <a:r>
-              <a:rPr lang="en-US" sz="2800" b="1" dirty="0" smtClean="0">
-                <a:latin typeface="+mj-lt"/>
-                <a:ea typeface="+mj-ea"/>
-                <a:cs typeface="+mj-cs"/>
-              </a:rPr>
-              <a:t> </a:t>
-            </a:r>
-            <a:r>
-              <a:rPr lang="ru-RU" sz="2800" dirty="0" smtClean="0">
-                <a:latin typeface="+mj-lt"/>
-                <a:ea typeface="+mj-ea"/>
-                <a:cs typeface="+mj-cs"/>
-              </a:rPr>
-              <a:t>расскаже</a:t>
-            </a:r>
-            <a:r>
-              <a:rPr lang="ru-RU" sz="2800" dirty="0" smtClean="0">
-                <a:latin typeface="+mj-lt"/>
-                <a:ea typeface="+mj-ea"/>
-                <a:cs typeface="+mj-cs"/>
-              </a:rPr>
-              <a:t>т</a:t>
-            </a:r>
-            <a:r>
-              <a:rPr lang="ru-RU" sz="2800" dirty="0" smtClean="0">
-                <a:latin typeface="+mj-lt"/>
-                <a:ea typeface="+mj-ea"/>
-                <a:cs typeface="+mj-cs"/>
-              </a:rPr>
-              <a:t> </a:t>
-            </a:r>
-            <a:endParaRPr lang="uk-UA" sz="2800" b="1" dirty="0" smtClean="0"/>
-          </a:p>
-        </p:txBody>
-      </p:sp>
-      <p:sp>
-        <p:nvSpPr>
-          <p:cNvPr id="6" name="Прямоугольник 5"/>
-          <p:cNvSpPr/>
-          <p:nvPr/>
-        </p:nvSpPr>
-        <p:spPr>
-          <a:xfrm>
-            <a:off x="611560" y="1628800"/>
-            <a:ext cx="7920880" cy="369332"/>
-          </a:xfrm>
-          <a:prstGeom prst="rect">
-            <a:avLst/>
-          </a:prstGeom>
-        </p:spPr>
-        <p:txBody>
-          <a:bodyPr wrap="square">
-            <a:spAutoFit/>
-          </a:bodyPr>
-          <a:lstStyle/>
-          <a:p>
-            <a:r>
-              <a:rPr lang="en-US" dirty="0" smtClean="0"/>
-              <a:t>3. </a:t>
-            </a:r>
-            <a:r>
-              <a:rPr lang="ru-RU" dirty="0" smtClean="0"/>
-              <a:t>Результат будет иметь следующий вид:</a:t>
-            </a:r>
-            <a:endParaRPr lang="uk-UA" dirty="0"/>
-          </a:p>
-        </p:txBody>
-      </p:sp>
-      <p:pic>
-        <p:nvPicPr>
-          <p:cNvPr id="18435" name="Picture 3"/>
-          <p:cNvPicPr>
-            <a:picLocks noChangeAspect="1" noChangeArrowheads="1"/>
-          </p:cNvPicPr>
-          <p:nvPr/>
-        </p:nvPicPr>
-        <p:blipFill>
-          <a:blip r:embed="rId2" cstate="print"/>
-          <a:srcRect/>
-          <a:stretch>
-            <a:fillRect/>
-          </a:stretch>
-        </p:blipFill>
-        <p:spPr bwMode="auto">
-          <a:xfrm>
-            <a:off x="1507951" y="2250157"/>
-            <a:ext cx="6448425" cy="3267075"/>
-          </a:xfrm>
-          <a:prstGeom prst="rect">
-            <a:avLst/>
-          </a:prstGeom>
-          <a:noFill/>
-          <a:ln w="9525">
-            <a:noFill/>
-            <a:miter lim="800000"/>
-            <a:headEnd/>
-            <a:tailEnd/>
-          </a:ln>
-        </p:spPr>
-      </p:pic>
-    </p:spTree>
-  </p:cSld>
-  <p:clrMapOvr>
-    <a:masterClrMapping/>
-  </p:clrMapOvr>
-</p:sld>
-</file>
-
-<file path=ppt/slides/slide6.xml><?xml version="1.0" encoding="utf-8"?>
-<p:sld xmlns:a="http://schemas.openxmlformats.org/drawingml/2006/main" xmlns:r="http://schemas.openxmlformats.org/officeDocument/2006/relationships" xmlns:p="http://schemas.openxmlformats.org/presentationml/2006/main">
-  <p:cSld>
-    <p:spTree>
-      <p:nvGrpSpPr>
-        <p:cNvPr id="1" name=""/>
-        <p:cNvGrpSpPr/>
-        <p:nvPr/>
-      </p:nvGrpSpPr>
-      <p:grpSpPr>
-        <a:xfrm>
-          <a:off x="0" y="0"/>
-          <a:ext cx="0" cy="0"/>
-          <a:chOff x="0" y="0"/>
-          <a:chExt cx="0" cy="0"/>
-        </a:xfrm>
-      </p:grpSpPr>
-      <p:sp>
-        <p:nvSpPr>
-          <p:cNvPr id="2" name="Заголовок 1"/>
-          <p:cNvSpPr>
-            <a:spLocks noGrp="1"/>
-          </p:cNvSpPr>
-          <p:nvPr>
-            <p:ph type="title"/>
-          </p:nvPr>
-        </p:nvSpPr>
-        <p:spPr/>
-        <p:txBody>
-          <a:bodyPr/>
-          <a:lstStyle/>
-          <a:p>
-            <a:r>
-              <a:rPr lang="ru-RU" dirty="0" smtClean="0"/>
-              <a:t>Помнить </a:t>
-            </a:r>
-            <a:r>
-              <a:rPr lang="en-US" dirty="0" smtClean="0"/>
-              <a:t>IP </a:t>
-            </a:r>
-            <a:r>
-              <a:rPr lang="ru-RU" dirty="0" smtClean="0"/>
-              <a:t>адреса сложно</a:t>
-            </a:r>
-            <a:endParaRPr lang="uk-UA" dirty="0"/>
-          </a:p>
-        </p:txBody>
-      </p:sp>
-      <p:sp>
-        <p:nvSpPr>
-          <p:cNvPr id="4" name="Прямоугольник 3"/>
-          <p:cNvSpPr/>
-          <p:nvPr/>
-        </p:nvSpPr>
-        <p:spPr>
-          <a:xfrm>
-            <a:off x="827584" y="1988840"/>
-            <a:ext cx="7704856" cy="1200329"/>
-          </a:xfrm>
-          <a:prstGeom prst="rect">
-            <a:avLst/>
-          </a:prstGeom>
-        </p:spPr>
-        <p:txBody>
-          <a:bodyPr wrap="square">
-            <a:spAutoFit/>
-          </a:bodyPr>
-          <a:lstStyle/>
-          <a:p>
-            <a:r>
-              <a:rPr lang="ru-RU" b="1" dirty="0" smtClean="0"/>
-              <a:t>DNS</a:t>
-            </a:r>
-            <a:r>
-              <a:rPr lang="ru-RU" dirty="0" smtClean="0"/>
-              <a:t> (</a:t>
-            </a:r>
-            <a:r>
-              <a:rPr lang="ru-RU" dirty="0" smtClean="0">
-                <a:hlinkClick r:id="rId2" tooltip="Английский язык"/>
-              </a:rPr>
-              <a:t>англ.</a:t>
-            </a:r>
-            <a:r>
-              <a:rPr lang="ru-RU" dirty="0" smtClean="0"/>
-              <a:t> </a:t>
-            </a:r>
-            <a:r>
-              <a:rPr lang="ru-RU" i="1" dirty="0" err="1" smtClean="0"/>
-              <a:t>Domain</a:t>
-            </a:r>
-            <a:r>
-              <a:rPr lang="ru-RU" i="1" dirty="0" smtClean="0"/>
-              <a:t> </a:t>
-            </a:r>
-            <a:r>
-              <a:rPr lang="ru-RU" i="1" dirty="0" err="1" smtClean="0"/>
-              <a:t>Name</a:t>
-            </a:r>
-            <a:r>
-              <a:rPr lang="ru-RU" i="1" dirty="0" smtClean="0"/>
-              <a:t> </a:t>
-            </a:r>
-            <a:r>
-              <a:rPr lang="ru-RU" i="1" dirty="0" err="1" smtClean="0"/>
-              <a:t>System</a:t>
-            </a:r>
-            <a:r>
-              <a:rPr lang="ru-RU" dirty="0" smtClean="0"/>
-              <a:t> — система доменных имён) — </a:t>
-            </a:r>
-            <a:r>
-              <a:rPr lang="ru-RU" dirty="0" err="1" smtClean="0"/>
-              <a:t>компьютерная</a:t>
-            </a:r>
-            <a:r>
-              <a:rPr lang="ru-RU" dirty="0" err="1" smtClean="0">
-                <a:hlinkClick r:id="rId3" tooltip="Распределённые базы данных"/>
-              </a:rPr>
-              <a:t>распределённая</a:t>
-            </a:r>
-            <a:r>
-              <a:rPr lang="ru-RU" dirty="0" smtClean="0">
-                <a:hlinkClick r:id="rId3" tooltip="Распределённые базы данных"/>
-              </a:rPr>
-              <a:t> система</a:t>
-            </a:r>
-            <a:r>
-              <a:rPr lang="ru-RU" dirty="0" smtClean="0"/>
-              <a:t> для получения информации о </a:t>
-            </a:r>
-            <a:r>
-              <a:rPr lang="ru-RU" dirty="0" smtClean="0">
-                <a:hlinkClick r:id="rId4" tooltip="Доменное имя"/>
-              </a:rPr>
-              <a:t>доменах</a:t>
-            </a:r>
-            <a:r>
-              <a:rPr lang="ru-RU" dirty="0" smtClean="0"/>
-              <a:t>. Чаще всего используется для получения IP-адреса по имени </a:t>
-            </a:r>
-            <a:r>
-              <a:rPr lang="ru-RU" dirty="0" smtClean="0">
-                <a:hlinkClick r:id="rId5" tooltip="Хост"/>
-              </a:rPr>
-              <a:t>хоста</a:t>
-            </a:r>
-            <a:r>
-              <a:rPr lang="ru-RU" dirty="0" smtClean="0"/>
-              <a:t> (компьютера или устройства)</a:t>
-            </a:r>
-            <a:endParaRPr lang="uk-UA" dirty="0"/>
-          </a:p>
-        </p:txBody>
-      </p:sp>
-      <p:sp>
-        <p:nvSpPr>
-          <p:cNvPr id="5" name="Rectangle 2"/>
-          <p:cNvSpPr>
-            <a:spLocks noChangeArrowheads="1"/>
-          </p:cNvSpPr>
-          <p:nvPr/>
-        </p:nvSpPr>
-        <p:spPr bwMode="auto">
-          <a:xfrm>
-            <a:off x="899592" y="1053317"/>
-            <a:ext cx="7560840" cy="954107"/>
-          </a:xfrm>
-          <a:prstGeom prst="rect">
-            <a:avLst/>
-          </a:prstGeom>
-          <a:solidFill>
-            <a:srgbClr val="FFFFFF"/>
-          </a:solidFill>
-          <a:ln w="9525">
-            <a:noFill/>
-            <a:miter lim="800000"/>
-            <a:headEnd/>
-            <a:tailEnd/>
-          </a:ln>
-          <a:effectLst/>
-        </p:spPr>
-        <p:txBody>
-          <a:bodyPr vert="horz" wrap="square" lIns="91440" tIns="45720" rIns="91440" bIns="45720" numCol="1" anchor="ctr" anchorCtr="0" compatLnSpc="1">
-            <a:prstTxWarp prst="textNoShape">
-              <a:avLst/>
-            </a:prstTxWarp>
-            <a:spAutoFit/>
-          </a:bodyPr>
-          <a:lstStyle/>
-          <a:p>
-            <a:pPr marL="0" marR="0" lvl="0" indent="0" algn="just" defTabSz="914400" rtl="0" eaLnBrk="1" fontAlgn="base" latinLnBrk="0" hangingPunct="1">
-              <a:lnSpc>
-                <a:spcPct val="100000"/>
-              </a:lnSpc>
-              <a:spcBef>
-                <a:spcPct val="0"/>
-              </a:spcBef>
-              <a:spcAft>
-                <a:spcPct val="0"/>
-              </a:spcAft>
-              <a:buClrTx/>
-              <a:buSzTx/>
-              <a:buFontTx/>
-              <a:buNone/>
-              <a:tabLst/>
-            </a:pPr>
-            <a:r>
-              <a:rPr lang="ru-RU" sz="1400" dirty="0" smtClean="0">
-                <a:solidFill>
-                  <a:srgbClr val="252525"/>
-                </a:solidFill>
-                <a:latin typeface="Arial" pitchFamily="34" charset="0"/>
-                <a:cs typeface="Arial" pitchFamily="34" charset="0"/>
-              </a:rPr>
-              <a:t>При посещении сайтов мы используем более привычную текстовую запись адресов как то </a:t>
-            </a:r>
-            <a:r>
-              <a:rPr lang="en-US" sz="1400" b="1" dirty="0" smtClean="0">
-                <a:solidFill>
-                  <a:srgbClr val="252525"/>
-                </a:solidFill>
-                <a:latin typeface="Arial" pitchFamily="34" charset="0"/>
-                <a:cs typeface="Arial" pitchFamily="34" charset="0"/>
-              </a:rPr>
-              <a:t>itc.ua </a:t>
-            </a:r>
-            <a:r>
-              <a:rPr lang="en-US" sz="1400" dirty="0" smtClean="0">
-                <a:solidFill>
-                  <a:srgbClr val="252525"/>
-                </a:solidFill>
-                <a:latin typeface="Arial" pitchFamily="34" charset="0"/>
-                <a:cs typeface="Arial" pitchFamily="34" charset="0"/>
-              </a:rPr>
-              <a:t>(</a:t>
-            </a:r>
-            <a:r>
-              <a:rPr lang="en-US" sz="1400" b="1" dirty="0" smtClean="0">
-                <a:solidFill>
-                  <a:srgbClr val="252525"/>
-                </a:solidFill>
-                <a:latin typeface="Arial" pitchFamily="34" charset="0"/>
-                <a:cs typeface="Arial" pitchFamily="34" charset="0"/>
-              </a:rPr>
-              <a:t>gorod.dp.ua </a:t>
-            </a:r>
-            <a:r>
-              <a:rPr lang="ru-RU" sz="1400" dirty="0" smtClean="0">
-                <a:solidFill>
-                  <a:srgbClr val="252525"/>
-                </a:solidFill>
-                <a:latin typeface="Arial" pitchFamily="34" charset="0"/>
-                <a:cs typeface="Arial" pitchFamily="34" charset="0"/>
-              </a:rPr>
-              <a:t>и т.д.</a:t>
-            </a:r>
-            <a:r>
-              <a:rPr lang="en-US" sz="1400" dirty="0" smtClean="0">
-                <a:solidFill>
-                  <a:srgbClr val="252525"/>
-                </a:solidFill>
-                <a:latin typeface="Arial" pitchFamily="34" charset="0"/>
-                <a:cs typeface="Arial" pitchFamily="34" charset="0"/>
-              </a:rPr>
-              <a:t>)</a:t>
-            </a:r>
-            <a:r>
-              <a:rPr lang="ru-RU" sz="1400" dirty="0" smtClean="0">
-                <a:solidFill>
-                  <a:srgbClr val="252525"/>
-                </a:solidFill>
-                <a:latin typeface="Arial" pitchFamily="34" charset="0"/>
-                <a:cs typeface="Arial" pitchFamily="34" charset="0"/>
-              </a:rPr>
-              <a:t>, точно так же как адресная книга в телефоне хранит соответствие имён и номеров телефонов, в интернете есть </a:t>
-            </a:r>
-            <a:r>
-              <a:rPr lang="ru-RU" sz="1400" dirty="0" err="1" smtClean="0">
-                <a:solidFill>
-                  <a:srgbClr val="252525"/>
-                </a:solidFill>
-                <a:latin typeface="Arial" pitchFamily="34" charset="0"/>
-                <a:cs typeface="Arial" pitchFamily="34" charset="0"/>
-              </a:rPr>
-              <a:t>подоюная</a:t>
-            </a:r>
-            <a:r>
-              <a:rPr lang="ru-RU" sz="1400" dirty="0" smtClean="0">
-                <a:solidFill>
-                  <a:srgbClr val="252525"/>
-                </a:solidFill>
-                <a:latin typeface="Arial" pitchFamily="34" charset="0"/>
-                <a:cs typeface="Arial" pitchFamily="34" charset="0"/>
-              </a:rPr>
-              <a:t> глобальная «адресная книга».</a:t>
-            </a:r>
-            <a:endParaRPr kumimoji="0" lang="uk-UA" sz="1400" b="1" i="0" u="none" strike="noStrike" cap="none" normalizeH="0" baseline="0" dirty="0" smtClean="0">
-              <a:ln>
-                <a:noFill/>
-              </a:ln>
-              <a:solidFill>
-                <a:schemeClr val="tx1"/>
-              </a:solidFill>
-              <a:effectLst/>
-              <a:latin typeface="Arial" pitchFamily="34" charset="0"/>
-              <a:cs typeface="Arial" pitchFamily="34" charset="0"/>
-            </a:endParaRPr>
-          </a:p>
-        </p:txBody>
-      </p:sp>
-    </p:spTree>
-  </p:cSld>
-  <p:clrMapOvr>
-    <a:masterClrMapping/>
-  </p:clrMapOvr>
-</p:sld>
-</file>
-
-<file path=ppt/slides/slide7.xml><?xml version="1.0" encoding="utf-8"?>
 <p:sld xmlns:a="http://schemas.openxmlformats.org/drawingml/2006/main" xmlns:r="http://schemas.openxmlformats.org/officeDocument/2006/relationships" xmlns:p="http://schemas.openxmlformats.org/presentationml/2006/main">
   <p:cSld>
     <p:spTree>
